--- a/slides/LanguageModels_2.pptx
+++ b/slides/LanguageModels_2.pptx
@@ -137,7 +137,7 @@
 <file path=ppt/revisionInfo.xml><?xml version="1.0" encoding="utf-8"?>
 <p1510:revInfo xmlns:a="http://schemas.openxmlformats.org/drawingml/2006/main" xmlns:r="http://schemas.openxmlformats.org/officeDocument/2006/relationships" xmlns:p1510="http://schemas.microsoft.com/office/powerpoint/2015/10/main">
   <p1510:revLst>
-    <p1510:client id="{E5A29856-A208-4B20-AC04-70EB39C1BF77}" v="108" dt="2024-03-16T22:20:38.883"/>
+    <p1510:client id="{E5A29856-A208-4B20-AC04-70EB39C1BF77}" v="111" dt="2024-03-30T20:58:57.450"/>
   </p1510:revLst>
 </p1510:revInfo>
 </file>
@@ -251,7 +251,7 @@
   <pc:docChgLst>
     <pc:chgData name="Wick, Felix" userId="85efb633-acf6-425d-a271-4f136bfa2fb0" providerId="ADAL" clId="{E5A29856-A208-4B20-AC04-70EB39C1BF77}"/>
     <pc:docChg chg="undo custSel addSld delSld modSld">
-      <pc:chgData name="Wick, Felix" userId="85efb633-acf6-425d-a271-4f136bfa2fb0" providerId="ADAL" clId="{E5A29856-A208-4B20-AC04-70EB39C1BF77}" dt="2024-03-16T22:19:50.480" v="623" actId="1076"/>
+      <pc:chgData name="Wick, Felix" userId="85efb633-acf6-425d-a271-4f136bfa2fb0" providerId="ADAL" clId="{E5A29856-A208-4B20-AC04-70EB39C1BF77}" dt="2024-03-30T20:59:03.771" v="629" actId="1076"/>
       <pc:docMkLst>
         <pc:docMk/>
       </pc:docMkLst>
@@ -493,12 +493,28 @@
           <pc:sldMk cId="4181699343" sldId="319"/>
         </pc:sldMkLst>
       </pc:sldChg>
-      <pc:sldChg chg="add del">
-        <pc:chgData name="Wick, Felix" userId="85efb633-acf6-425d-a271-4f136bfa2fb0" providerId="ADAL" clId="{E5A29856-A208-4B20-AC04-70EB39C1BF77}" dt="2024-03-14T15:16:00.556" v="67" actId="47"/>
+      <pc:sldChg chg="addSp modSp add del mod">
+        <pc:chgData name="Wick, Felix" userId="85efb633-acf6-425d-a271-4f136bfa2fb0" providerId="ADAL" clId="{E5A29856-A208-4B20-AC04-70EB39C1BF77}" dt="2024-03-30T20:59:03.771" v="629" actId="1076"/>
         <pc:sldMkLst>
           <pc:docMk/>
           <pc:sldMk cId="2804191858" sldId="320"/>
         </pc:sldMkLst>
+        <pc:spChg chg="add mod">
+          <ac:chgData name="Wick, Felix" userId="85efb633-acf6-425d-a271-4f136bfa2fb0" providerId="ADAL" clId="{E5A29856-A208-4B20-AC04-70EB39C1BF77}" dt="2024-03-30T20:58:09.211" v="627"/>
+          <ac:spMkLst>
+            <pc:docMk/>
+            <pc:sldMk cId="2804191858" sldId="320"/>
+            <ac:spMk id="11" creationId="{C186A5AD-C177-EB81-8E8A-B822723EAFDD}"/>
+          </ac:spMkLst>
+        </pc:spChg>
+        <pc:spChg chg="add mod">
+          <ac:chgData name="Wick, Felix" userId="85efb633-acf6-425d-a271-4f136bfa2fb0" providerId="ADAL" clId="{E5A29856-A208-4B20-AC04-70EB39C1BF77}" dt="2024-03-30T20:59:03.771" v="629" actId="1076"/>
+          <ac:spMkLst>
+            <pc:docMk/>
+            <pc:sldMk cId="2804191858" sldId="320"/>
+            <ac:spMk id="12" creationId="{C186A5AD-C177-EB81-8E8A-B822723EAFDD}"/>
+          </ac:spMkLst>
+        </pc:spChg>
       </pc:sldChg>
       <pc:sldChg chg="del">
         <pc:chgData name="Wick, Felix" userId="85efb633-acf6-425d-a271-4f136bfa2fb0" providerId="ADAL" clId="{E5A29856-A208-4B20-AC04-70EB39C1BF77}" dt="2024-03-14T15:16:01.931" v="74" actId="47"/>
@@ -948,7 +964,7 @@
           <a:p>
             <a:fld id="{22D193DB-18D6-9041-9C70-C24EC80A4B6E}" type="datetimeFigureOut">
               <a:rPr lang="en-DE" smtClean="0"/>
-              <a:t>03/16/2024</a:t>
+              <a:t>03/30/2024</a:t>
             </a:fld>
             <a:endParaRPr lang="en-DE"/>
           </a:p>
@@ -1365,7 +1381,7 @@
           <a:p>
             <a:fld id="{120A37E0-810F-7549-BC85-637D5E1FD51D}" type="datetime1">
               <a:rPr lang="de-DE" smtClean="0"/>
-              <a:t>16.03.2024</a:t>
+              <a:t>30.03.2024</a:t>
             </a:fld>
             <a:endParaRPr lang="en-DE"/>
           </a:p>
@@ -1565,7 +1581,7 @@
           <a:p>
             <a:fld id="{B5CDBC61-5CF0-994A-BBF1-D8BFDE2785EA}" type="datetime1">
               <a:rPr lang="de-DE" smtClean="0"/>
-              <a:t>16.03.2024</a:t>
+              <a:t>30.03.2024</a:t>
             </a:fld>
             <a:endParaRPr lang="en-DE"/>
           </a:p>
@@ -1775,7 +1791,7 @@
           <a:p>
             <a:fld id="{980A3FD2-7E37-5748-BA1D-94B47BDE01D2}" type="datetime1">
               <a:rPr lang="de-DE" smtClean="0"/>
-              <a:t>16.03.2024</a:t>
+              <a:t>30.03.2024</a:t>
             </a:fld>
             <a:endParaRPr lang="en-DE"/>
           </a:p>
@@ -1975,7 +1991,7 @@
           <a:p>
             <a:fld id="{4D11A56E-48A2-C749-920A-4760650BEACB}" type="datetime1">
               <a:rPr lang="de-DE" smtClean="0"/>
-              <a:t>16.03.2024</a:t>
+              <a:t>30.03.2024</a:t>
             </a:fld>
             <a:endParaRPr lang="en-DE"/>
           </a:p>
@@ -2251,7 +2267,7 @@
           <a:p>
             <a:fld id="{193B0F02-0DA7-1D4C-B01D-75FC069092E3}" type="datetime1">
               <a:rPr lang="de-DE" smtClean="0"/>
-              <a:t>16.03.2024</a:t>
+              <a:t>30.03.2024</a:t>
             </a:fld>
             <a:endParaRPr lang="en-DE"/>
           </a:p>
@@ -2519,7 +2535,7 @@
           <a:p>
             <a:fld id="{51E8D128-44CC-154C-A764-DD0D7DFC9804}" type="datetime1">
               <a:rPr lang="de-DE" smtClean="0"/>
-              <a:t>16.03.2024</a:t>
+              <a:t>30.03.2024</a:t>
             </a:fld>
             <a:endParaRPr lang="en-DE"/>
           </a:p>
@@ -2934,7 +2950,7 @@
           <a:p>
             <a:fld id="{E64FFC17-B050-FC42-BF31-AD49CE23E4C7}" type="datetime1">
               <a:rPr lang="de-DE" smtClean="0"/>
-              <a:t>16.03.2024</a:t>
+              <a:t>30.03.2024</a:t>
             </a:fld>
             <a:endParaRPr lang="en-DE"/>
           </a:p>
@@ -3076,7 +3092,7 @@
           <a:p>
             <a:fld id="{AAA4E4F4-7BF7-5E46-9EF1-2DD0A201804D}" type="datetime1">
               <a:rPr lang="de-DE" smtClean="0"/>
-              <a:t>16.03.2024</a:t>
+              <a:t>30.03.2024</a:t>
             </a:fld>
             <a:endParaRPr lang="en-DE"/>
           </a:p>
@@ -3189,7 +3205,7 @@
           <a:p>
             <a:fld id="{D36C36D5-B192-FA47-9073-DA2AE91E7929}" type="datetime1">
               <a:rPr lang="de-DE" smtClean="0"/>
-              <a:t>16.03.2024</a:t>
+              <a:t>30.03.2024</a:t>
             </a:fld>
             <a:endParaRPr lang="en-DE"/>
           </a:p>
@@ -3502,7 +3518,7 @@
           <a:p>
             <a:fld id="{9EF55385-6396-FD45-BEFF-727CA0DA3623}" type="datetime1">
               <a:rPr lang="de-DE" smtClean="0"/>
-              <a:t>16.03.2024</a:t>
+              <a:t>30.03.2024</a:t>
             </a:fld>
             <a:endParaRPr lang="en-DE"/>
           </a:p>
@@ -3791,7 +3807,7 @@
           <a:p>
             <a:fld id="{FC21FF0E-D010-174A-A1C6-50F9DF078759}" type="datetime1">
               <a:rPr lang="de-DE" smtClean="0"/>
-              <a:t>16.03.2024</a:t>
+              <a:t>30.03.2024</a:t>
             </a:fld>
             <a:endParaRPr lang="en-DE"/>
           </a:p>
@@ -4034,7 +4050,7 @@
           <a:p>
             <a:fld id="{575AFE25-413A-474D-A500-11DF768B34B3}" type="datetime1">
               <a:rPr lang="de-DE" smtClean="0"/>
-              <a:t>16.03.2024</a:t>
+              <a:t>30.03.2024</a:t>
             </a:fld>
             <a:endParaRPr lang="en-DE"/>
           </a:p>
@@ -7029,6 +7045,138 @@
           </a:fontRef>
         </p:style>
       </p:cxnSp>
+      <p:sp>
+        <p:nvSpPr>
+          <p:cNvPr id="12" name="TextBox 10">
+            <a:extLst>
+              <a:ext uri="{FF2B5EF4-FFF2-40B4-BE49-F238E27FC236}">
+                <a16:creationId xmlns:a16="http://schemas.microsoft.com/office/drawing/2014/main" id="{C186A5AD-C177-EB81-8E8A-B822723EAFDD}"/>
+              </a:ext>
+            </a:extLst>
+          </p:cNvPr>
+          <p:cNvSpPr txBox="1"/>
+          <p:nvPr/>
+        </p:nvSpPr>
+        <p:spPr>
+          <a:xfrm>
+            <a:off x="8675494" y="6367274"/>
+            <a:ext cx="1727845" cy="369332"/>
+          </a:xfrm>
+          <a:prstGeom prst="rect">
+            <a:avLst/>
+          </a:prstGeom>
+          <a:noFill/>
+        </p:spPr>
+        <p:txBody>
+          <a:bodyPr wrap="none" rtlCol="0">
+            <a:spAutoFit/>
+          </a:bodyPr>
+          <a:lstStyle>
+            <a:defPPr>
+              <a:defRPr lang="en-DE"/>
+            </a:defPPr>
+            <a:lvl1pPr marL="0" algn="l" defTabSz="914400" rtl="0" eaLnBrk="1" latinLnBrk="0" hangingPunct="1">
+              <a:defRPr sz="1800" kern="1200">
+                <a:solidFill>
+                  <a:schemeClr val="tx1"/>
+                </a:solidFill>
+                <a:latin typeface="+mn-lt"/>
+                <a:ea typeface="+mn-ea"/>
+                <a:cs typeface="+mn-cs"/>
+              </a:defRPr>
+            </a:lvl1pPr>
+            <a:lvl2pPr marL="457200" algn="l" defTabSz="914400" rtl="0" eaLnBrk="1" latinLnBrk="0" hangingPunct="1">
+              <a:defRPr sz="1800" kern="1200">
+                <a:solidFill>
+                  <a:schemeClr val="tx1"/>
+                </a:solidFill>
+                <a:latin typeface="+mn-lt"/>
+                <a:ea typeface="+mn-ea"/>
+                <a:cs typeface="+mn-cs"/>
+              </a:defRPr>
+            </a:lvl2pPr>
+            <a:lvl3pPr marL="914400" algn="l" defTabSz="914400" rtl="0" eaLnBrk="1" latinLnBrk="0" hangingPunct="1">
+              <a:defRPr sz="1800" kern="1200">
+                <a:solidFill>
+                  <a:schemeClr val="tx1"/>
+                </a:solidFill>
+                <a:latin typeface="+mn-lt"/>
+                <a:ea typeface="+mn-ea"/>
+                <a:cs typeface="+mn-cs"/>
+              </a:defRPr>
+            </a:lvl3pPr>
+            <a:lvl4pPr marL="1371600" algn="l" defTabSz="914400" rtl="0" eaLnBrk="1" latinLnBrk="0" hangingPunct="1">
+              <a:defRPr sz="1800" kern="1200">
+                <a:solidFill>
+                  <a:schemeClr val="tx1"/>
+                </a:solidFill>
+                <a:latin typeface="+mn-lt"/>
+                <a:ea typeface="+mn-ea"/>
+                <a:cs typeface="+mn-cs"/>
+              </a:defRPr>
+            </a:lvl4pPr>
+            <a:lvl5pPr marL="1828800" algn="l" defTabSz="914400" rtl="0" eaLnBrk="1" latinLnBrk="0" hangingPunct="1">
+              <a:defRPr sz="1800" kern="1200">
+                <a:solidFill>
+                  <a:schemeClr val="tx1"/>
+                </a:solidFill>
+                <a:latin typeface="+mn-lt"/>
+                <a:ea typeface="+mn-ea"/>
+                <a:cs typeface="+mn-cs"/>
+              </a:defRPr>
+            </a:lvl5pPr>
+            <a:lvl6pPr marL="2286000" algn="l" defTabSz="914400" rtl="0" eaLnBrk="1" latinLnBrk="0" hangingPunct="1">
+              <a:defRPr sz="1800" kern="1200">
+                <a:solidFill>
+                  <a:schemeClr val="tx1"/>
+                </a:solidFill>
+                <a:latin typeface="+mn-lt"/>
+                <a:ea typeface="+mn-ea"/>
+                <a:cs typeface="+mn-cs"/>
+              </a:defRPr>
+            </a:lvl6pPr>
+            <a:lvl7pPr marL="2743200" algn="l" defTabSz="914400" rtl="0" eaLnBrk="1" latinLnBrk="0" hangingPunct="1">
+              <a:defRPr sz="1800" kern="1200">
+                <a:solidFill>
+                  <a:schemeClr val="tx1"/>
+                </a:solidFill>
+                <a:latin typeface="+mn-lt"/>
+                <a:ea typeface="+mn-ea"/>
+                <a:cs typeface="+mn-cs"/>
+              </a:defRPr>
+            </a:lvl7pPr>
+            <a:lvl8pPr marL="3200400" algn="l" defTabSz="914400" rtl="0" eaLnBrk="1" latinLnBrk="0" hangingPunct="1">
+              <a:defRPr sz="1800" kern="1200">
+                <a:solidFill>
+                  <a:schemeClr val="tx1"/>
+                </a:solidFill>
+                <a:latin typeface="+mn-lt"/>
+                <a:ea typeface="+mn-ea"/>
+                <a:cs typeface="+mn-cs"/>
+              </a:defRPr>
+            </a:lvl8pPr>
+            <a:lvl9pPr marL="3657600" algn="l" defTabSz="914400" rtl="0" eaLnBrk="1" latinLnBrk="0" hangingPunct="1">
+              <a:defRPr sz="1800" kern="1200">
+                <a:solidFill>
+                  <a:schemeClr val="tx1"/>
+                </a:solidFill>
+                <a:latin typeface="+mn-lt"/>
+                <a:ea typeface="+mn-ea"/>
+                <a:cs typeface="+mn-cs"/>
+              </a:defRPr>
+            </a:lvl9pPr>
+          </a:lstStyle>
+          <a:p>
+            <a:r>
+              <a:rPr lang="en-GB" dirty="0">
+                <a:hlinkClick r:id="rId5"/>
+              </a:rPr>
+              <a:t>joint embedding</a:t>
+            </a:r>
+            <a:endParaRPr lang="en-GB" dirty="0"/>
+          </a:p>
+        </p:txBody>
+      </p:sp>
     </p:spTree>
     <p:extLst>
       <p:ext uri="{BB962C8B-B14F-4D97-AF65-F5344CB8AC3E}">

--- a/slides/LanguageModels_2.pptx
+++ b/slides/LanguageModels_2.pptx
@@ -964,7 +964,7 @@
           <a:p>
             <a:fld id="{22D193DB-18D6-9041-9C70-C24EC80A4B6E}" type="datetimeFigureOut">
               <a:rPr lang="en-DE" smtClean="0"/>
-              <a:t>03/30/2024</a:t>
+              <a:t>05/30/2024</a:t>
             </a:fld>
             <a:endParaRPr lang="en-DE"/>
           </a:p>
@@ -1381,7 +1381,7 @@
           <a:p>
             <a:fld id="{120A37E0-810F-7549-BC85-637D5E1FD51D}" type="datetime1">
               <a:rPr lang="de-DE" smtClean="0"/>
-              <a:t>30.03.2024</a:t>
+              <a:t>30.05.2024</a:t>
             </a:fld>
             <a:endParaRPr lang="en-DE"/>
           </a:p>
@@ -1581,7 +1581,7 @@
           <a:p>
             <a:fld id="{B5CDBC61-5CF0-994A-BBF1-D8BFDE2785EA}" type="datetime1">
               <a:rPr lang="de-DE" smtClean="0"/>
-              <a:t>30.03.2024</a:t>
+              <a:t>30.05.2024</a:t>
             </a:fld>
             <a:endParaRPr lang="en-DE"/>
           </a:p>
@@ -1791,7 +1791,7 @@
           <a:p>
             <a:fld id="{980A3FD2-7E37-5748-BA1D-94B47BDE01D2}" type="datetime1">
               <a:rPr lang="de-DE" smtClean="0"/>
-              <a:t>30.03.2024</a:t>
+              <a:t>30.05.2024</a:t>
             </a:fld>
             <a:endParaRPr lang="en-DE"/>
           </a:p>
@@ -1991,7 +1991,7 @@
           <a:p>
             <a:fld id="{4D11A56E-48A2-C749-920A-4760650BEACB}" type="datetime1">
               <a:rPr lang="de-DE" smtClean="0"/>
-              <a:t>30.03.2024</a:t>
+              <a:t>30.05.2024</a:t>
             </a:fld>
             <a:endParaRPr lang="en-DE"/>
           </a:p>
@@ -2267,7 +2267,7 @@
           <a:p>
             <a:fld id="{193B0F02-0DA7-1D4C-B01D-75FC069092E3}" type="datetime1">
               <a:rPr lang="de-DE" smtClean="0"/>
-              <a:t>30.03.2024</a:t>
+              <a:t>30.05.2024</a:t>
             </a:fld>
             <a:endParaRPr lang="en-DE"/>
           </a:p>
@@ -2535,7 +2535,7 @@
           <a:p>
             <a:fld id="{51E8D128-44CC-154C-A764-DD0D7DFC9804}" type="datetime1">
               <a:rPr lang="de-DE" smtClean="0"/>
-              <a:t>30.03.2024</a:t>
+              <a:t>30.05.2024</a:t>
             </a:fld>
             <a:endParaRPr lang="en-DE"/>
           </a:p>
@@ -2950,7 +2950,7 @@
           <a:p>
             <a:fld id="{E64FFC17-B050-FC42-BF31-AD49CE23E4C7}" type="datetime1">
               <a:rPr lang="de-DE" smtClean="0"/>
-              <a:t>30.03.2024</a:t>
+              <a:t>30.05.2024</a:t>
             </a:fld>
             <a:endParaRPr lang="en-DE"/>
           </a:p>
@@ -3092,7 +3092,7 @@
           <a:p>
             <a:fld id="{AAA4E4F4-7BF7-5E46-9EF1-2DD0A201804D}" type="datetime1">
               <a:rPr lang="de-DE" smtClean="0"/>
-              <a:t>30.03.2024</a:t>
+              <a:t>30.05.2024</a:t>
             </a:fld>
             <a:endParaRPr lang="en-DE"/>
           </a:p>
@@ -3205,7 +3205,7 @@
           <a:p>
             <a:fld id="{D36C36D5-B192-FA47-9073-DA2AE91E7929}" type="datetime1">
               <a:rPr lang="de-DE" smtClean="0"/>
-              <a:t>30.03.2024</a:t>
+              <a:t>30.05.2024</a:t>
             </a:fld>
             <a:endParaRPr lang="en-DE"/>
           </a:p>
@@ -3518,7 +3518,7 @@
           <a:p>
             <a:fld id="{9EF55385-6396-FD45-BEFF-727CA0DA3623}" type="datetime1">
               <a:rPr lang="de-DE" smtClean="0"/>
-              <a:t>30.03.2024</a:t>
+              <a:t>30.05.2024</a:t>
             </a:fld>
             <a:endParaRPr lang="en-DE"/>
           </a:p>
@@ -3807,7 +3807,7 @@
           <a:p>
             <a:fld id="{FC21FF0E-D010-174A-A1C6-50F9DF078759}" type="datetime1">
               <a:rPr lang="de-DE" smtClean="0"/>
-              <a:t>30.03.2024</a:t>
+              <a:t>30.05.2024</a:t>
             </a:fld>
             <a:endParaRPr lang="en-DE"/>
           </a:p>
@@ -4050,7 +4050,7 @@
           <a:p>
             <a:fld id="{575AFE25-413A-474D-A500-11DF768B34B3}" type="datetime1">
               <a:rPr lang="de-DE" smtClean="0"/>
-              <a:t>30.03.2024</a:t>
+              <a:t>30.05.2024</a:t>
             </a:fld>
             <a:endParaRPr lang="en-DE"/>
           </a:p>
@@ -7448,6 +7448,44 @@
               <a:t>source</a:t>
             </a:r>
             <a:endParaRPr lang="de-DE" sz="1000" dirty="0"/>
+          </a:p>
+        </p:txBody>
+      </p:sp>
+      <p:sp>
+        <p:nvSpPr>
+          <p:cNvPr id="5" name="TextBox 4">
+            <a:extLst>
+              <a:ext uri="{FF2B5EF4-FFF2-40B4-BE49-F238E27FC236}">
+                <a16:creationId xmlns:a16="http://schemas.microsoft.com/office/drawing/2014/main" id="{5D023976-A38B-8DEE-4D68-24D26A9F03A2}"/>
+              </a:ext>
+            </a:extLst>
+          </p:cNvPr>
+          <p:cNvSpPr txBox="1"/>
+          <p:nvPr/>
+        </p:nvSpPr>
+        <p:spPr>
+          <a:xfrm>
+            <a:off x="10797910" y="180459"/>
+            <a:ext cx="1111779" cy="369332"/>
+          </a:xfrm>
+          <a:prstGeom prst="rect">
+            <a:avLst/>
+          </a:prstGeom>
+          <a:noFill/>
+        </p:spPr>
+        <p:txBody>
+          <a:bodyPr wrap="none" rtlCol="0">
+            <a:spAutoFit/>
+          </a:bodyPr>
+          <a:lstStyle/>
+          <a:p>
+            <a:r>
+              <a:rPr lang="en-GB" dirty="0">
+                <a:hlinkClick r:id="rId6"/>
+              </a:rPr>
+              <a:t>VLM intro</a:t>
+            </a:r>
+            <a:endParaRPr lang="en-GB" dirty="0"/>
           </a:p>
         </p:txBody>
       </p:sp>

--- a/slides/LanguageModels_2.pptx
+++ b/slides/LanguageModels_2.pptx
@@ -5,7 +5,7 @@
     <p:sldMasterId id="2147483648" r:id="rId1"/>
   </p:sldMasterIdLst>
   <p:notesMasterIdLst>
-    <p:notesMasterId r:id="rId22"/>
+    <p:notesMasterId r:id="rId21"/>
   </p:notesMasterIdLst>
   <p:sldIdLst>
     <p:sldId id="278" r:id="rId2"/>
@@ -27,7 +27,6 @@
     <p:sldId id="320" r:id="rId18"/>
     <p:sldId id="334" r:id="rId19"/>
     <p:sldId id="336" r:id="rId20"/>
-    <p:sldId id="341" r:id="rId21"/>
   </p:sldIdLst>
   <p:sldSz cx="12192000" cy="6858000"/>
   <p:notesSz cx="6858000" cy="9144000"/>
@@ -964,7 +963,7 @@
           <a:p>
             <a:fld id="{22D193DB-18D6-9041-9C70-C24EC80A4B6E}" type="datetimeFigureOut">
               <a:rPr lang="en-DE" smtClean="0"/>
-              <a:t>05/30/2024</a:t>
+              <a:t>06/05/2024</a:t>
             </a:fld>
             <a:endParaRPr lang="en-DE"/>
           </a:p>
@@ -1381,7 +1380,7 @@
           <a:p>
             <a:fld id="{120A37E0-810F-7549-BC85-637D5E1FD51D}" type="datetime1">
               <a:rPr lang="de-DE" smtClean="0"/>
-              <a:t>30.05.2024</a:t>
+              <a:t>05.06.2024</a:t>
             </a:fld>
             <a:endParaRPr lang="en-DE"/>
           </a:p>
@@ -1581,7 +1580,7 @@
           <a:p>
             <a:fld id="{B5CDBC61-5CF0-994A-BBF1-D8BFDE2785EA}" type="datetime1">
               <a:rPr lang="de-DE" smtClean="0"/>
-              <a:t>30.05.2024</a:t>
+              <a:t>05.06.2024</a:t>
             </a:fld>
             <a:endParaRPr lang="en-DE"/>
           </a:p>
@@ -1791,7 +1790,7 @@
           <a:p>
             <a:fld id="{980A3FD2-7E37-5748-BA1D-94B47BDE01D2}" type="datetime1">
               <a:rPr lang="de-DE" smtClean="0"/>
-              <a:t>30.05.2024</a:t>
+              <a:t>05.06.2024</a:t>
             </a:fld>
             <a:endParaRPr lang="en-DE"/>
           </a:p>
@@ -1991,7 +1990,7 @@
           <a:p>
             <a:fld id="{4D11A56E-48A2-C749-920A-4760650BEACB}" type="datetime1">
               <a:rPr lang="de-DE" smtClean="0"/>
-              <a:t>30.05.2024</a:t>
+              <a:t>05.06.2024</a:t>
             </a:fld>
             <a:endParaRPr lang="en-DE"/>
           </a:p>
@@ -2267,7 +2266,7 @@
           <a:p>
             <a:fld id="{193B0F02-0DA7-1D4C-B01D-75FC069092E3}" type="datetime1">
               <a:rPr lang="de-DE" smtClean="0"/>
-              <a:t>30.05.2024</a:t>
+              <a:t>05.06.2024</a:t>
             </a:fld>
             <a:endParaRPr lang="en-DE"/>
           </a:p>
@@ -2535,7 +2534,7 @@
           <a:p>
             <a:fld id="{51E8D128-44CC-154C-A764-DD0D7DFC9804}" type="datetime1">
               <a:rPr lang="de-DE" smtClean="0"/>
-              <a:t>30.05.2024</a:t>
+              <a:t>05.06.2024</a:t>
             </a:fld>
             <a:endParaRPr lang="en-DE"/>
           </a:p>
@@ -2950,7 +2949,7 @@
           <a:p>
             <a:fld id="{E64FFC17-B050-FC42-BF31-AD49CE23E4C7}" type="datetime1">
               <a:rPr lang="de-DE" smtClean="0"/>
-              <a:t>30.05.2024</a:t>
+              <a:t>05.06.2024</a:t>
             </a:fld>
             <a:endParaRPr lang="en-DE"/>
           </a:p>
@@ -3092,7 +3091,7 @@
           <a:p>
             <a:fld id="{AAA4E4F4-7BF7-5E46-9EF1-2DD0A201804D}" type="datetime1">
               <a:rPr lang="de-DE" smtClean="0"/>
-              <a:t>30.05.2024</a:t>
+              <a:t>05.06.2024</a:t>
             </a:fld>
             <a:endParaRPr lang="en-DE"/>
           </a:p>
@@ -3205,7 +3204,7 @@
           <a:p>
             <a:fld id="{D36C36D5-B192-FA47-9073-DA2AE91E7929}" type="datetime1">
               <a:rPr lang="de-DE" smtClean="0"/>
-              <a:t>30.05.2024</a:t>
+              <a:t>05.06.2024</a:t>
             </a:fld>
             <a:endParaRPr lang="en-DE"/>
           </a:p>
@@ -3518,7 +3517,7 @@
           <a:p>
             <a:fld id="{9EF55385-6396-FD45-BEFF-727CA0DA3623}" type="datetime1">
               <a:rPr lang="de-DE" smtClean="0"/>
-              <a:t>30.05.2024</a:t>
+              <a:t>05.06.2024</a:t>
             </a:fld>
             <a:endParaRPr lang="en-DE"/>
           </a:p>
@@ -3807,7 +3806,7 @@
           <a:p>
             <a:fld id="{FC21FF0E-D010-174A-A1C6-50F9DF078759}" type="datetime1">
               <a:rPr lang="de-DE" smtClean="0"/>
-              <a:t>30.05.2024</a:t>
+              <a:t>05.06.2024</a:t>
             </a:fld>
             <a:endParaRPr lang="en-DE"/>
           </a:p>
@@ -4050,7 +4049,7 @@
           <a:p>
             <a:fld id="{575AFE25-413A-474D-A500-11DF768B34B3}" type="datetime1">
               <a:rPr lang="de-DE" smtClean="0"/>
-              <a:t>30.05.2024</a:t>
+              <a:t>05.06.2024</a:t>
             </a:fld>
             <a:endParaRPr lang="en-DE"/>
           </a:p>
@@ -7789,139 +7788,6 @@
     <p:extLst>
       <p:ext uri="{BB962C8B-B14F-4D97-AF65-F5344CB8AC3E}">
         <p14:creationId xmlns:p14="http://schemas.microsoft.com/office/powerpoint/2010/main" val="1878644999"/>
-      </p:ext>
-    </p:extLst>
-  </p:cSld>
-  <p:clrMapOvr>
-    <a:masterClrMapping/>
-  </p:clrMapOvr>
-</p:sld>
-</file>
-
-<file path=ppt/slides/slide20.xml><?xml version="1.0" encoding="utf-8"?>
-<p:sld xmlns:a="http://schemas.openxmlformats.org/drawingml/2006/main" xmlns:r="http://schemas.openxmlformats.org/officeDocument/2006/relationships" xmlns:p="http://schemas.openxmlformats.org/presentationml/2006/main">
-  <p:cSld>
-    <p:spTree>
-      <p:nvGrpSpPr>
-        <p:cNvPr id="1" name=""/>
-        <p:cNvGrpSpPr/>
-        <p:nvPr/>
-      </p:nvGrpSpPr>
-      <p:grpSpPr>
-        <a:xfrm>
-          <a:off x="0" y="0"/>
-          <a:ext cx="0" cy="0"/>
-          <a:chOff x="0" y="0"/>
-          <a:chExt cx="0" cy="0"/>
-        </a:xfrm>
-      </p:grpSpPr>
-      <p:sp>
-        <p:nvSpPr>
-          <p:cNvPr id="2" name="Title 1">
-            <a:extLst>
-              <a:ext uri="{FF2B5EF4-FFF2-40B4-BE49-F238E27FC236}">
-                <a16:creationId xmlns:a16="http://schemas.microsoft.com/office/drawing/2014/main" id="{844644CC-58B4-DF73-9E10-22273D07512F}"/>
-              </a:ext>
-            </a:extLst>
-          </p:cNvPr>
-          <p:cNvSpPr>
-            <a:spLocks noGrp="1"/>
-          </p:cNvSpPr>
-          <p:nvPr>
-            <p:ph type="title"/>
-          </p:nvPr>
-        </p:nvSpPr>
-        <p:spPr/>
-        <p:txBody>
-          <a:bodyPr/>
-          <a:lstStyle/>
-          <a:p>
-            <a:r>
-              <a:rPr lang="en-GB" dirty="0"/>
-              <a:t>Use LLMs</a:t>
-            </a:r>
-          </a:p>
-        </p:txBody>
-      </p:sp>
-      <p:sp>
-        <p:nvSpPr>
-          <p:cNvPr id="3" name="Content Placeholder 2">
-            <a:extLst>
-              <a:ext uri="{FF2B5EF4-FFF2-40B4-BE49-F238E27FC236}">
-                <a16:creationId xmlns:a16="http://schemas.microsoft.com/office/drawing/2014/main" id="{984BF97C-A33A-7912-7FA1-F88BD3E9DE05}"/>
-              </a:ext>
-            </a:extLst>
-          </p:cNvPr>
-          <p:cNvSpPr>
-            <a:spLocks noGrp="1"/>
-          </p:cNvSpPr>
-          <p:nvPr>
-            <p:ph idx="1"/>
-          </p:nvPr>
-        </p:nvSpPr>
-        <p:spPr/>
-        <p:txBody>
-          <a:bodyPr/>
-          <a:lstStyle/>
-          <a:p>
-            <a:pPr marL="0" indent="0">
-              <a:buNone/>
-            </a:pPr>
-            <a:r>
-              <a:rPr lang="en-GB" dirty="0"/>
-              <a:t>some prompt engineering examples</a:t>
-            </a:r>
-          </a:p>
-          <a:p>
-            <a:pPr marL="0" indent="0">
-              <a:buNone/>
-            </a:pPr>
-            <a:endParaRPr lang="en-GB" dirty="0"/>
-          </a:p>
-          <a:p>
-            <a:pPr marL="0" indent="0">
-              <a:buNone/>
-            </a:pPr>
-            <a:r>
-              <a:rPr lang="en-GB" dirty="0"/>
-              <a:t>coding example: LLM fine-tuning</a:t>
-            </a:r>
-          </a:p>
-        </p:txBody>
-      </p:sp>
-      <p:sp>
-        <p:nvSpPr>
-          <p:cNvPr id="4" name="Slide Number Placeholder 3">
-            <a:extLst>
-              <a:ext uri="{FF2B5EF4-FFF2-40B4-BE49-F238E27FC236}">
-                <a16:creationId xmlns:a16="http://schemas.microsoft.com/office/drawing/2014/main" id="{78FF11BC-C32F-AE54-A7F0-6CDDAE2ACF2B}"/>
-              </a:ext>
-            </a:extLst>
-          </p:cNvPr>
-          <p:cNvSpPr>
-            <a:spLocks noGrp="1"/>
-          </p:cNvSpPr>
-          <p:nvPr>
-            <p:ph type="sldNum" sz="quarter" idx="12"/>
-          </p:nvPr>
-        </p:nvSpPr>
-        <p:spPr/>
-        <p:txBody>
-          <a:bodyPr/>
-          <a:lstStyle/>
-          <a:p>
-            <a:fld id="{849D05A8-43E9-1C49-8606-50AB68220DEC}" type="slidenum">
-              <a:rPr lang="en-DE" smtClean="0"/>
-              <a:t>20</a:t>
-            </a:fld>
-            <a:endParaRPr lang="en-DE"/>
-          </a:p>
-        </p:txBody>
-      </p:sp>
-    </p:spTree>
-    <p:extLst>
-      <p:ext uri="{BB962C8B-B14F-4D97-AF65-F5344CB8AC3E}">
-        <p14:creationId xmlns:p14="http://schemas.microsoft.com/office/powerpoint/2010/main" val="3092055326"/>
       </p:ext>
     </p:extLst>
   </p:cSld>

--- a/slides/LanguageModels_2.pptx
+++ b/slides/LanguageModels_2.pptx
@@ -5,7 +5,7 @@
     <p:sldMasterId id="2147483648" r:id="rId1"/>
   </p:sldMasterIdLst>
   <p:notesMasterIdLst>
-    <p:notesMasterId r:id="rId21"/>
+    <p:notesMasterId r:id="rId22"/>
   </p:notesMasterIdLst>
   <p:sldIdLst>
     <p:sldId id="278" r:id="rId2"/>
@@ -27,6 +27,7 @@
     <p:sldId id="320" r:id="rId18"/>
     <p:sldId id="334" r:id="rId19"/>
     <p:sldId id="336" r:id="rId20"/>
+    <p:sldId id="693" r:id="rId21"/>
   </p:sldIdLst>
   <p:sldSz cx="12192000" cy="6858000"/>
   <p:notesSz cx="6858000" cy="9144000"/>
@@ -963,7 +964,7 @@
           <a:p>
             <a:fld id="{22D193DB-18D6-9041-9C70-C24EC80A4B6E}" type="datetimeFigureOut">
               <a:rPr lang="en-DE" smtClean="0"/>
-              <a:t>06/05/2024</a:t>
+              <a:t>06/06/2024</a:t>
             </a:fld>
             <a:endParaRPr lang="en-DE"/>
           </a:p>
@@ -1380,7 +1381,7 @@
           <a:p>
             <a:fld id="{120A37E0-810F-7549-BC85-637D5E1FD51D}" type="datetime1">
               <a:rPr lang="de-DE" smtClean="0"/>
-              <a:t>05.06.2024</a:t>
+              <a:t>06.06.2024</a:t>
             </a:fld>
             <a:endParaRPr lang="en-DE"/>
           </a:p>
@@ -1580,7 +1581,7 @@
           <a:p>
             <a:fld id="{B5CDBC61-5CF0-994A-BBF1-D8BFDE2785EA}" type="datetime1">
               <a:rPr lang="de-DE" smtClean="0"/>
-              <a:t>05.06.2024</a:t>
+              <a:t>06.06.2024</a:t>
             </a:fld>
             <a:endParaRPr lang="en-DE"/>
           </a:p>
@@ -1790,7 +1791,7 @@
           <a:p>
             <a:fld id="{980A3FD2-7E37-5748-BA1D-94B47BDE01D2}" type="datetime1">
               <a:rPr lang="de-DE" smtClean="0"/>
-              <a:t>05.06.2024</a:t>
+              <a:t>06.06.2024</a:t>
             </a:fld>
             <a:endParaRPr lang="en-DE"/>
           </a:p>
@@ -1990,7 +1991,7 @@
           <a:p>
             <a:fld id="{4D11A56E-48A2-C749-920A-4760650BEACB}" type="datetime1">
               <a:rPr lang="de-DE" smtClean="0"/>
-              <a:t>05.06.2024</a:t>
+              <a:t>06.06.2024</a:t>
             </a:fld>
             <a:endParaRPr lang="en-DE"/>
           </a:p>
@@ -2266,7 +2267,7 @@
           <a:p>
             <a:fld id="{193B0F02-0DA7-1D4C-B01D-75FC069092E3}" type="datetime1">
               <a:rPr lang="de-DE" smtClean="0"/>
-              <a:t>05.06.2024</a:t>
+              <a:t>06.06.2024</a:t>
             </a:fld>
             <a:endParaRPr lang="en-DE"/>
           </a:p>
@@ -2534,7 +2535,7 @@
           <a:p>
             <a:fld id="{51E8D128-44CC-154C-A764-DD0D7DFC9804}" type="datetime1">
               <a:rPr lang="de-DE" smtClean="0"/>
-              <a:t>05.06.2024</a:t>
+              <a:t>06.06.2024</a:t>
             </a:fld>
             <a:endParaRPr lang="en-DE"/>
           </a:p>
@@ -2949,7 +2950,7 @@
           <a:p>
             <a:fld id="{E64FFC17-B050-FC42-BF31-AD49CE23E4C7}" type="datetime1">
               <a:rPr lang="de-DE" smtClean="0"/>
-              <a:t>05.06.2024</a:t>
+              <a:t>06.06.2024</a:t>
             </a:fld>
             <a:endParaRPr lang="en-DE"/>
           </a:p>
@@ -3091,7 +3092,7 @@
           <a:p>
             <a:fld id="{AAA4E4F4-7BF7-5E46-9EF1-2DD0A201804D}" type="datetime1">
               <a:rPr lang="de-DE" smtClean="0"/>
-              <a:t>05.06.2024</a:t>
+              <a:t>06.06.2024</a:t>
             </a:fld>
             <a:endParaRPr lang="en-DE"/>
           </a:p>
@@ -3204,7 +3205,7 @@
           <a:p>
             <a:fld id="{D36C36D5-B192-FA47-9073-DA2AE91E7929}" type="datetime1">
               <a:rPr lang="de-DE" smtClean="0"/>
-              <a:t>05.06.2024</a:t>
+              <a:t>06.06.2024</a:t>
             </a:fld>
             <a:endParaRPr lang="en-DE"/>
           </a:p>
@@ -3517,7 +3518,7 @@
           <a:p>
             <a:fld id="{9EF55385-6396-FD45-BEFF-727CA0DA3623}" type="datetime1">
               <a:rPr lang="de-DE" smtClean="0"/>
-              <a:t>05.06.2024</a:t>
+              <a:t>06.06.2024</a:t>
             </a:fld>
             <a:endParaRPr lang="en-DE"/>
           </a:p>
@@ -3806,7 +3807,7 @@
           <a:p>
             <a:fld id="{FC21FF0E-D010-174A-A1C6-50F9DF078759}" type="datetime1">
               <a:rPr lang="de-DE" smtClean="0"/>
-              <a:t>05.06.2024</a:t>
+              <a:t>06.06.2024</a:t>
             </a:fld>
             <a:endParaRPr lang="en-DE"/>
           </a:p>
@@ -4049,7 +4050,7 @@
           <a:p>
             <a:fld id="{575AFE25-413A-474D-A500-11DF768B34B3}" type="datetime1">
               <a:rPr lang="de-DE" smtClean="0"/>
-              <a:t>05.06.2024</a:t>
+              <a:t>06.06.2024</a:t>
             </a:fld>
             <a:endParaRPr lang="en-DE"/>
           </a:p>
@@ -7788,6 +7789,221 @@
     <p:extLst>
       <p:ext uri="{BB962C8B-B14F-4D97-AF65-F5344CB8AC3E}">
         <p14:creationId xmlns:p14="http://schemas.microsoft.com/office/powerpoint/2010/main" val="1878644999"/>
+      </p:ext>
+    </p:extLst>
+  </p:cSld>
+  <p:clrMapOvr>
+    <a:masterClrMapping/>
+  </p:clrMapOvr>
+</p:sld>
+</file>
+
+<file path=ppt/slides/slide20.xml><?xml version="1.0" encoding="utf-8"?>
+<p:sld xmlns:a="http://schemas.openxmlformats.org/drawingml/2006/main" xmlns:r="http://schemas.openxmlformats.org/officeDocument/2006/relationships" xmlns:p="http://schemas.openxmlformats.org/presentationml/2006/main">
+  <p:cSld>
+    <p:spTree>
+      <p:nvGrpSpPr>
+        <p:cNvPr id="1" name=""/>
+        <p:cNvGrpSpPr/>
+        <p:nvPr/>
+      </p:nvGrpSpPr>
+      <p:grpSpPr>
+        <a:xfrm>
+          <a:off x="0" y="0"/>
+          <a:ext cx="0" cy="0"/>
+          <a:chOff x="0" y="0"/>
+          <a:chExt cx="0" cy="0"/>
+        </a:xfrm>
+      </p:grpSpPr>
+      <p:sp>
+        <p:nvSpPr>
+          <p:cNvPr id="2" name="Title 1">
+            <a:extLst>
+              <a:ext uri="{FF2B5EF4-FFF2-40B4-BE49-F238E27FC236}">
+                <a16:creationId xmlns:a16="http://schemas.microsoft.com/office/drawing/2014/main" id="{6DA05F21-B500-C599-245E-F4EA904785F7}"/>
+              </a:ext>
+            </a:extLst>
+          </p:cNvPr>
+          <p:cNvSpPr>
+            <a:spLocks noGrp="1"/>
+          </p:cNvSpPr>
+          <p:nvPr>
+            <p:ph type="title"/>
+          </p:nvPr>
+        </p:nvSpPr>
+        <p:spPr/>
+        <p:txBody>
+          <a:bodyPr/>
+          <a:lstStyle/>
+          <a:p>
+            <a:r>
+              <a:rPr lang="en-GB" dirty="0"/>
+              <a:t>Assignments</a:t>
+            </a:r>
+          </a:p>
+        </p:txBody>
+      </p:sp>
+      <p:sp>
+        <p:nvSpPr>
+          <p:cNvPr id="3" name="Content Placeholder 2">
+            <a:extLst>
+              <a:ext uri="{FF2B5EF4-FFF2-40B4-BE49-F238E27FC236}">
+                <a16:creationId xmlns:a16="http://schemas.microsoft.com/office/drawing/2014/main" id="{8FE3C0EF-4C46-3EC9-982E-47225D572023}"/>
+              </a:ext>
+            </a:extLst>
+          </p:cNvPr>
+          <p:cNvSpPr>
+            <a:spLocks noGrp="1"/>
+          </p:cNvSpPr>
+          <p:nvPr>
+            <p:ph idx="1"/>
+          </p:nvPr>
+        </p:nvSpPr>
+        <p:spPr/>
+        <p:txBody>
+          <a:bodyPr/>
+          <a:lstStyle/>
+          <a:p>
+            <a:r>
+              <a:rPr lang="en-GB" dirty="0"/>
+              <a:t>text classification: </a:t>
+            </a:r>
+            <a:r>
+              <a:rPr lang="en-GB" dirty="0">
+                <a:hlinkClick r:id="rId2"/>
+              </a:rPr>
+              <a:t>Kaggle Disaster Tweets</a:t>
+            </a:r>
+            <a:endParaRPr lang="en-GB" dirty="0"/>
+          </a:p>
+          <a:p>
+            <a:pPr marL="0" indent="0">
+              <a:buNone/>
+            </a:pPr>
+            <a:r>
+              <a:rPr lang="en-GB" dirty="0"/>
+              <a:t>(prompt engineering or fine-tune a </a:t>
+            </a:r>
+            <a:r>
+              <a:rPr lang="en-GB" dirty="0">
+                <a:hlinkClick r:id="rId3"/>
+              </a:rPr>
+              <a:t>Transformers</a:t>
+            </a:r>
+            <a:r>
+              <a:rPr lang="en-GB" dirty="0"/>
+              <a:t> model)</a:t>
+            </a:r>
+          </a:p>
+          <a:p>
+            <a:pPr marL="0" indent="0">
+              <a:buNone/>
+            </a:pPr>
+            <a:endParaRPr lang="en-GB" dirty="0"/>
+          </a:p>
+          <a:p>
+            <a:r>
+              <a:rPr lang="en-GB" dirty="0"/>
+              <a:t>local LLM assistant with RAG</a:t>
+            </a:r>
+            <a:r>
+              <a:rPr lang="en-GB" dirty="0">
+                <a:sym typeface="Wingdings" panose="05000000000000000000" pitchFamily="2" charset="2"/>
+              </a:rPr>
+              <a:t>: be creative ;)</a:t>
+            </a:r>
+            <a:endParaRPr lang="en-GB" dirty="0"/>
+          </a:p>
+          <a:p>
+            <a:pPr marL="0" indent="0">
+              <a:buNone/>
+            </a:pPr>
+            <a:r>
+              <a:rPr lang="en-GB" dirty="0"/>
+              <a:t>(options: chat with pdf/website using </a:t>
+            </a:r>
+            <a:r>
+              <a:rPr lang="en-GB" dirty="0" err="1">
+                <a:hlinkClick r:id="rId4"/>
+              </a:rPr>
+              <a:t>langchain</a:t>
+            </a:r>
+            <a:r>
+              <a:rPr lang="en-GB" dirty="0"/>
+              <a:t>/</a:t>
+            </a:r>
+            <a:r>
+              <a:rPr lang="en-GB" dirty="0" err="1">
+                <a:hlinkClick r:id="rId5"/>
+              </a:rPr>
+              <a:t>llamaindex</a:t>
+            </a:r>
+            <a:r>
+              <a:rPr lang="en-GB" dirty="0"/>
+              <a:t>, </a:t>
+            </a:r>
+            <a:r>
+              <a:rPr lang="en-GB" dirty="0" err="1">
+                <a:hlinkClick r:id="rId6"/>
+              </a:rPr>
+              <a:t>Ollama</a:t>
+            </a:r>
+            <a:r>
+              <a:rPr lang="en-GB" dirty="0"/>
+              <a:t> for coding with </a:t>
+            </a:r>
+            <a:r>
+              <a:rPr lang="en-GB" dirty="0" err="1"/>
+              <a:t>CodeLlama</a:t>
+            </a:r>
+            <a:r>
+              <a:rPr lang="en-GB" dirty="0"/>
+              <a:t> or image understanding with </a:t>
+            </a:r>
+            <a:r>
+              <a:rPr lang="en-GB" dirty="0" err="1"/>
+              <a:t>Llava</a:t>
+            </a:r>
+            <a:r>
+              <a:rPr lang="en-GB" dirty="0"/>
+              <a:t>)</a:t>
+            </a:r>
+          </a:p>
+        </p:txBody>
+      </p:sp>
+      <p:sp>
+        <p:nvSpPr>
+          <p:cNvPr id="4" name="Slide Number Placeholder 3">
+            <a:extLst>
+              <a:ext uri="{FF2B5EF4-FFF2-40B4-BE49-F238E27FC236}">
+                <a16:creationId xmlns:a16="http://schemas.microsoft.com/office/drawing/2014/main" id="{1A03D212-C02A-CECA-D1AC-E66122EDBDBA}"/>
+              </a:ext>
+            </a:extLst>
+          </p:cNvPr>
+          <p:cNvSpPr>
+            <a:spLocks noGrp="1"/>
+          </p:cNvSpPr>
+          <p:nvPr>
+            <p:ph type="sldNum" sz="quarter" idx="12"/>
+          </p:nvPr>
+        </p:nvSpPr>
+        <p:spPr/>
+        <p:txBody>
+          <a:bodyPr/>
+          <a:lstStyle/>
+          <a:p>
+            <a:fld id="{849D05A8-43E9-1C49-8606-50AB68220DEC}" type="slidenum">
+              <a:rPr lang="en-DE" smtClean="0"/>
+              <a:t>20</a:t>
+            </a:fld>
+            <a:endParaRPr lang="en-DE"/>
+          </a:p>
+        </p:txBody>
+      </p:sp>
+    </p:spTree>
+    <p:extLst>
+      <p:ext uri="{BB962C8B-B14F-4D97-AF65-F5344CB8AC3E}">
+        <p14:creationId xmlns:p14="http://schemas.microsoft.com/office/powerpoint/2010/main" val="1416324242"/>
       </p:ext>
     </p:extLst>
   </p:cSld>

--- a/slides/LanguageModels_2.pptx
+++ b/slides/LanguageModels_2.pptx
@@ -5,29 +5,31 @@
     <p:sldMasterId id="2147483648" r:id="rId1"/>
   </p:sldMasterIdLst>
   <p:notesMasterIdLst>
-    <p:notesMasterId r:id="rId22"/>
+    <p:notesMasterId r:id="rId24"/>
   </p:notesMasterIdLst>
   <p:sldIdLst>
     <p:sldId id="278" r:id="rId2"/>
-    <p:sldId id="337" r:id="rId3"/>
-    <p:sldId id="330" r:id="rId4"/>
-    <p:sldId id="286" r:id="rId5"/>
-    <p:sldId id="285" r:id="rId6"/>
-    <p:sldId id="280" r:id="rId7"/>
-    <p:sldId id="340" r:id="rId8"/>
-    <p:sldId id="339" r:id="rId9"/>
-    <p:sldId id="321" r:id="rId10"/>
-    <p:sldId id="328" r:id="rId11"/>
-    <p:sldId id="332" r:id="rId12"/>
-    <p:sldId id="342" r:id="rId13"/>
-    <p:sldId id="272" r:id="rId14"/>
-    <p:sldId id="338" r:id="rId15"/>
-    <p:sldId id="287" r:id="rId16"/>
-    <p:sldId id="333" r:id="rId17"/>
-    <p:sldId id="320" r:id="rId18"/>
-    <p:sldId id="334" r:id="rId19"/>
-    <p:sldId id="336" r:id="rId20"/>
-    <p:sldId id="693" r:id="rId21"/>
+    <p:sldId id="694" r:id="rId3"/>
+    <p:sldId id="337" r:id="rId4"/>
+    <p:sldId id="330" r:id="rId5"/>
+    <p:sldId id="286" r:id="rId6"/>
+    <p:sldId id="285" r:id="rId7"/>
+    <p:sldId id="280" r:id="rId8"/>
+    <p:sldId id="340" r:id="rId9"/>
+    <p:sldId id="339" r:id="rId10"/>
+    <p:sldId id="321" r:id="rId11"/>
+    <p:sldId id="328" r:id="rId12"/>
+    <p:sldId id="332" r:id="rId13"/>
+    <p:sldId id="342" r:id="rId14"/>
+    <p:sldId id="333" r:id="rId15"/>
+    <p:sldId id="272" r:id="rId16"/>
+    <p:sldId id="338" r:id="rId17"/>
+    <p:sldId id="287" r:id="rId18"/>
+    <p:sldId id="695" r:id="rId19"/>
+    <p:sldId id="320" r:id="rId20"/>
+    <p:sldId id="334" r:id="rId21"/>
+    <p:sldId id="336" r:id="rId22"/>
+    <p:sldId id="693" r:id="rId23"/>
   </p:sldIdLst>
   <p:sldSz cx="12192000" cy="6858000"/>
   <p:notesSz cx="6858000" cy="9144000"/>
@@ -964,7 +966,7 @@
           <a:p>
             <a:fld id="{22D193DB-18D6-9041-9C70-C24EC80A4B6E}" type="datetimeFigureOut">
               <a:rPr lang="en-DE" smtClean="0"/>
-              <a:t>06/06/2024</a:t>
+              <a:t>06/09/2024</a:t>
             </a:fld>
             <a:endParaRPr lang="en-DE"/>
           </a:p>
@@ -1381,7 +1383,7 @@
           <a:p>
             <a:fld id="{120A37E0-810F-7549-BC85-637D5E1FD51D}" type="datetime1">
               <a:rPr lang="de-DE" smtClean="0"/>
-              <a:t>06.06.2024</a:t>
+              <a:t>09.06.2024</a:t>
             </a:fld>
             <a:endParaRPr lang="en-DE"/>
           </a:p>
@@ -1581,7 +1583,7 @@
           <a:p>
             <a:fld id="{B5CDBC61-5CF0-994A-BBF1-D8BFDE2785EA}" type="datetime1">
               <a:rPr lang="de-DE" smtClean="0"/>
-              <a:t>06.06.2024</a:t>
+              <a:t>09.06.2024</a:t>
             </a:fld>
             <a:endParaRPr lang="en-DE"/>
           </a:p>
@@ -1791,7 +1793,7 @@
           <a:p>
             <a:fld id="{980A3FD2-7E37-5748-BA1D-94B47BDE01D2}" type="datetime1">
               <a:rPr lang="de-DE" smtClean="0"/>
-              <a:t>06.06.2024</a:t>
+              <a:t>09.06.2024</a:t>
             </a:fld>
             <a:endParaRPr lang="en-DE"/>
           </a:p>
@@ -1991,7 +1993,7 @@
           <a:p>
             <a:fld id="{4D11A56E-48A2-C749-920A-4760650BEACB}" type="datetime1">
               <a:rPr lang="de-DE" smtClean="0"/>
-              <a:t>06.06.2024</a:t>
+              <a:t>09.06.2024</a:t>
             </a:fld>
             <a:endParaRPr lang="en-DE"/>
           </a:p>
@@ -2267,7 +2269,7 @@
           <a:p>
             <a:fld id="{193B0F02-0DA7-1D4C-B01D-75FC069092E3}" type="datetime1">
               <a:rPr lang="de-DE" smtClean="0"/>
-              <a:t>06.06.2024</a:t>
+              <a:t>09.06.2024</a:t>
             </a:fld>
             <a:endParaRPr lang="en-DE"/>
           </a:p>
@@ -2535,7 +2537,7 @@
           <a:p>
             <a:fld id="{51E8D128-44CC-154C-A764-DD0D7DFC9804}" type="datetime1">
               <a:rPr lang="de-DE" smtClean="0"/>
-              <a:t>06.06.2024</a:t>
+              <a:t>09.06.2024</a:t>
             </a:fld>
             <a:endParaRPr lang="en-DE"/>
           </a:p>
@@ -2950,7 +2952,7 @@
           <a:p>
             <a:fld id="{E64FFC17-B050-FC42-BF31-AD49CE23E4C7}" type="datetime1">
               <a:rPr lang="de-DE" smtClean="0"/>
-              <a:t>06.06.2024</a:t>
+              <a:t>09.06.2024</a:t>
             </a:fld>
             <a:endParaRPr lang="en-DE"/>
           </a:p>
@@ -3092,7 +3094,7 @@
           <a:p>
             <a:fld id="{AAA4E4F4-7BF7-5E46-9EF1-2DD0A201804D}" type="datetime1">
               <a:rPr lang="de-DE" smtClean="0"/>
-              <a:t>06.06.2024</a:t>
+              <a:t>09.06.2024</a:t>
             </a:fld>
             <a:endParaRPr lang="en-DE"/>
           </a:p>
@@ -3205,7 +3207,7 @@
           <a:p>
             <a:fld id="{D36C36D5-B192-FA47-9073-DA2AE91E7929}" type="datetime1">
               <a:rPr lang="de-DE" smtClean="0"/>
-              <a:t>06.06.2024</a:t>
+              <a:t>09.06.2024</a:t>
             </a:fld>
             <a:endParaRPr lang="en-DE"/>
           </a:p>
@@ -3518,7 +3520,7 @@
           <a:p>
             <a:fld id="{9EF55385-6396-FD45-BEFF-727CA0DA3623}" type="datetime1">
               <a:rPr lang="de-DE" smtClean="0"/>
-              <a:t>06.06.2024</a:t>
+              <a:t>09.06.2024</a:t>
             </a:fld>
             <a:endParaRPr lang="en-DE"/>
           </a:p>
@@ -3807,7 +3809,7 @@
           <a:p>
             <a:fld id="{FC21FF0E-D010-174A-A1C6-50F9DF078759}" type="datetime1">
               <a:rPr lang="de-DE" smtClean="0"/>
-              <a:t>06.06.2024</a:t>
+              <a:t>09.06.2024</a:t>
             </a:fld>
             <a:endParaRPr lang="en-DE"/>
           </a:p>
@@ -4050,7 +4052,7 @@
           <a:p>
             <a:fld id="{575AFE25-413A-474D-A500-11DF768B34B3}" type="datetime1">
               <a:rPr lang="de-DE" smtClean="0"/>
-              <a:t>06.06.2024</a:t>
+              <a:t>09.06.2024</a:t>
             </a:fld>
             <a:endParaRPr lang="en-DE"/>
           </a:p>
@@ -4565,7 +4567,7 @@
           <p:cNvPr id="2" name="Title 1">
             <a:extLst>
               <a:ext uri="{FF2B5EF4-FFF2-40B4-BE49-F238E27FC236}">
-                <a16:creationId xmlns:a16="http://schemas.microsoft.com/office/drawing/2014/main" id="{F89B18D8-662F-8E62-9266-15406EC258A0}"/>
+                <a16:creationId xmlns:a16="http://schemas.microsoft.com/office/drawing/2014/main" id="{329707D8-7D70-1621-CA69-082505373790}"/>
               </a:ext>
             </a:extLst>
           </p:cNvPr>
@@ -4582,20 +4584,8 @@
           <a:lstStyle/>
           <a:p>
             <a:r>
-              <a:rPr lang="en-DE" dirty="0"/>
-              <a:t>Size Matters</a:t>
-            </a:r>
-            <a:r>
               <a:rPr lang="en-GB" dirty="0"/>
-              <a:t>: </a:t>
-            </a:r>
-            <a:r>
-              <a:rPr lang="en-GB" b="1" dirty="0"/>
-              <a:t>LARGE</a:t>
-            </a:r>
-            <a:r>
-              <a:rPr lang="en-GB" dirty="0"/>
-              <a:t> Language Models</a:t>
+              <a:t>Prompt Engineering with Examples</a:t>
             </a:r>
             <a:endParaRPr lang="en-DE" dirty="0"/>
           </a:p>
@@ -4606,7 +4596,7 @@
           <p:cNvPr id="3" name="Content Placeholder 2">
             <a:extLst>
               <a:ext uri="{FF2B5EF4-FFF2-40B4-BE49-F238E27FC236}">
-                <a16:creationId xmlns:a16="http://schemas.microsoft.com/office/drawing/2014/main" id="{8E0F4078-2FDF-FC34-76CD-ACB22B47969E}"/>
+                <a16:creationId xmlns:a16="http://schemas.microsoft.com/office/drawing/2014/main" id="{0FF052F2-8861-3DD3-0CCE-B121CE6FA32C}"/>
               </a:ext>
             </a:extLst>
           </p:cNvPr>
@@ -4619,13 +4609,13 @@
         </p:nvSpPr>
         <p:spPr>
           <a:xfrm>
-            <a:off x="222423" y="1825625"/>
-            <a:ext cx="9448794" cy="4351338"/>
+            <a:off x="838200" y="1614616"/>
+            <a:ext cx="5047267" cy="4878259"/>
           </a:xfrm>
         </p:spPr>
         <p:txBody>
           <a:bodyPr>
-            <a:normAutofit fontScale="92500" lnSpcReduction="10000"/>
+            <a:normAutofit/>
           </a:bodyPr>
           <a:lstStyle/>
           <a:p>
@@ -4633,24 +4623,26 @@
               <a:buNone/>
             </a:pPr>
             <a:r>
-              <a:rPr lang="en-GB" dirty="0">
-                <a:hlinkClick r:id="rId2"/>
+              <a:rPr lang="en-GB" sz="2400" dirty="0"/>
+              <a:t>text generation in response to priming with arbitrary input (adapting to style and content of conditioning text)</a:t>
+            </a:r>
+          </a:p>
+          <a:p>
+            <a:pPr marL="0" indent="0">
+              <a:buNone/>
+            </a:pPr>
+            <a:r>
+              <a:rPr lang="en-GB" sz="2400" dirty="0"/>
+              <a:t>one (one-shot) or some (few-shot) examples provided at inference time: </a:t>
+            </a:r>
+            <a:r>
+              <a:rPr lang="en-GB" sz="2400" b="0" i="0" u="none" strike="noStrike" dirty="0">
+                <a:solidFill>
+                  <a:srgbClr val="212529"/>
+                </a:solidFill>
+                <a:effectLst/>
               </a:rPr>
-              <a:t>scaling laws</a:t>
-            </a:r>
-            <a:r>
-              <a:rPr lang="en-GB" dirty="0"/>
-              <a:t>, </a:t>
-            </a:r>
-            <a:r>
-              <a:rPr lang="en-GB" dirty="0">
-                <a:hlinkClick r:id="rId3"/>
-              </a:rPr>
-              <a:t>Chinchilla</a:t>
-            </a:r>
-            <a:r>
-              <a:rPr lang="en-GB" dirty="0"/>
-              <a:t>: coupled performance power laws with model size, amount of training data, and compute used for training</a:t>
+              <a:t>conditioning on these input-output examples (without optimizing any parameters)</a:t>
             </a:r>
           </a:p>
           <a:p>
@@ -4658,175 +4650,65 @@
               <a:buNone/>
             </a:pPr>
             <a:r>
-              <a:rPr lang="en-GB" dirty="0">
-                <a:sym typeface="Wingdings" panose="05000000000000000000" pitchFamily="2" charset="2"/>
-              </a:rPr>
-              <a:t> </a:t>
-            </a:r>
-            <a:r>
-              <a:rPr lang="en-GB" dirty="0"/>
-              <a:t>era of large-scale models</a:t>
-            </a:r>
-          </a:p>
-          <a:p>
-            <a:pPr marL="0" indent="0">
-              <a:buNone/>
-            </a:pPr>
-            <a:endParaRPr lang="en-GB" dirty="0"/>
-          </a:p>
-          <a:p>
-            <a:pPr marL="0" indent="0">
-              <a:buNone/>
-            </a:pPr>
-            <a:r>
-              <a:rPr lang="en-GB" dirty="0"/>
-              <a:t>emergent abilities of LLMs:</a:t>
-            </a:r>
-          </a:p>
-          <a:p>
-            <a:r>
-              <a:rPr lang="en-GB" dirty="0"/>
-              <a:t>multi-task learning: perform new tasks at test time without task-specific training (simply via </a:t>
-            </a:r>
-            <a:r>
-              <a:rPr lang="en-GB" dirty="0">
-                <a:sym typeface="Wingdings" pitchFamily="2" charset="2"/>
-              </a:rPr>
-              <a:t>p</a:t>
-            </a:r>
-            <a:r>
-              <a:rPr lang="en-GB" dirty="0"/>
-              <a:t>rompting)</a:t>
-            </a:r>
-            <a:endParaRPr lang="en-GB" dirty="0">
-              <a:solidFill>
-                <a:srgbClr val="212529"/>
-              </a:solidFill>
-            </a:endParaRPr>
-          </a:p>
-          <a:p>
-            <a:r>
-              <a:rPr lang="en-GB" dirty="0">
+              <a:rPr lang="en-GB" sz="2400" dirty="0">
                 <a:solidFill>
                   <a:srgbClr val="212529"/>
                 </a:solidFill>
               </a:rPr>
-              <a:t>reasoning capabilities (e.g., via </a:t>
-            </a:r>
-            <a:r>
-              <a:rPr lang="en-GB" dirty="0">
+              <a:t>z</a:t>
+            </a:r>
+            <a:r>
+              <a:rPr lang="en-GB" sz="2400" b="0" i="0" u="none" strike="noStrike" dirty="0">
                 <a:solidFill>
                   <a:srgbClr val="212529"/>
                 </a:solidFill>
-                <a:hlinkClick r:id="rId4"/>
+                <a:effectLst/>
               </a:rPr>
-              <a:t>chain-of-thought prompting</a:t>
-            </a:r>
-            <a:r>
-              <a:rPr lang="en-GB" dirty="0">
+              <a:t>ero-shot learning: no examples, just instructions </a:t>
+            </a:r>
+            <a:r>
+              <a:rPr lang="en-GB" sz="2400" b="0" i="0" u="none" strike="noStrike" dirty="0">
                 <a:solidFill>
                   <a:srgbClr val="212529"/>
                 </a:solidFill>
+                <a:effectLst/>
+                <a:sym typeface="Wingdings" panose="05000000000000000000" pitchFamily="2" charset="2"/>
               </a:rPr>
-              <a:t>, </a:t>
-            </a:r>
-            <a:r>
-              <a:rPr lang="en-GB" dirty="0" err="1">
+              <a:t> multi-task learning</a:t>
+            </a:r>
+            <a:endParaRPr lang="en-GB" sz="2400" b="0" i="0" u="none" strike="noStrike" dirty="0">
+              <a:solidFill>
+                <a:srgbClr val="212529"/>
+              </a:solidFill>
+              <a:effectLst/>
+            </a:endParaRPr>
+          </a:p>
+          <a:p>
+            <a:pPr marL="0" indent="0">
+              <a:buNone/>
+            </a:pPr>
+            <a:r>
+              <a:rPr lang="en-GB" sz="2400" b="0" i="0" u="none" strike="noStrike" dirty="0">
                 <a:solidFill>
                   <a:srgbClr val="212529"/>
                 </a:solidFill>
-                <a:hlinkClick r:id="rId5"/>
+                <a:effectLst/>
               </a:rPr>
-              <a:t>ReAct</a:t>
-            </a:r>
-            <a:r>
-              <a:rPr lang="en-GB" dirty="0">
+              <a:t>possible explanation: locating latent concepts (</a:t>
+            </a:r>
+            <a:r>
+              <a:rPr lang="en-GB" sz="2400" dirty="0"/>
+              <a:t>high-level abstractions</a:t>
+            </a:r>
+            <a:r>
+              <a:rPr lang="en-GB" sz="2400" b="0" i="0" u="none" strike="noStrike" dirty="0">
                 <a:solidFill>
                   <a:srgbClr val="212529"/>
                 </a:solidFill>
+                <a:effectLst/>
               </a:rPr>
-              <a:t>)</a:t>
-            </a:r>
-            <a:endParaRPr lang="en-GB" dirty="0"/>
-          </a:p>
-          <a:p>
-            <a:pPr marL="0" indent="0">
-              <a:buNone/>
-            </a:pPr>
-            <a:r>
-              <a:rPr lang="en-GB" dirty="0"/>
-              <a:t>p</a:t>
-            </a:r>
-            <a:r>
-              <a:rPr lang="en-DE" dirty="0"/>
-              <a:t>romise of a natural language UI for various applications (assistants)</a:t>
-            </a:r>
-            <a:r>
-              <a:rPr lang="en-GB" dirty="0">
-                <a:solidFill>
-                  <a:srgbClr val="212529"/>
-                </a:solidFill>
-              </a:rPr>
-              <a:t>, </a:t>
-            </a:r>
-            <a:r>
-              <a:rPr lang="en-GB" dirty="0"/>
-              <a:t>prominent e</a:t>
-            </a:r>
-            <a:r>
-              <a:rPr lang="en-DE" dirty="0"/>
-              <a:t>xamples: </a:t>
-            </a:r>
-            <a:r>
-              <a:rPr lang="en-DE" dirty="0">
-                <a:hlinkClick r:id="rId6"/>
-              </a:rPr>
-              <a:t>ChatGPT</a:t>
-            </a:r>
-            <a:r>
-              <a:rPr lang="en-DE" dirty="0"/>
-              <a:t>,</a:t>
-            </a:r>
-            <a:r>
-              <a:rPr lang="en-GB" dirty="0"/>
-              <a:t> </a:t>
-            </a:r>
-            <a:r>
-              <a:rPr lang="en-GB" dirty="0">
-                <a:hlinkClick r:id="rId7"/>
-              </a:rPr>
-              <a:t>Bard</a:t>
-            </a:r>
-            <a:endParaRPr lang="en-DE" dirty="0"/>
-          </a:p>
-        </p:txBody>
-      </p:sp>
-      <p:sp>
-        <p:nvSpPr>
-          <p:cNvPr id="4" name="Slide Number Placeholder 3">
-            <a:extLst>
-              <a:ext uri="{FF2B5EF4-FFF2-40B4-BE49-F238E27FC236}">
-                <a16:creationId xmlns:a16="http://schemas.microsoft.com/office/drawing/2014/main" id="{649F0045-E4C4-0C38-5A9B-7A5BA0214CE7}"/>
-              </a:ext>
-            </a:extLst>
-          </p:cNvPr>
-          <p:cNvSpPr>
-            <a:spLocks noGrp="1"/>
-          </p:cNvSpPr>
-          <p:nvPr>
-            <p:ph type="sldNum" sz="quarter" idx="12"/>
-          </p:nvPr>
-        </p:nvSpPr>
-        <p:spPr/>
-        <p:txBody>
-          <a:bodyPr/>
-          <a:lstStyle/>
-          <a:p>
-            <a:fld id="{849D05A8-43E9-1C49-8606-50AB68220DEC}" type="slidenum">
-              <a:rPr lang="en-DE" smtClean="0"/>
-              <a:t>10</a:t>
-            </a:fld>
-            <a:endParaRPr lang="en-DE"/>
+              <a:t>) learned from pre-training</a:t>
+            </a:r>
           </a:p>
         </p:txBody>
       </p:sp>
@@ -4835,7 +4717,7 @@
           <p:cNvPr id="6" name="Picture 5">
             <a:extLst>
               <a:ext uri="{FF2B5EF4-FFF2-40B4-BE49-F238E27FC236}">
-                <a16:creationId xmlns:a16="http://schemas.microsoft.com/office/drawing/2014/main" id="{B671ACDA-58DE-C671-C490-9A25C570A67D}"/>
+                <a16:creationId xmlns:a16="http://schemas.microsoft.com/office/drawing/2014/main" id="{4AEC0283-275A-FC1B-C3EB-F267DC1B1D64}"/>
               </a:ext>
             </a:extLst>
           </p:cNvPr>
@@ -4845,15 +4727,15 @@
           <p:nvPr/>
         </p:nvPicPr>
         <p:blipFill>
-          <a:blip r:embed="rId8"/>
+          <a:blip r:embed="rId2"/>
           <a:stretch>
             <a:fillRect/>
           </a:stretch>
         </p:blipFill>
         <p:spPr>
           <a:xfrm>
-            <a:off x="9774395" y="1005021"/>
-            <a:ext cx="2390243" cy="5344539"/>
+            <a:off x="6306534" y="1709542"/>
+            <a:ext cx="5841213" cy="5113354"/>
           </a:xfrm>
           <a:prstGeom prst="rect">
             <a:avLst/>
@@ -4862,10 +4744,39 @@
       </p:pic>
       <p:sp>
         <p:nvSpPr>
-          <p:cNvPr id="7" name="TextBox 6">
-            <a:extLst>
-              <a:ext uri="{FF2B5EF4-FFF2-40B4-BE49-F238E27FC236}">
-                <a16:creationId xmlns:a16="http://schemas.microsoft.com/office/drawing/2014/main" id="{0467208A-C2CD-8126-638D-2517BFC96589}"/>
+          <p:cNvPr id="4" name="Slide Number Placeholder 3">
+            <a:extLst>
+              <a:ext uri="{FF2B5EF4-FFF2-40B4-BE49-F238E27FC236}">
+                <a16:creationId xmlns:a16="http://schemas.microsoft.com/office/drawing/2014/main" id="{13B8347F-4085-7562-5469-75886FFC2864}"/>
+              </a:ext>
+            </a:extLst>
+          </p:cNvPr>
+          <p:cNvSpPr>
+            <a:spLocks noGrp="1"/>
+          </p:cNvSpPr>
+          <p:nvPr>
+            <p:ph type="sldNum" sz="quarter" idx="12"/>
+          </p:nvPr>
+        </p:nvSpPr>
+        <p:spPr/>
+        <p:txBody>
+          <a:bodyPr/>
+          <a:lstStyle/>
+          <a:p>
+            <a:fld id="{849D05A8-43E9-1C49-8606-50AB68220DEC}" type="slidenum">
+              <a:rPr lang="en-DE" smtClean="0"/>
+              <a:t>10</a:t>
+            </a:fld>
+            <a:endParaRPr lang="en-DE"/>
+          </a:p>
+        </p:txBody>
+      </p:sp>
+      <p:sp>
+        <p:nvSpPr>
+          <p:cNvPr id="8" name="TextBox 7">
+            <a:extLst>
+              <a:ext uri="{FF2B5EF4-FFF2-40B4-BE49-F238E27FC236}">
+                <a16:creationId xmlns:a16="http://schemas.microsoft.com/office/drawing/2014/main" id="{1D237635-45FF-B3C7-A795-E0DCFB2C4D23}"/>
               </a:ext>
             </a:extLst>
           </p:cNvPr>
@@ -4874,8 +4785,8 @@
         </p:nvSpPr>
         <p:spPr>
           <a:xfrm>
-            <a:off x="11632120" y="6349560"/>
-            <a:ext cx="532518" cy="246221"/>
+            <a:off x="9612198" y="5885597"/>
+            <a:ext cx="759240" cy="369332"/>
           </a:xfrm>
           <a:prstGeom prst="rect">
             <a:avLst/>
@@ -4883,25 +4794,60 @@
           <a:noFill/>
         </p:spPr>
         <p:txBody>
+          <a:bodyPr wrap="square">
+            <a:spAutoFit/>
+          </a:bodyPr>
+          <a:lstStyle/>
+          <a:p>
+            <a:r>
+              <a:rPr lang="en-DE" sz="1800" dirty="0">
+                <a:hlinkClick r:id="rId3"/>
+              </a:rPr>
+              <a:t>GPT-3</a:t>
+            </a:r>
+            <a:endParaRPr lang="en-DE" dirty="0"/>
+          </a:p>
+        </p:txBody>
+      </p:sp>
+      <p:sp>
+        <p:nvSpPr>
+          <p:cNvPr id="9" name="TextBox 8">
+            <a:extLst>
+              <a:ext uri="{FF2B5EF4-FFF2-40B4-BE49-F238E27FC236}">
+                <a16:creationId xmlns:a16="http://schemas.microsoft.com/office/drawing/2014/main" id="{9EC58322-7438-528A-2A58-E800CBA93D8B}"/>
+              </a:ext>
+            </a:extLst>
+          </p:cNvPr>
+          <p:cNvSpPr txBox="1"/>
+          <p:nvPr/>
+        </p:nvSpPr>
+        <p:spPr>
+          <a:xfrm>
+            <a:off x="6796726" y="1321356"/>
+            <a:ext cx="1579278" cy="369332"/>
+          </a:xfrm>
+          <a:prstGeom prst="rect">
+            <a:avLst/>
+          </a:prstGeom>
+          <a:noFill/>
+        </p:spPr>
+        <p:txBody>
           <a:bodyPr wrap="none" rtlCol="0">
             <a:spAutoFit/>
           </a:bodyPr>
           <a:lstStyle/>
           <a:p>
             <a:r>
-              <a:rPr lang="de-DE" sz="1000" dirty="0">
-                <a:hlinkClick r:id="rId9"/>
-              </a:rPr>
-              <a:t>source</a:t>
-            </a:r>
-            <a:endParaRPr lang="de-DE" sz="1000" dirty="0"/>
+              <a:rPr lang="en-DE" dirty="0"/>
+              <a:t>no fine-tuning:</a:t>
+            </a:r>
           </a:p>
         </p:txBody>
       </p:sp>
     </p:spTree>
     <p:extLst>
       <p:ext uri="{BB962C8B-B14F-4D97-AF65-F5344CB8AC3E}">
-        <p14:creationId xmlns:p14="http://schemas.microsoft.com/office/powerpoint/2010/main" val="4172062854"/>
+        <p14:creationId xmlns:p14="http://schemas.microsoft.com/office/powerpoint/2010/main" val="1251291221"/>
       </p:ext>
     </p:extLst>
   </p:cSld>
@@ -4933,7 +4879,7 @@
           <p:cNvPr id="2" name="Title 1">
             <a:extLst>
               <a:ext uri="{FF2B5EF4-FFF2-40B4-BE49-F238E27FC236}">
-                <a16:creationId xmlns:a16="http://schemas.microsoft.com/office/drawing/2014/main" id="{DCFADA32-BF06-BFF5-75BE-84612B69919A}"/>
+                <a16:creationId xmlns:a16="http://schemas.microsoft.com/office/drawing/2014/main" id="{F89B18D8-662F-8E62-9266-15406EC258A0}"/>
               </a:ext>
             </a:extLst>
           </p:cNvPr>
@@ -4950,9 +4896,22 @@
           <a:lstStyle/>
           <a:p>
             <a:r>
+              <a:rPr lang="en-DE" dirty="0"/>
+              <a:t>Size Matters</a:t>
+            </a:r>
+            <a:r>
               <a:rPr lang="en-GB" dirty="0"/>
-              <a:t>Struggling with Facts</a:t>
-            </a:r>
+              <a:t>: </a:t>
+            </a:r>
+            <a:r>
+              <a:rPr lang="en-GB" b="1" dirty="0"/>
+              <a:t>LARGE</a:t>
+            </a:r>
+            <a:r>
+              <a:rPr lang="en-GB" dirty="0"/>
+              <a:t> Language Models</a:t>
+            </a:r>
+            <a:endParaRPr lang="en-DE" dirty="0"/>
           </a:p>
         </p:txBody>
       </p:sp>
@@ -4961,7 +4920,7 @@
           <p:cNvPr id="3" name="Content Placeholder 2">
             <a:extLst>
               <a:ext uri="{FF2B5EF4-FFF2-40B4-BE49-F238E27FC236}">
-                <a16:creationId xmlns:a16="http://schemas.microsoft.com/office/drawing/2014/main" id="{6B98F654-8684-E5BA-6A19-1DB6137B9534}"/>
+                <a16:creationId xmlns:a16="http://schemas.microsoft.com/office/drawing/2014/main" id="{8E0F4078-2FDF-FC34-76CD-ACB22B47969E}"/>
               </a:ext>
             </a:extLst>
           </p:cNvPr>
@@ -4972,10 +4931,15 @@
             <p:ph idx="1"/>
           </p:nvPr>
         </p:nvSpPr>
-        <p:spPr/>
+        <p:spPr>
+          <a:xfrm>
+            <a:off x="222423" y="1825625"/>
+            <a:ext cx="9448794" cy="4351338"/>
+          </a:xfrm>
+        </p:spPr>
         <p:txBody>
           <a:bodyPr>
-            <a:noAutofit/>
+            <a:normAutofit fontScale="92500" lnSpcReduction="10000"/>
           </a:bodyPr>
           <a:lstStyle/>
           <a:p>
@@ -4983,125 +4947,171 @@
               <a:buNone/>
             </a:pPr>
             <a:r>
-              <a:rPr lang="en-GB" sz="2200" dirty="0"/>
-              <a:t>LLMs have only </a:t>
-            </a:r>
-            <a:r>
-              <a:rPr lang="en-GB" sz="2200" dirty="0">
+              <a:rPr lang="en-GB" dirty="0">
+                <a:hlinkClick r:id="rId2"/>
+              </a:rPr>
+              <a:t>scaling laws</a:t>
+            </a:r>
+            <a:r>
+              <a:rPr lang="en-GB" dirty="0"/>
+              <a:t>, </a:t>
+            </a:r>
+            <a:r>
+              <a:rPr lang="en-GB" dirty="0">
+                <a:hlinkClick r:id="rId3"/>
+              </a:rPr>
+              <a:t>Chinchilla</a:t>
+            </a:r>
+            <a:r>
+              <a:rPr lang="en-GB" dirty="0"/>
+              <a:t>: coupled performance power laws with model size, amount of training data, and compute used for training</a:t>
+            </a:r>
+          </a:p>
+          <a:p>
+            <a:pPr marL="0" indent="0">
+              <a:buNone/>
+            </a:pPr>
+            <a:r>
+              <a:rPr lang="en-GB" dirty="0">
+                <a:sym typeface="Wingdings" panose="05000000000000000000" pitchFamily="2" charset="2"/>
+              </a:rPr>
+              <a:t> </a:t>
+            </a:r>
+            <a:r>
+              <a:rPr lang="en-GB" dirty="0"/>
+              <a:t>era of large-scale models</a:t>
+            </a:r>
+          </a:p>
+          <a:p>
+            <a:pPr marL="0" indent="0">
+              <a:buNone/>
+            </a:pPr>
+            <a:endParaRPr lang="en-GB" dirty="0"/>
+          </a:p>
+          <a:p>
+            <a:pPr marL="0" indent="0">
+              <a:buNone/>
+            </a:pPr>
+            <a:r>
+              <a:rPr lang="en-GB" dirty="0"/>
+              <a:t>emergent abilities of LLMs:</a:t>
+            </a:r>
+          </a:p>
+          <a:p>
+            <a:r>
+              <a:rPr lang="en-GB" dirty="0"/>
+              <a:t>multi-task learning: perform new tasks at test time without task-specific training (simply via </a:t>
+            </a:r>
+            <a:r>
+              <a:rPr lang="en-GB" dirty="0">
+                <a:sym typeface="Wingdings" pitchFamily="2" charset="2"/>
+              </a:rPr>
+              <a:t>p</a:t>
+            </a:r>
+            <a:r>
+              <a:rPr lang="en-GB" dirty="0"/>
+              <a:t>rompting)</a:t>
+            </a:r>
+            <a:endParaRPr lang="en-GB" dirty="0">
+              <a:solidFill>
+                <a:srgbClr val="212529"/>
+              </a:solidFill>
+            </a:endParaRPr>
+          </a:p>
+          <a:p>
+            <a:r>
+              <a:rPr lang="en-GB" dirty="0">
                 <a:solidFill>
                   <a:srgbClr val="212529"/>
                 </a:solidFill>
               </a:rPr>
-              <a:t>implicit knowledge (memorization of information in weights): </a:t>
-            </a:r>
-            <a:r>
-              <a:rPr lang="en-GB" sz="2200" dirty="0">
+              <a:t>reasoning capabilities (e.g., via </a:t>
+            </a:r>
+            <a:r>
+              <a:rPr lang="en-GB" dirty="0">
                 <a:solidFill>
                   <a:srgbClr val="212529"/>
                 </a:solidFill>
-                <a:sym typeface="Wingdings" pitchFamily="2" charset="2"/>
-              </a:rPr>
-              <a:t>limitations in terms of explicit factual knowledge, arithmetic operations, etc (hallucinating facts)</a:t>
-            </a:r>
-            <a:endParaRPr lang="en-GB" sz="2200" dirty="0"/>
-          </a:p>
-          <a:p>
-            <a:pPr marL="0" indent="0">
-              <a:buNone/>
-            </a:pPr>
-            <a:r>
-              <a:rPr lang="en-GB" sz="2200" dirty="0"/>
-              <a:t>sometimes compared to Kahneman’s intuitive “System 1” (from Thinking, Fast and Slow)</a:t>
-            </a:r>
-          </a:p>
-          <a:p>
-            <a:pPr marL="0" indent="0">
-              <a:buNone/>
-            </a:pPr>
-            <a:endParaRPr lang="en-GB" sz="2200" dirty="0"/>
-          </a:p>
-          <a:p>
-            <a:pPr marL="0" indent="0">
-              <a:buNone/>
-            </a:pPr>
-            <a:r>
-              <a:rPr lang="en-GB" sz="2200" dirty="0"/>
-              <a:t>analytical ”System 2” can be (partly) employed by:</a:t>
-            </a:r>
-          </a:p>
-          <a:p>
-            <a:r>
-              <a:rPr lang="en-GB" sz="2200" dirty="0"/>
-              <a:t>retrieval augmentation, e.g., via vector stores (</a:t>
-            </a:r>
-            <a:r>
-              <a:rPr lang="en-GB" sz="2200" dirty="0">
-                <a:hlinkClick r:id="rId2"/>
-              </a:rPr>
-              <a:t>RAG</a:t>
-            </a:r>
-            <a:r>
-              <a:rPr lang="en-GB" sz="2200" dirty="0"/>
-              <a:t>, </a:t>
-            </a:r>
-            <a:r>
-              <a:rPr lang="en-GB" sz="2200" dirty="0" err="1">
-                <a:hlinkClick r:id="rId3"/>
-              </a:rPr>
-              <a:t>LlamaIndex</a:t>
-            </a:r>
-            <a:r>
-              <a:rPr lang="en-GB" sz="2200" dirty="0"/>
-              <a:t>)</a:t>
-            </a:r>
-          </a:p>
-          <a:p>
-            <a:r>
-              <a:rPr lang="en-GB" sz="2200" dirty="0"/>
-              <a:t>tool usage (</a:t>
-            </a:r>
-            <a:r>
-              <a:rPr lang="en-GB" sz="2200" dirty="0" err="1">
                 <a:hlinkClick r:id="rId4"/>
               </a:rPr>
-              <a:t>LangChain</a:t>
-            </a:r>
-            <a:r>
-              <a:rPr lang="en-GB" sz="2200" dirty="0"/>
+              <a:t>chain-of-thought prompting</a:t>
+            </a:r>
+            <a:r>
+              <a:rPr lang="en-GB" dirty="0">
+                <a:solidFill>
+                  <a:srgbClr val="212529"/>
+                </a:solidFill>
+              </a:rPr>
               <a:t>, </a:t>
             </a:r>
             <a:r>
-              <a:rPr lang="en-GB" sz="2200" dirty="0" err="1">
+              <a:rPr lang="en-GB" dirty="0" err="1">
+                <a:solidFill>
+                  <a:srgbClr val="212529"/>
+                </a:solidFill>
                 <a:hlinkClick r:id="rId5"/>
               </a:rPr>
-              <a:t>Toolformer</a:t>
-            </a:r>
-            <a:r>
-              <a:rPr lang="en-GB" sz="2200" dirty="0"/>
+              <a:t>ReAct</a:t>
+            </a:r>
+            <a:r>
+              <a:rPr lang="en-GB" dirty="0">
+                <a:solidFill>
+                  <a:srgbClr val="212529"/>
+                </a:solidFill>
+              </a:rPr>
               <a:t>)</a:t>
             </a:r>
-          </a:p>
-          <a:p>
-            <a:r>
-              <a:rPr lang="en-GB" sz="2200" dirty="0"/>
-              <a:t>implicit code execution (e.g., in Bard)</a:t>
-            </a:r>
+            <a:endParaRPr lang="en-GB" dirty="0"/>
           </a:p>
           <a:p>
             <a:pPr marL="0" indent="0">
               <a:buNone/>
             </a:pPr>
-            <a:endParaRPr lang="en-GB" sz="2200" dirty="0"/>
-          </a:p>
-          <a:p>
-            <a:pPr marL="0" indent="0">
-              <a:buNone/>
-            </a:pPr>
-            <a:r>
-              <a:rPr lang="en-GB" sz="2200" dirty="0"/>
-              <a:t>still largely missing for AGI: agency (although simple automated workflows can be built)</a:t>
-            </a:r>
-            <a:endParaRPr lang="en-DE" sz="2200" dirty="0"/>
+            <a:r>
+              <a:rPr lang="en-GB" dirty="0"/>
+              <a:t>p</a:t>
+            </a:r>
+            <a:r>
+              <a:rPr lang="en-DE" dirty="0"/>
+              <a:t>romise of a natural language UI for various applications (assistants)</a:t>
+            </a:r>
+            <a:r>
+              <a:rPr lang="en-GB" dirty="0">
+                <a:solidFill>
+                  <a:srgbClr val="212529"/>
+                </a:solidFill>
+              </a:rPr>
+              <a:t>, </a:t>
+            </a:r>
+            <a:r>
+              <a:rPr lang="en-GB" dirty="0"/>
+              <a:t>prominent e</a:t>
+            </a:r>
+            <a:r>
+              <a:rPr lang="en-DE" dirty="0"/>
+              <a:t>xamples: </a:t>
+            </a:r>
+            <a:r>
+              <a:rPr lang="en-DE" dirty="0">
+                <a:hlinkClick r:id="rId6"/>
+              </a:rPr>
+              <a:t>ChatGPT</a:t>
+            </a:r>
+            <a:r>
+              <a:rPr lang="en-DE" dirty="0"/>
+              <a:t>,</a:t>
+            </a:r>
+            <a:r>
+              <a:rPr lang="en-GB" dirty="0"/>
+              <a:t> </a:t>
+            </a:r>
+            <a:r>
+              <a:rPr lang="en-GB" dirty="0">
+                <a:hlinkClick r:id="rId7"/>
+              </a:rPr>
+              <a:t>Bard</a:t>
+            </a:r>
+            <a:endParaRPr lang="en-DE" dirty="0"/>
           </a:p>
         </p:txBody>
       </p:sp>
@@ -5110,7 +5120,7 @@
           <p:cNvPr id="4" name="Slide Number Placeholder 3">
             <a:extLst>
               <a:ext uri="{FF2B5EF4-FFF2-40B4-BE49-F238E27FC236}">
-                <a16:creationId xmlns:a16="http://schemas.microsoft.com/office/drawing/2014/main" id="{AE61EE5B-5F3A-A11E-C13B-66F632A7685A}"/>
+                <a16:creationId xmlns:a16="http://schemas.microsoft.com/office/drawing/2014/main" id="{649F0045-E4C4-0C38-5A9B-7A5BA0214CE7}"/>
               </a:ext>
             </a:extLst>
           </p:cNvPr>
@@ -5134,10 +5144,78 @@
           </a:p>
         </p:txBody>
       </p:sp>
+      <p:pic>
+        <p:nvPicPr>
+          <p:cNvPr id="6" name="Picture 5">
+            <a:extLst>
+              <a:ext uri="{FF2B5EF4-FFF2-40B4-BE49-F238E27FC236}">
+                <a16:creationId xmlns:a16="http://schemas.microsoft.com/office/drawing/2014/main" id="{B671ACDA-58DE-C671-C490-9A25C570A67D}"/>
+              </a:ext>
+            </a:extLst>
+          </p:cNvPr>
+          <p:cNvPicPr>
+            <a:picLocks noChangeAspect="1"/>
+          </p:cNvPicPr>
+          <p:nvPr/>
+        </p:nvPicPr>
+        <p:blipFill>
+          <a:blip r:embed="rId8"/>
+          <a:stretch>
+            <a:fillRect/>
+          </a:stretch>
+        </p:blipFill>
+        <p:spPr>
+          <a:xfrm>
+            <a:off x="9774395" y="1005021"/>
+            <a:ext cx="2390243" cy="5344539"/>
+          </a:xfrm>
+          <a:prstGeom prst="rect">
+            <a:avLst/>
+          </a:prstGeom>
+        </p:spPr>
+      </p:pic>
+      <p:sp>
+        <p:nvSpPr>
+          <p:cNvPr id="7" name="TextBox 6">
+            <a:extLst>
+              <a:ext uri="{FF2B5EF4-FFF2-40B4-BE49-F238E27FC236}">
+                <a16:creationId xmlns:a16="http://schemas.microsoft.com/office/drawing/2014/main" id="{0467208A-C2CD-8126-638D-2517BFC96589}"/>
+              </a:ext>
+            </a:extLst>
+          </p:cNvPr>
+          <p:cNvSpPr txBox="1"/>
+          <p:nvPr/>
+        </p:nvSpPr>
+        <p:spPr>
+          <a:xfrm>
+            <a:off x="11632120" y="6349560"/>
+            <a:ext cx="532518" cy="246221"/>
+          </a:xfrm>
+          <a:prstGeom prst="rect">
+            <a:avLst/>
+          </a:prstGeom>
+          <a:noFill/>
+        </p:spPr>
+        <p:txBody>
+          <a:bodyPr wrap="none" rtlCol="0">
+            <a:spAutoFit/>
+          </a:bodyPr>
+          <a:lstStyle/>
+          <a:p>
+            <a:r>
+              <a:rPr lang="de-DE" sz="1000" dirty="0">
+                <a:hlinkClick r:id="rId9"/>
+              </a:rPr>
+              <a:t>source</a:t>
+            </a:r>
+            <a:endParaRPr lang="de-DE" sz="1000" dirty="0"/>
+          </a:p>
+        </p:txBody>
+      </p:sp>
     </p:spTree>
     <p:extLst>
       <p:ext uri="{BB962C8B-B14F-4D97-AF65-F5344CB8AC3E}">
-        <p14:creationId xmlns:p14="http://schemas.microsoft.com/office/powerpoint/2010/main" val="159178465"/>
+        <p14:creationId xmlns:p14="http://schemas.microsoft.com/office/powerpoint/2010/main" val="4172062854"/>
       </p:ext>
     </p:extLst>
   </p:cSld>
@@ -5169,7 +5247,7 @@
           <p:cNvPr id="2" name="Title 1">
             <a:extLst>
               <a:ext uri="{FF2B5EF4-FFF2-40B4-BE49-F238E27FC236}">
-                <a16:creationId xmlns:a16="http://schemas.microsoft.com/office/drawing/2014/main" id="{CF4C5049-4F96-3D54-33C3-284B0E367EC0}"/>
+                <a16:creationId xmlns:a16="http://schemas.microsoft.com/office/drawing/2014/main" id="{DCFADA32-BF06-BFF5-75BE-84612B69919A}"/>
               </a:ext>
             </a:extLst>
           </p:cNvPr>
@@ -5187,8 +5265,157 @@
           <a:p>
             <a:r>
               <a:rPr lang="en-GB" dirty="0"/>
-              <a:t>Retrieval Augmented Generation (RAG)</a:t>
-            </a:r>
+              <a:t>Struggling with Facts</a:t>
+            </a:r>
+          </a:p>
+        </p:txBody>
+      </p:sp>
+      <p:sp>
+        <p:nvSpPr>
+          <p:cNvPr id="3" name="Content Placeholder 2">
+            <a:extLst>
+              <a:ext uri="{FF2B5EF4-FFF2-40B4-BE49-F238E27FC236}">
+                <a16:creationId xmlns:a16="http://schemas.microsoft.com/office/drawing/2014/main" id="{6B98F654-8684-E5BA-6A19-1DB6137B9534}"/>
+              </a:ext>
+            </a:extLst>
+          </p:cNvPr>
+          <p:cNvSpPr>
+            <a:spLocks noGrp="1"/>
+          </p:cNvSpPr>
+          <p:nvPr>
+            <p:ph idx="1"/>
+          </p:nvPr>
+        </p:nvSpPr>
+        <p:spPr/>
+        <p:txBody>
+          <a:bodyPr>
+            <a:noAutofit/>
+          </a:bodyPr>
+          <a:lstStyle/>
+          <a:p>
+            <a:pPr marL="0" indent="0">
+              <a:buNone/>
+            </a:pPr>
+            <a:r>
+              <a:rPr lang="en-GB" sz="2200" dirty="0"/>
+              <a:t>LLMs have only </a:t>
+            </a:r>
+            <a:r>
+              <a:rPr lang="en-GB" sz="2200" dirty="0">
+                <a:solidFill>
+                  <a:srgbClr val="212529"/>
+                </a:solidFill>
+              </a:rPr>
+              <a:t>implicit knowledge (memorization of information in weights): </a:t>
+            </a:r>
+            <a:r>
+              <a:rPr lang="en-GB" sz="2200" dirty="0">
+                <a:solidFill>
+                  <a:srgbClr val="212529"/>
+                </a:solidFill>
+                <a:sym typeface="Wingdings" pitchFamily="2" charset="2"/>
+              </a:rPr>
+              <a:t>limitations in terms of explicit factual knowledge, arithmetic operations, etc (hallucinating facts)</a:t>
+            </a:r>
+            <a:endParaRPr lang="en-GB" sz="2200" dirty="0"/>
+          </a:p>
+          <a:p>
+            <a:pPr marL="0" indent="0">
+              <a:buNone/>
+            </a:pPr>
+            <a:r>
+              <a:rPr lang="en-GB" sz="2200" dirty="0"/>
+              <a:t>sometimes compared to Kahneman’s intuitive “System 1” (from Thinking, Fast and Slow)</a:t>
+            </a:r>
+          </a:p>
+          <a:p>
+            <a:pPr marL="0" indent="0">
+              <a:buNone/>
+            </a:pPr>
+            <a:endParaRPr lang="en-GB" sz="2200" dirty="0"/>
+          </a:p>
+          <a:p>
+            <a:pPr marL="0" indent="0">
+              <a:buNone/>
+            </a:pPr>
+            <a:r>
+              <a:rPr lang="en-GB" sz="2200" dirty="0"/>
+              <a:t>analytical ”System 2” can be (partly) employed by:</a:t>
+            </a:r>
+          </a:p>
+          <a:p>
+            <a:r>
+              <a:rPr lang="en-GB" sz="2200" dirty="0"/>
+              <a:t>retrieval augmentation, e.g., via vector stores (</a:t>
+            </a:r>
+            <a:r>
+              <a:rPr lang="en-GB" sz="2200" dirty="0">
+                <a:hlinkClick r:id="rId2"/>
+              </a:rPr>
+              <a:t>RAG</a:t>
+            </a:r>
+            <a:r>
+              <a:rPr lang="en-GB" sz="2200" dirty="0"/>
+              <a:t>, </a:t>
+            </a:r>
+            <a:r>
+              <a:rPr lang="en-GB" sz="2200" dirty="0" err="1">
+                <a:hlinkClick r:id="rId3"/>
+              </a:rPr>
+              <a:t>LlamaIndex</a:t>
+            </a:r>
+            <a:r>
+              <a:rPr lang="en-GB" sz="2200" dirty="0"/>
+              <a:t>)</a:t>
+            </a:r>
+          </a:p>
+          <a:p>
+            <a:r>
+              <a:rPr lang="en-GB" sz="2200" dirty="0"/>
+              <a:t>tool usage (</a:t>
+            </a:r>
+            <a:r>
+              <a:rPr lang="en-GB" sz="2200" dirty="0" err="1">
+                <a:hlinkClick r:id="rId4"/>
+              </a:rPr>
+              <a:t>LangChain</a:t>
+            </a:r>
+            <a:r>
+              <a:rPr lang="en-GB" sz="2200" dirty="0"/>
+              <a:t>, </a:t>
+            </a:r>
+            <a:r>
+              <a:rPr lang="en-GB" sz="2200" dirty="0" err="1">
+                <a:hlinkClick r:id="rId5"/>
+              </a:rPr>
+              <a:t>Toolformer</a:t>
+            </a:r>
+            <a:r>
+              <a:rPr lang="en-GB" sz="2200" dirty="0"/>
+              <a:t>)</a:t>
+            </a:r>
+          </a:p>
+          <a:p>
+            <a:r>
+              <a:rPr lang="en-GB" sz="2200" dirty="0"/>
+              <a:t>implicit code execution (e.g., in Bard)</a:t>
+            </a:r>
+          </a:p>
+          <a:p>
+            <a:pPr marL="0" indent="0">
+              <a:buNone/>
+            </a:pPr>
+            <a:endParaRPr lang="en-GB" sz="2200" dirty="0"/>
+          </a:p>
+          <a:p>
+            <a:pPr marL="0" indent="0">
+              <a:buNone/>
+            </a:pPr>
+            <a:r>
+              <a:rPr lang="en-GB" sz="2200" dirty="0"/>
+              <a:t>still largely missing for AGI: agency (although simple automated workflows can be built)</a:t>
+            </a:r>
+            <a:endParaRPr lang="en-DE" sz="2200" dirty="0"/>
           </a:p>
         </p:txBody>
       </p:sp>
@@ -5197,7 +5424,7 @@
           <p:cNvPr id="4" name="Slide Number Placeholder 3">
             <a:extLst>
               <a:ext uri="{FF2B5EF4-FFF2-40B4-BE49-F238E27FC236}">
-                <a16:creationId xmlns:a16="http://schemas.microsoft.com/office/drawing/2014/main" id="{27948EF6-25B5-BBF4-9EA0-78548009A44A}"/>
+                <a16:creationId xmlns:a16="http://schemas.microsoft.com/office/drawing/2014/main" id="{AE61EE5B-5F3A-A11E-C13B-66F632A7685A}"/>
               </a:ext>
             </a:extLst>
           </p:cNvPr>
@@ -5216,6 +5443,93 @@
             <a:fld id="{849D05A8-43E9-1C49-8606-50AB68220DEC}" type="slidenum">
               <a:rPr lang="en-DE" smtClean="0"/>
               <a:t>12</a:t>
+            </a:fld>
+            <a:endParaRPr lang="en-DE"/>
+          </a:p>
+        </p:txBody>
+      </p:sp>
+    </p:spTree>
+    <p:extLst>
+      <p:ext uri="{BB962C8B-B14F-4D97-AF65-F5344CB8AC3E}">
+        <p14:creationId xmlns:p14="http://schemas.microsoft.com/office/powerpoint/2010/main" val="159178465"/>
+      </p:ext>
+    </p:extLst>
+  </p:cSld>
+  <p:clrMapOvr>
+    <a:masterClrMapping/>
+  </p:clrMapOvr>
+</p:sld>
+</file>
+
+<file path=ppt/slides/slide13.xml><?xml version="1.0" encoding="utf-8"?>
+<p:sld xmlns:a="http://schemas.openxmlformats.org/drawingml/2006/main" xmlns:r="http://schemas.openxmlformats.org/officeDocument/2006/relationships" xmlns:p="http://schemas.openxmlformats.org/presentationml/2006/main">
+  <p:cSld>
+    <p:spTree>
+      <p:nvGrpSpPr>
+        <p:cNvPr id="1" name=""/>
+        <p:cNvGrpSpPr/>
+        <p:nvPr/>
+      </p:nvGrpSpPr>
+      <p:grpSpPr>
+        <a:xfrm>
+          <a:off x="0" y="0"/>
+          <a:ext cx="0" cy="0"/>
+          <a:chOff x="0" y="0"/>
+          <a:chExt cx="0" cy="0"/>
+        </a:xfrm>
+      </p:grpSpPr>
+      <p:sp>
+        <p:nvSpPr>
+          <p:cNvPr id="2" name="Title 1">
+            <a:extLst>
+              <a:ext uri="{FF2B5EF4-FFF2-40B4-BE49-F238E27FC236}">
+                <a16:creationId xmlns:a16="http://schemas.microsoft.com/office/drawing/2014/main" id="{CF4C5049-4F96-3D54-33C3-284B0E367EC0}"/>
+              </a:ext>
+            </a:extLst>
+          </p:cNvPr>
+          <p:cNvSpPr>
+            <a:spLocks noGrp="1"/>
+          </p:cNvSpPr>
+          <p:nvPr>
+            <p:ph type="title"/>
+          </p:nvPr>
+        </p:nvSpPr>
+        <p:spPr/>
+        <p:txBody>
+          <a:bodyPr/>
+          <a:lstStyle/>
+          <a:p>
+            <a:r>
+              <a:rPr lang="en-GB" dirty="0"/>
+              <a:t>Retrieval Augmented Generation (RAG)</a:t>
+            </a:r>
+          </a:p>
+        </p:txBody>
+      </p:sp>
+      <p:sp>
+        <p:nvSpPr>
+          <p:cNvPr id="4" name="Slide Number Placeholder 3">
+            <a:extLst>
+              <a:ext uri="{FF2B5EF4-FFF2-40B4-BE49-F238E27FC236}">
+                <a16:creationId xmlns:a16="http://schemas.microsoft.com/office/drawing/2014/main" id="{27948EF6-25B5-BBF4-9EA0-78548009A44A}"/>
+              </a:ext>
+            </a:extLst>
+          </p:cNvPr>
+          <p:cNvSpPr>
+            <a:spLocks noGrp="1"/>
+          </p:cNvSpPr>
+          <p:nvPr>
+            <p:ph type="sldNum" sz="quarter" idx="12"/>
+          </p:nvPr>
+        </p:nvSpPr>
+        <p:spPr/>
+        <p:txBody>
+          <a:bodyPr/>
+          <a:lstStyle/>
+          <a:p>
+            <a:fld id="{849D05A8-43E9-1C49-8606-50AB68220DEC}" type="slidenum">
+              <a:rPr lang="en-DE" smtClean="0"/>
+              <a:t>13</a:t>
             </a:fld>
             <a:endParaRPr lang="en-DE"/>
           </a:p>
@@ -5426,279 +5740,12 @@
           </a:p>
         </p:txBody>
       </p:sp>
-    </p:spTree>
-    <p:extLst>
-      <p:ext uri="{BB962C8B-B14F-4D97-AF65-F5344CB8AC3E}">
-        <p14:creationId xmlns:p14="http://schemas.microsoft.com/office/powerpoint/2010/main" val="1010541514"/>
-      </p:ext>
-    </p:extLst>
-  </p:cSld>
-  <p:clrMapOvr>
-    <a:masterClrMapping/>
-  </p:clrMapOvr>
-</p:sld>
-</file>
-
-<file path=ppt/slides/slide13.xml><?xml version="1.0" encoding="utf-8"?>
-<p:sld xmlns:a="http://schemas.openxmlformats.org/drawingml/2006/main" xmlns:r="http://schemas.openxmlformats.org/officeDocument/2006/relationships" xmlns:p="http://schemas.openxmlformats.org/presentationml/2006/main">
-  <p:cSld>
-    <p:spTree>
-      <p:nvGrpSpPr>
-        <p:cNvPr id="1" name=""/>
-        <p:cNvGrpSpPr/>
-        <p:nvPr/>
-      </p:nvGrpSpPr>
-      <p:grpSpPr>
-        <a:xfrm>
-          <a:off x="0" y="0"/>
-          <a:ext cx="0" cy="0"/>
-          <a:chOff x="0" y="0"/>
-          <a:chExt cx="0" cy="0"/>
-        </a:xfrm>
-      </p:grpSpPr>
-      <p:sp>
-        <p:nvSpPr>
-          <p:cNvPr id="2" name="Title 1">
-            <a:extLst>
-              <a:ext uri="{FF2B5EF4-FFF2-40B4-BE49-F238E27FC236}">
-                <a16:creationId xmlns:a16="http://schemas.microsoft.com/office/drawing/2014/main" id="{40D772FC-D0C5-C350-E0B3-E03A3678C622}"/>
-              </a:ext>
-            </a:extLst>
-          </p:cNvPr>
-          <p:cNvSpPr>
-            <a:spLocks noGrp="1"/>
-          </p:cNvSpPr>
-          <p:nvPr>
-            <p:ph type="title"/>
-          </p:nvPr>
-        </p:nvSpPr>
-        <p:spPr/>
-        <p:txBody>
-          <a:bodyPr/>
-          <a:lstStyle/>
-          <a:p>
-            <a:r>
-              <a:rPr lang="en-GB" dirty="0"/>
-              <a:t>Application</a:t>
-            </a:r>
-          </a:p>
-        </p:txBody>
-      </p:sp>
-      <p:sp>
-        <p:nvSpPr>
-          <p:cNvPr id="6" name="Text Placeholder 5">
-            <a:extLst>
-              <a:ext uri="{FF2B5EF4-FFF2-40B4-BE49-F238E27FC236}">
-                <a16:creationId xmlns:a16="http://schemas.microsoft.com/office/drawing/2014/main" id="{F51B242E-3C53-9611-FE42-AA7D389C644B}"/>
-              </a:ext>
-            </a:extLst>
-          </p:cNvPr>
-          <p:cNvSpPr>
-            <a:spLocks noGrp="1"/>
-          </p:cNvSpPr>
-          <p:nvPr>
-            <p:ph type="body" idx="1"/>
-          </p:nvPr>
-        </p:nvSpPr>
-        <p:spPr/>
-        <p:txBody>
-          <a:bodyPr>
-            <a:normAutofit/>
-          </a:bodyPr>
-          <a:lstStyle/>
-          <a:p>
-            <a:r>
-              <a:rPr lang="en-GB" sz="2600" dirty="0"/>
-              <a:t>discriminative models</a:t>
-            </a:r>
-          </a:p>
-        </p:txBody>
-      </p:sp>
-      <p:sp>
-        <p:nvSpPr>
-          <p:cNvPr id="3" name="Content Placeholder 2">
-            <a:extLst>
-              <a:ext uri="{FF2B5EF4-FFF2-40B4-BE49-F238E27FC236}">
-                <a16:creationId xmlns:a16="http://schemas.microsoft.com/office/drawing/2014/main" id="{D78AADE7-469E-1867-D81D-648C8483D9F3}"/>
-              </a:ext>
-            </a:extLst>
-          </p:cNvPr>
-          <p:cNvSpPr>
-            <a:spLocks noGrp="1"/>
-          </p:cNvSpPr>
-          <p:nvPr>
-            <p:ph sz="half" idx="2"/>
-          </p:nvPr>
-        </p:nvSpPr>
-        <p:spPr/>
-        <p:txBody>
-          <a:bodyPr>
-            <a:normAutofit fontScale="85000" lnSpcReduction="20000"/>
-          </a:bodyPr>
-          <a:lstStyle/>
-          <a:p>
-            <a:pPr marL="0" indent="0">
-              <a:buNone/>
-            </a:pPr>
-            <a:endParaRPr lang="en-GB" dirty="0"/>
-          </a:p>
-          <a:p>
-            <a:pPr marL="0" indent="0">
-              <a:buNone/>
-            </a:pPr>
-            <a:endParaRPr lang="en-GB" dirty="0"/>
-          </a:p>
-          <a:p>
-            <a:r>
-              <a:rPr lang="en-GB" dirty="0"/>
-              <a:t>effective for performing numerical and optimization tasks (predictions)</a:t>
-            </a:r>
-          </a:p>
-          <a:p>
-            <a:pPr marL="0" indent="0">
-              <a:buNone/>
-            </a:pPr>
-            <a:endParaRPr lang="en-GB" dirty="0"/>
-          </a:p>
-          <a:p>
-            <a:pPr marL="0" indent="0">
-              <a:buNone/>
-            </a:pPr>
-            <a:endParaRPr lang="en-GB" dirty="0"/>
-          </a:p>
-          <a:p>
-            <a:r>
-              <a:rPr lang="en-GB" dirty="0"/>
-              <a:t>continue to account for majority of AI value in wide range of industries (e.g., supply chain)</a:t>
-            </a:r>
-          </a:p>
-        </p:txBody>
-      </p:sp>
-      <p:sp>
-        <p:nvSpPr>
-          <p:cNvPr id="7" name="Text Placeholder 6">
-            <a:extLst>
-              <a:ext uri="{FF2B5EF4-FFF2-40B4-BE49-F238E27FC236}">
-                <a16:creationId xmlns:a16="http://schemas.microsoft.com/office/drawing/2014/main" id="{2AEF9E0E-EE1A-867C-4CB4-04AE3ED18C86}"/>
-              </a:ext>
-            </a:extLst>
-          </p:cNvPr>
-          <p:cNvSpPr>
-            <a:spLocks noGrp="1"/>
-          </p:cNvSpPr>
-          <p:nvPr>
-            <p:ph type="body" sz="quarter" idx="3"/>
-          </p:nvPr>
-        </p:nvSpPr>
-        <p:spPr/>
-        <p:txBody>
-          <a:bodyPr>
-            <a:normAutofit/>
-          </a:bodyPr>
-          <a:lstStyle/>
-          <a:p>
-            <a:r>
-              <a:rPr lang="en-GB" sz="2600" dirty="0"/>
-              <a:t>generative models</a:t>
-            </a:r>
-          </a:p>
-        </p:txBody>
-      </p:sp>
-      <p:sp>
-        <p:nvSpPr>
-          <p:cNvPr id="8" name="Content Placeholder 7">
-            <a:extLst>
-              <a:ext uri="{FF2B5EF4-FFF2-40B4-BE49-F238E27FC236}">
-                <a16:creationId xmlns:a16="http://schemas.microsoft.com/office/drawing/2014/main" id="{7C5E0CAB-8DAF-B8E6-B222-C887DE8F7EEB}"/>
-              </a:ext>
-            </a:extLst>
-          </p:cNvPr>
-          <p:cNvSpPr>
-            <a:spLocks noGrp="1"/>
-          </p:cNvSpPr>
-          <p:nvPr>
-            <p:ph sz="quarter" idx="4"/>
-          </p:nvPr>
-        </p:nvSpPr>
-        <p:spPr/>
-        <p:txBody>
-          <a:bodyPr>
-            <a:normAutofit fontScale="85000" lnSpcReduction="20000"/>
-          </a:bodyPr>
-          <a:lstStyle/>
-          <a:p>
-            <a:endParaRPr lang="en-GB" dirty="0"/>
-          </a:p>
-          <a:p>
-            <a:r>
-              <a:rPr lang="en-GB" dirty="0"/>
-              <a:t>not suitable for classical use cases like numerical and optimization tasks</a:t>
-            </a:r>
-          </a:p>
-          <a:p>
-            <a:pPr marL="0" indent="0">
-              <a:buNone/>
-            </a:pPr>
-            <a:r>
-              <a:rPr lang="en-GB" dirty="0"/>
-              <a:t>(But LLM agents might use prediction or optimization models as tools.)</a:t>
-            </a:r>
-          </a:p>
-          <a:p>
-            <a:endParaRPr lang="en-GB" dirty="0"/>
-          </a:p>
-          <a:p>
-            <a:r>
-              <a:rPr lang="en-GB" dirty="0"/>
-              <a:t>but complimentary: drive value across entire organizations by revolutionizing internal knowledge management systems</a:t>
-            </a:r>
-          </a:p>
-          <a:p>
-            <a:pPr marL="0" indent="0">
-              <a:buNone/>
-            </a:pPr>
-            <a:r>
-              <a:rPr lang="en-GB" dirty="0"/>
-              <a:t>(natural user interface)</a:t>
-            </a:r>
-          </a:p>
-        </p:txBody>
-      </p:sp>
-      <p:sp>
-        <p:nvSpPr>
-          <p:cNvPr id="4" name="Slide Number Placeholder 3">
-            <a:extLst>
-              <a:ext uri="{FF2B5EF4-FFF2-40B4-BE49-F238E27FC236}">
-                <a16:creationId xmlns:a16="http://schemas.microsoft.com/office/drawing/2014/main" id="{D4A99828-39AE-34B1-27E2-1E2945C8FCF7}"/>
-              </a:ext>
-            </a:extLst>
-          </p:cNvPr>
-          <p:cNvSpPr>
-            <a:spLocks noGrp="1"/>
-          </p:cNvSpPr>
-          <p:nvPr>
-            <p:ph type="sldNum" sz="quarter" idx="12"/>
-          </p:nvPr>
-        </p:nvSpPr>
-        <p:spPr/>
-        <p:txBody>
-          <a:bodyPr/>
-          <a:lstStyle/>
-          <a:p>
-            <a:fld id="{CC3EA844-D84E-46D3-B34D-D5A70E978FE4}" type="slidenum">
-              <a:rPr lang="en-GB" smtClean="0"/>
-              <a:t>13</a:t>
-            </a:fld>
-            <a:endParaRPr lang="en-GB"/>
-          </a:p>
-        </p:txBody>
-      </p:sp>
-      <p:sp>
-        <p:nvSpPr>
-          <p:cNvPr id="5" name="TextBox 4">
-            <a:extLst>
-              <a:ext uri="{FF2B5EF4-FFF2-40B4-BE49-F238E27FC236}">
-                <a16:creationId xmlns:a16="http://schemas.microsoft.com/office/drawing/2014/main" id="{021D2406-CBAA-1EEE-F6DD-82E096893AB4}"/>
+      <p:sp>
+        <p:nvSpPr>
+          <p:cNvPr id="3" name="TextBox 2">
+            <a:extLst>
+              <a:ext uri="{FF2B5EF4-FFF2-40B4-BE49-F238E27FC236}">
+                <a16:creationId xmlns:a16="http://schemas.microsoft.com/office/drawing/2014/main" id="{3919BA4E-F13C-48A6-BC0D-C00F4FFE0EFB}"/>
               </a:ext>
             </a:extLst>
           </p:cNvPr>
@@ -5707,28 +5754,23 @@
         </p:nvSpPr>
         <p:spPr>
           <a:xfrm>
-            <a:off x="5872294" y="643185"/>
-            <a:ext cx="6090407" cy="769441"/>
+            <a:off x="8772988" y="5570807"/>
+            <a:ext cx="838243" cy="338554"/>
           </a:xfrm>
           <a:prstGeom prst="rect">
             <a:avLst/>
           </a:prstGeom>
           <a:noFill/>
-          <a:ln>
-            <a:solidFill>
-              <a:schemeClr val="tx1"/>
-            </a:solidFill>
-          </a:ln>
         </p:spPr>
         <p:txBody>
-          <a:bodyPr wrap="square" rtlCol="0">
+          <a:bodyPr wrap="none" rtlCol="0">
             <a:spAutoFit/>
           </a:bodyPr>
           <a:lstStyle/>
           <a:p>
             <a:r>
-              <a:rPr lang="en-GB" sz="2200" dirty="0"/>
-              <a:t>LLMs are “just” interfaces/translators: transforming one sequence (tokenizable input) into another</a:t>
+              <a:rPr lang="en-GB" sz="1600" dirty="0"/>
+              <a:t>indexed</a:t>
             </a:r>
           </a:p>
         </p:txBody>
@@ -5736,7 +5778,7 @@
     </p:spTree>
     <p:extLst>
       <p:ext uri="{BB962C8B-B14F-4D97-AF65-F5344CB8AC3E}">
-        <p14:creationId xmlns:p14="http://schemas.microsoft.com/office/powerpoint/2010/main" val="2884433770"/>
+        <p14:creationId xmlns:p14="http://schemas.microsoft.com/office/powerpoint/2010/main" val="1010541514"/>
       </p:ext>
     </p:extLst>
   </p:cSld>
@@ -5765,423 +5807,6 @@
       </p:grpSpPr>
       <p:sp>
         <p:nvSpPr>
-          <p:cNvPr id="8" name="Title 7">
-            <a:extLst>
-              <a:ext uri="{FF2B5EF4-FFF2-40B4-BE49-F238E27FC236}">
-                <a16:creationId xmlns:a16="http://schemas.microsoft.com/office/drawing/2014/main" id="{9B3A5509-CBB4-50C4-4181-9C7407765D0C}"/>
-              </a:ext>
-            </a:extLst>
-          </p:cNvPr>
-          <p:cNvSpPr>
-            <a:spLocks noGrp="1"/>
-          </p:cNvSpPr>
-          <p:nvPr>
-            <p:ph type="title"/>
-          </p:nvPr>
-        </p:nvSpPr>
-        <p:spPr/>
-        <p:txBody>
-          <a:bodyPr/>
-          <a:lstStyle/>
-          <a:p>
-            <a:r>
-              <a:rPr lang="en-GB" dirty="0"/>
-              <a:t>LLMs in Plain Terms</a:t>
-            </a:r>
-          </a:p>
-        </p:txBody>
-      </p:sp>
-      <p:sp>
-        <p:nvSpPr>
-          <p:cNvPr id="9" name="Content Placeholder 8">
-            <a:extLst>
-              <a:ext uri="{FF2B5EF4-FFF2-40B4-BE49-F238E27FC236}">
-                <a16:creationId xmlns:a16="http://schemas.microsoft.com/office/drawing/2014/main" id="{D8ADDE22-9386-9854-8F5D-E60F885EBFA8}"/>
-              </a:ext>
-            </a:extLst>
-          </p:cNvPr>
-          <p:cNvSpPr>
-            <a:spLocks noGrp="1"/>
-          </p:cNvSpPr>
-          <p:nvPr>
-            <p:ph idx="1"/>
-          </p:nvPr>
-        </p:nvSpPr>
-        <p:spPr/>
-        <p:txBody>
-          <a:bodyPr/>
-          <a:lstStyle/>
-          <a:p>
-            <a:pPr marL="0" indent="0">
-              <a:buNone/>
-            </a:pPr>
-            <a:endParaRPr lang="en-GB" dirty="0"/>
-          </a:p>
-          <a:p>
-            <a:pPr marL="0" indent="0">
-              <a:buNone/>
-            </a:pPr>
-            <a:r>
-              <a:rPr lang="en-GB" dirty="0"/>
-              <a:t>foundation models:</a:t>
-            </a:r>
-          </a:p>
-          <a:p>
-            <a:r>
-              <a:rPr lang="en-GB" dirty="0"/>
-              <a:t>compression of the internet</a:t>
-            </a:r>
-          </a:p>
-          <a:p>
-            <a:r>
-              <a:rPr lang="en-GB" dirty="0"/>
-              <a:t>programming languages of new wave of AI applications (adapted to specific use cases and data)</a:t>
-            </a:r>
-          </a:p>
-          <a:p>
-            <a:pPr marL="0" indent="0">
-              <a:buNone/>
-            </a:pPr>
-            <a:endParaRPr lang="en-GB" dirty="0"/>
-          </a:p>
-          <a:p>
-            <a:pPr marL="0" indent="0">
-              <a:buNone/>
-            </a:pPr>
-            <a:r>
-              <a:rPr lang="en-GB" dirty="0">
-                <a:sym typeface="Wingdings" panose="05000000000000000000" pitchFamily="2" charset="2"/>
-              </a:rPr>
-              <a:t> These applications will </a:t>
-            </a:r>
-            <a:r>
-              <a:rPr lang="en-GB" dirty="0"/>
-              <a:t>make the internet more interactive.</a:t>
-            </a:r>
-          </a:p>
-        </p:txBody>
-      </p:sp>
-      <p:sp>
-        <p:nvSpPr>
-          <p:cNvPr id="7" name="Slide Number Placeholder 6">
-            <a:extLst>
-              <a:ext uri="{FF2B5EF4-FFF2-40B4-BE49-F238E27FC236}">
-                <a16:creationId xmlns:a16="http://schemas.microsoft.com/office/drawing/2014/main" id="{2A6B521C-9488-0C3F-A3A9-3CB24804B747}"/>
-              </a:ext>
-            </a:extLst>
-          </p:cNvPr>
-          <p:cNvSpPr>
-            <a:spLocks noGrp="1"/>
-          </p:cNvSpPr>
-          <p:nvPr>
-            <p:ph type="sldNum" sz="quarter" idx="12"/>
-          </p:nvPr>
-        </p:nvSpPr>
-        <p:spPr/>
-        <p:txBody>
-          <a:bodyPr/>
-          <a:lstStyle/>
-          <a:p>
-            <a:fld id="{849D05A8-43E9-1C49-8606-50AB68220DEC}" type="slidenum">
-              <a:rPr lang="en-DE" smtClean="0"/>
-              <a:t>14</a:t>
-            </a:fld>
-            <a:endParaRPr lang="en-DE"/>
-          </a:p>
-        </p:txBody>
-      </p:sp>
-    </p:spTree>
-    <p:extLst>
-      <p:ext uri="{BB962C8B-B14F-4D97-AF65-F5344CB8AC3E}">
-        <p14:creationId xmlns:p14="http://schemas.microsoft.com/office/powerpoint/2010/main" val="921352002"/>
-      </p:ext>
-    </p:extLst>
-  </p:cSld>
-  <p:clrMapOvr>
-    <a:masterClrMapping/>
-  </p:clrMapOvr>
-</p:sld>
-</file>
-
-<file path=ppt/slides/slide15.xml><?xml version="1.0" encoding="utf-8"?>
-<p:sld xmlns:a="http://schemas.openxmlformats.org/drawingml/2006/main" xmlns:r="http://schemas.openxmlformats.org/officeDocument/2006/relationships" xmlns:p="http://schemas.openxmlformats.org/presentationml/2006/main">
-  <p:cSld>
-    <p:spTree>
-      <p:nvGrpSpPr>
-        <p:cNvPr id="1" name=""/>
-        <p:cNvGrpSpPr/>
-        <p:nvPr/>
-      </p:nvGrpSpPr>
-      <p:grpSpPr>
-        <a:xfrm>
-          <a:off x="0" y="0"/>
-          <a:ext cx="0" cy="0"/>
-          <a:chOff x="0" y="0"/>
-          <a:chExt cx="0" cy="0"/>
-        </a:xfrm>
-      </p:grpSpPr>
-      <p:sp>
-        <p:nvSpPr>
-          <p:cNvPr id="2" name="Title 1">
-            <a:extLst>
-              <a:ext uri="{FF2B5EF4-FFF2-40B4-BE49-F238E27FC236}">
-                <a16:creationId xmlns:a16="http://schemas.microsoft.com/office/drawing/2014/main" id="{0DA915E5-8F30-B05F-1F18-00DBE84090A8}"/>
-              </a:ext>
-            </a:extLst>
-          </p:cNvPr>
-          <p:cNvSpPr>
-            <a:spLocks noGrp="1"/>
-          </p:cNvSpPr>
-          <p:nvPr>
-            <p:ph type="title"/>
-          </p:nvPr>
-        </p:nvSpPr>
-        <p:spPr/>
-        <p:txBody>
-          <a:bodyPr/>
-          <a:lstStyle/>
-          <a:p>
-            <a:r>
-              <a:rPr lang="en-GB" dirty="0"/>
-              <a:t>What You Get Is What You Asked For</a:t>
-            </a:r>
-            <a:endParaRPr lang="en-DE" dirty="0"/>
-          </a:p>
-        </p:txBody>
-      </p:sp>
-      <p:sp>
-        <p:nvSpPr>
-          <p:cNvPr id="3" name="Content Placeholder 2">
-            <a:extLst>
-              <a:ext uri="{FF2B5EF4-FFF2-40B4-BE49-F238E27FC236}">
-                <a16:creationId xmlns:a16="http://schemas.microsoft.com/office/drawing/2014/main" id="{906010A0-898B-9F5C-02B7-2C5146980D2B}"/>
-              </a:ext>
-            </a:extLst>
-          </p:cNvPr>
-          <p:cNvSpPr>
-            <a:spLocks noGrp="1"/>
-          </p:cNvSpPr>
-          <p:nvPr>
-            <p:ph idx="1"/>
-          </p:nvPr>
-        </p:nvSpPr>
-        <p:spPr>
-          <a:xfrm>
-            <a:off x="838200" y="1825625"/>
-            <a:ext cx="8009238" cy="4351338"/>
-          </a:xfrm>
-        </p:spPr>
-        <p:txBody>
-          <a:bodyPr>
-            <a:normAutofit fontScale="85000" lnSpcReduction="20000"/>
-          </a:bodyPr>
-          <a:lstStyle/>
-          <a:p>
-            <a:pPr marL="0" indent="0">
-              <a:buNone/>
-            </a:pPr>
-            <a:r>
-              <a:rPr lang="en-GB" sz="3100" dirty="0"/>
-              <a:t>nice demonstration of capabilities of LLMs and prompting: </a:t>
-            </a:r>
-            <a:r>
-              <a:rPr lang="en-GB" sz="3100" dirty="0">
-                <a:hlinkClick r:id="rId2"/>
-              </a:rPr>
-              <a:t>interview with Google’s LaMDA</a:t>
-            </a:r>
-            <a:endParaRPr lang="en-GB" sz="3100" dirty="0"/>
-          </a:p>
-          <a:p>
-            <a:pPr marL="0" indent="0">
-              <a:buNone/>
-            </a:pPr>
-            <a:endParaRPr lang="en-GB" sz="3100" dirty="0"/>
-          </a:p>
-          <a:p>
-            <a:pPr marL="0" indent="0">
-              <a:buNone/>
-            </a:pPr>
-            <a:r>
-              <a:rPr lang="en-GB" sz="3100" dirty="0">
-                <a:hlinkClick r:id="rId3"/>
-              </a:rPr>
-              <a:t>LaMDA</a:t>
-            </a:r>
-            <a:r>
-              <a:rPr lang="en-GB" sz="3100" dirty="0"/>
-              <a:t> (Language Models for Dialog Applications):</a:t>
-            </a:r>
-          </a:p>
-          <a:p>
-            <a:r>
-              <a:rPr lang="en-GB" sz="3100" dirty="0"/>
-              <a:t>system for generating chat bots (conversational AI)</a:t>
-            </a:r>
-          </a:p>
-          <a:p>
-            <a:r>
-              <a:rPr lang="en-GB" sz="3100" dirty="0"/>
-              <a:t>trained on dialogue data</a:t>
-            </a:r>
-          </a:p>
-          <a:p>
-            <a:r>
-              <a:rPr lang="en-GB" sz="3100" dirty="0"/>
-              <a:t>decoder-only LLM</a:t>
-            </a:r>
-          </a:p>
-          <a:p>
-            <a:pPr marL="0" indent="0">
-              <a:buNone/>
-            </a:pPr>
-            <a:endParaRPr lang="en-GB" sz="3100" dirty="0"/>
-          </a:p>
-          <a:p>
-            <a:pPr marL="0" indent="0">
-              <a:buNone/>
-            </a:pPr>
-            <a:r>
-              <a:rPr lang="en-GB" sz="3100" dirty="0"/>
-              <a:t>n</a:t>
-            </a:r>
-            <a:r>
-              <a:rPr lang="en-DE" sz="3100" dirty="0"/>
-              <a:t>ot sentient, but impressively capable in learning language: leading questions to suggestible statistical language model</a:t>
-            </a:r>
-            <a:endParaRPr lang="en-GB" sz="3100" dirty="0"/>
-          </a:p>
-        </p:txBody>
-      </p:sp>
-      <p:sp>
-        <p:nvSpPr>
-          <p:cNvPr id="4" name="Slide Number Placeholder 3">
-            <a:extLst>
-              <a:ext uri="{FF2B5EF4-FFF2-40B4-BE49-F238E27FC236}">
-                <a16:creationId xmlns:a16="http://schemas.microsoft.com/office/drawing/2014/main" id="{C61EB92B-F99A-6EAB-5CF8-800F0B545638}"/>
-              </a:ext>
-            </a:extLst>
-          </p:cNvPr>
-          <p:cNvSpPr>
-            <a:spLocks noGrp="1"/>
-          </p:cNvSpPr>
-          <p:nvPr>
-            <p:ph type="sldNum" sz="quarter" idx="12"/>
-          </p:nvPr>
-        </p:nvSpPr>
-        <p:spPr/>
-        <p:txBody>
-          <a:bodyPr/>
-          <a:lstStyle/>
-          <a:p>
-            <a:fld id="{849D05A8-43E9-1C49-8606-50AB68220DEC}" type="slidenum">
-              <a:rPr lang="en-DE" smtClean="0"/>
-              <a:t>15</a:t>
-            </a:fld>
-            <a:endParaRPr lang="en-DE"/>
-          </a:p>
-        </p:txBody>
-      </p:sp>
-      <p:pic>
-        <p:nvPicPr>
-          <p:cNvPr id="6" name="Picture 5">
-            <a:extLst>
-              <a:ext uri="{FF2B5EF4-FFF2-40B4-BE49-F238E27FC236}">
-                <a16:creationId xmlns:a16="http://schemas.microsoft.com/office/drawing/2014/main" id="{171FADB3-427B-D1A3-3827-3D62F725D09D}"/>
-              </a:ext>
-            </a:extLst>
-          </p:cNvPr>
-          <p:cNvPicPr>
-            <a:picLocks noChangeAspect="1"/>
-          </p:cNvPicPr>
-          <p:nvPr/>
-        </p:nvPicPr>
-        <p:blipFill>
-          <a:blip r:embed="rId4"/>
-          <a:stretch>
-            <a:fillRect/>
-          </a:stretch>
-        </p:blipFill>
-        <p:spPr>
-          <a:xfrm>
-            <a:off x="9268483" y="389045"/>
-            <a:ext cx="2878387" cy="5953027"/>
-          </a:xfrm>
-          <a:prstGeom prst="rect">
-            <a:avLst/>
-          </a:prstGeom>
-        </p:spPr>
-      </p:pic>
-      <p:sp>
-        <p:nvSpPr>
-          <p:cNvPr id="7" name="TextBox 6">
-            <a:extLst>
-              <a:ext uri="{FF2B5EF4-FFF2-40B4-BE49-F238E27FC236}">
-                <a16:creationId xmlns:a16="http://schemas.microsoft.com/office/drawing/2014/main" id="{2DAF3C40-6AD2-D3DA-580F-182F23BC8D3E}"/>
-              </a:ext>
-            </a:extLst>
-          </p:cNvPr>
-          <p:cNvSpPr txBox="1"/>
-          <p:nvPr/>
-        </p:nvSpPr>
-        <p:spPr>
-          <a:xfrm>
-            <a:off x="11614352" y="6292691"/>
-            <a:ext cx="532518" cy="246221"/>
-          </a:xfrm>
-          <a:prstGeom prst="rect">
-            <a:avLst/>
-          </a:prstGeom>
-          <a:noFill/>
-        </p:spPr>
-        <p:txBody>
-          <a:bodyPr wrap="square" rtlCol="0">
-            <a:spAutoFit/>
-          </a:bodyPr>
-          <a:lstStyle/>
-          <a:p>
-            <a:r>
-              <a:rPr lang="de-DE" sz="1000" dirty="0">
-                <a:hlinkClick r:id="rId2"/>
-              </a:rPr>
-              <a:t>source</a:t>
-            </a:r>
-            <a:endParaRPr lang="de-DE" sz="1000" dirty="0"/>
-          </a:p>
-        </p:txBody>
-      </p:sp>
-    </p:spTree>
-    <p:extLst>
-      <p:ext uri="{BB962C8B-B14F-4D97-AF65-F5344CB8AC3E}">
-        <p14:creationId xmlns:p14="http://schemas.microsoft.com/office/powerpoint/2010/main" val="2357771614"/>
-      </p:ext>
-    </p:extLst>
-  </p:cSld>
-  <p:clrMapOvr>
-    <a:masterClrMapping/>
-  </p:clrMapOvr>
-</p:sld>
-</file>
-
-<file path=ppt/slides/slide16.xml><?xml version="1.0" encoding="utf-8"?>
-<p:sld xmlns:a="http://schemas.openxmlformats.org/drawingml/2006/main" xmlns:r="http://schemas.openxmlformats.org/officeDocument/2006/relationships" xmlns:p="http://schemas.openxmlformats.org/presentationml/2006/main">
-  <p:cSld>
-    <p:spTree>
-      <p:nvGrpSpPr>
-        <p:cNvPr id="1" name=""/>
-        <p:cNvGrpSpPr/>
-        <p:nvPr/>
-      </p:nvGrpSpPr>
-      <p:grpSpPr>
-        <a:xfrm>
-          <a:off x="0" y="0"/>
-          <a:ext cx="0" cy="0"/>
-          <a:chOff x="0" y="0"/>
-          <a:chExt cx="0" cy="0"/>
-        </a:xfrm>
-      </p:grpSpPr>
-      <p:sp>
-        <p:nvSpPr>
           <p:cNvPr id="2" name="Title 1">
             <a:extLst>
               <a:ext uri="{FF2B5EF4-FFF2-40B4-BE49-F238E27FC236}">
@@ -6428,7 +6053,7 @@
           <a:p>
             <a:fld id="{849D05A8-43E9-1C49-8606-50AB68220DEC}" type="slidenum">
               <a:rPr lang="en-DE" smtClean="0"/>
-              <a:t>16</a:t>
+              <a:t>14</a:t>
             </a:fld>
             <a:endParaRPr lang="en-DE"/>
           </a:p>
@@ -6598,6 +6223,470 @@
 </p:sld>
 </file>
 
+<file path=ppt/slides/slide15.xml><?xml version="1.0" encoding="utf-8"?>
+<p:sld xmlns:a="http://schemas.openxmlformats.org/drawingml/2006/main" xmlns:r="http://schemas.openxmlformats.org/officeDocument/2006/relationships" xmlns:p="http://schemas.openxmlformats.org/presentationml/2006/main">
+  <p:cSld>
+    <p:spTree>
+      <p:nvGrpSpPr>
+        <p:cNvPr id="1" name=""/>
+        <p:cNvGrpSpPr/>
+        <p:nvPr/>
+      </p:nvGrpSpPr>
+      <p:grpSpPr>
+        <a:xfrm>
+          <a:off x="0" y="0"/>
+          <a:ext cx="0" cy="0"/>
+          <a:chOff x="0" y="0"/>
+          <a:chExt cx="0" cy="0"/>
+        </a:xfrm>
+      </p:grpSpPr>
+      <p:sp>
+        <p:nvSpPr>
+          <p:cNvPr id="2" name="Title 1">
+            <a:extLst>
+              <a:ext uri="{FF2B5EF4-FFF2-40B4-BE49-F238E27FC236}">
+                <a16:creationId xmlns:a16="http://schemas.microsoft.com/office/drawing/2014/main" id="{40D772FC-D0C5-C350-E0B3-E03A3678C622}"/>
+              </a:ext>
+            </a:extLst>
+          </p:cNvPr>
+          <p:cNvSpPr>
+            <a:spLocks noGrp="1"/>
+          </p:cNvSpPr>
+          <p:nvPr>
+            <p:ph type="title"/>
+          </p:nvPr>
+        </p:nvSpPr>
+        <p:spPr/>
+        <p:txBody>
+          <a:bodyPr/>
+          <a:lstStyle/>
+          <a:p>
+            <a:r>
+              <a:rPr lang="en-GB" dirty="0"/>
+              <a:t>Application</a:t>
+            </a:r>
+          </a:p>
+        </p:txBody>
+      </p:sp>
+      <p:sp>
+        <p:nvSpPr>
+          <p:cNvPr id="6" name="Text Placeholder 5">
+            <a:extLst>
+              <a:ext uri="{FF2B5EF4-FFF2-40B4-BE49-F238E27FC236}">
+                <a16:creationId xmlns:a16="http://schemas.microsoft.com/office/drawing/2014/main" id="{F51B242E-3C53-9611-FE42-AA7D389C644B}"/>
+              </a:ext>
+            </a:extLst>
+          </p:cNvPr>
+          <p:cNvSpPr>
+            <a:spLocks noGrp="1"/>
+          </p:cNvSpPr>
+          <p:nvPr>
+            <p:ph type="body" idx="1"/>
+          </p:nvPr>
+        </p:nvSpPr>
+        <p:spPr/>
+        <p:txBody>
+          <a:bodyPr>
+            <a:normAutofit/>
+          </a:bodyPr>
+          <a:lstStyle/>
+          <a:p>
+            <a:r>
+              <a:rPr lang="en-GB" sz="2600" dirty="0"/>
+              <a:t>discriminative models</a:t>
+            </a:r>
+          </a:p>
+        </p:txBody>
+      </p:sp>
+      <p:sp>
+        <p:nvSpPr>
+          <p:cNvPr id="3" name="Content Placeholder 2">
+            <a:extLst>
+              <a:ext uri="{FF2B5EF4-FFF2-40B4-BE49-F238E27FC236}">
+                <a16:creationId xmlns:a16="http://schemas.microsoft.com/office/drawing/2014/main" id="{D78AADE7-469E-1867-D81D-648C8483D9F3}"/>
+              </a:ext>
+            </a:extLst>
+          </p:cNvPr>
+          <p:cNvSpPr>
+            <a:spLocks noGrp="1"/>
+          </p:cNvSpPr>
+          <p:nvPr>
+            <p:ph sz="half" idx="2"/>
+          </p:nvPr>
+        </p:nvSpPr>
+        <p:spPr/>
+        <p:txBody>
+          <a:bodyPr>
+            <a:normAutofit fontScale="85000" lnSpcReduction="20000"/>
+          </a:bodyPr>
+          <a:lstStyle/>
+          <a:p>
+            <a:pPr marL="0" indent="0">
+              <a:buNone/>
+            </a:pPr>
+            <a:endParaRPr lang="en-GB" dirty="0"/>
+          </a:p>
+          <a:p>
+            <a:pPr marL="0" indent="0">
+              <a:buNone/>
+            </a:pPr>
+            <a:endParaRPr lang="en-GB" dirty="0"/>
+          </a:p>
+          <a:p>
+            <a:r>
+              <a:rPr lang="en-GB" dirty="0"/>
+              <a:t>effective for performing numerical and optimization tasks (predictions)</a:t>
+            </a:r>
+          </a:p>
+          <a:p>
+            <a:pPr marL="0" indent="0">
+              <a:buNone/>
+            </a:pPr>
+            <a:endParaRPr lang="en-GB" dirty="0"/>
+          </a:p>
+          <a:p>
+            <a:pPr marL="0" indent="0">
+              <a:buNone/>
+            </a:pPr>
+            <a:endParaRPr lang="en-GB" dirty="0"/>
+          </a:p>
+          <a:p>
+            <a:r>
+              <a:rPr lang="en-GB" dirty="0"/>
+              <a:t>continue to account for majority of AI value in wide range of industries (e.g., supply chain)</a:t>
+            </a:r>
+          </a:p>
+        </p:txBody>
+      </p:sp>
+      <p:sp>
+        <p:nvSpPr>
+          <p:cNvPr id="7" name="Text Placeholder 6">
+            <a:extLst>
+              <a:ext uri="{FF2B5EF4-FFF2-40B4-BE49-F238E27FC236}">
+                <a16:creationId xmlns:a16="http://schemas.microsoft.com/office/drawing/2014/main" id="{2AEF9E0E-EE1A-867C-4CB4-04AE3ED18C86}"/>
+              </a:ext>
+            </a:extLst>
+          </p:cNvPr>
+          <p:cNvSpPr>
+            <a:spLocks noGrp="1"/>
+          </p:cNvSpPr>
+          <p:nvPr>
+            <p:ph type="body" sz="quarter" idx="3"/>
+          </p:nvPr>
+        </p:nvSpPr>
+        <p:spPr/>
+        <p:txBody>
+          <a:bodyPr>
+            <a:normAutofit/>
+          </a:bodyPr>
+          <a:lstStyle/>
+          <a:p>
+            <a:r>
+              <a:rPr lang="en-GB" sz="2600" dirty="0"/>
+              <a:t>generative models</a:t>
+            </a:r>
+          </a:p>
+        </p:txBody>
+      </p:sp>
+      <p:sp>
+        <p:nvSpPr>
+          <p:cNvPr id="8" name="Content Placeholder 7">
+            <a:extLst>
+              <a:ext uri="{FF2B5EF4-FFF2-40B4-BE49-F238E27FC236}">
+                <a16:creationId xmlns:a16="http://schemas.microsoft.com/office/drawing/2014/main" id="{7C5E0CAB-8DAF-B8E6-B222-C887DE8F7EEB}"/>
+              </a:ext>
+            </a:extLst>
+          </p:cNvPr>
+          <p:cNvSpPr>
+            <a:spLocks noGrp="1"/>
+          </p:cNvSpPr>
+          <p:nvPr>
+            <p:ph sz="quarter" idx="4"/>
+          </p:nvPr>
+        </p:nvSpPr>
+        <p:spPr/>
+        <p:txBody>
+          <a:bodyPr>
+            <a:normAutofit fontScale="85000" lnSpcReduction="20000"/>
+          </a:bodyPr>
+          <a:lstStyle/>
+          <a:p>
+            <a:endParaRPr lang="en-GB" dirty="0"/>
+          </a:p>
+          <a:p>
+            <a:r>
+              <a:rPr lang="en-GB" dirty="0"/>
+              <a:t>not suitable for classical use cases like numerical and optimization tasks</a:t>
+            </a:r>
+          </a:p>
+          <a:p>
+            <a:pPr marL="0" indent="0">
+              <a:buNone/>
+            </a:pPr>
+            <a:r>
+              <a:rPr lang="en-GB" dirty="0"/>
+              <a:t>(But LLM agents might use prediction or optimization models as tools.)</a:t>
+            </a:r>
+          </a:p>
+          <a:p>
+            <a:endParaRPr lang="en-GB" dirty="0"/>
+          </a:p>
+          <a:p>
+            <a:r>
+              <a:rPr lang="en-GB" dirty="0"/>
+              <a:t>but complimentary: drive value across entire organizations by revolutionizing internal knowledge management systems</a:t>
+            </a:r>
+          </a:p>
+          <a:p>
+            <a:pPr marL="0" indent="0">
+              <a:buNone/>
+            </a:pPr>
+            <a:r>
+              <a:rPr lang="en-GB" dirty="0"/>
+              <a:t>(natural user interface)</a:t>
+            </a:r>
+          </a:p>
+        </p:txBody>
+      </p:sp>
+      <p:sp>
+        <p:nvSpPr>
+          <p:cNvPr id="4" name="Slide Number Placeholder 3">
+            <a:extLst>
+              <a:ext uri="{FF2B5EF4-FFF2-40B4-BE49-F238E27FC236}">
+                <a16:creationId xmlns:a16="http://schemas.microsoft.com/office/drawing/2014/main" id="{D4A99828-39AE-34B1-27E2-1E2945C8FCF7}"/>
+              </a:ext>
+            </a:extLst>
+          </p:cNvPr>
+          <p:cNvSpPr>
+            <a:spLocks noGrp="1"/>
+          </p:cNvSpPr>
+          <p:nvPr>
+            <p:ph type="sldNum" sz="quarter" idx="12"/>
+          </p:nvPr>
+        </p:nvSpPr>
+        <p:spPr/>
+        <p:txBody>
+          <a:bodyPr/>
+          <a:lstStyle/>
+          <a:p>
+            <a:fld id="{CC3EA844-D84E-46D3-B34D-D5A70E978FE4}" type="slidenum">
+              <a:rPr lang="en-GB" smtClean="0"/>
+              <a:t>15</a:t>
+            </a:fld>
+            <a:endParaRPr lang="en-GB"/>
+          </a:p>
+        </p:txBody>
+      </p:sp>
+      <p:sp>
+        <p:nvSpPr>
+          <p:cNvPr id="5" name="TextBox 4">
+            <a:extLst>
+              <a:ext uri="{FF2B5EF4-FFF2-40B4-BE49-F238E27FC236}">
+                <a16:creationId xmlns:a16="http://schemas.microsoft.com/office/drawing/2014/main" id="{021D2406-CBAA-1EEE-F6DD-82E096893AB4}"/>
+              </a:ext>
+            </a:extLst>
+          </p:cNvPr>
+          <p:cNvSpPr txBox="1"/>
+          <p:nvPr/>
+        </p:nvSpPr>
+        <p:spPr>
+          <a:xfrm>
+            <a:off x="5872294" y="643185"/>
+            <a:ext cx="6090407" cy="769441"/>
+          </a:xfrm>
+          <a:prstGeom prst="rect">
+            <a:avLst/>
+          </a:prstGeom>
+          <a:noFill/>
+          <a:ln>
+            <a:solidFill>
+              <a:schemeClr val="tx1"/>
+            </a:solidFill>
+          </a:ln>
+        </p:spPr>
+        <p:txBody>
+          <a:bodyPr wrap="square" rtlCol="0">
+            <a:spAutoFit/>
+          </a:bodyPr>
+          <a:lstStyle/>
+          <a:p>
+            <a:r>
+              <a:rPr lang="en-GB" sz="2200" dirty="0"/>
+              <a:t>LLMs are “just” interfaces/translators: transforming one sequence (tokenizable input) into another</a:t>
+            </a:r>
+          </a:p>
+        </p:txBody>
+      </p:sp>
+    </p:spTree>
+    <p:extLst>
+      <p:ext uri="{BB962C8B-B14F-4D97-AF65-F5344CB8AC3E}">
+        <p14:creationId xmlns:p14="http://schemas.microsoft.com/office/powerpoint/2010/main" val="2884433770"/>
+      </p:ext>
+    </p:extLst>
+  </p:cSld>
+  <p:clrMapOvr>
+    <a:masterClrMapping/>
+  </p:clrMapOvr>
+</p:sld>
+</file>
+
+<file path=ppt/slides/slide16.xml><?xml version="1.0" encoding="utf-8"?>
+<p:sld xmlns:a="http://schemas.openxmlformats.org/drawingml/2006/main" xmlns:r="http://schemas.openxmlformats.org/officeDocument/2006/relationships" xmlns:p="http://schemas.openxmlformats.org/presentationml/2006/main">
+  <p:cSld>
+    <p:spTree>
+      <p:nvGrpSpPr>
+        <p:cNvPr id="1" name=""/>
+        <p:cNvGrpSpPr/>
+        <p:nvPr/>
+      </p:nvGrpSpPr>
+      <p:grpSpPr>
+        <a:xfrm>
+          <a:off x="0" y="0"/>
+          <a:ext cx="0" cy="0"/>
+          <a:chOff x="0" y="0"/>
+          <a:chExt cx="0" cy="0"/>
+        </a:xfrm>
+      </p:grpSpPr>
+      <p:sp>
+        <p:nvSpPr>
+          <p:cNvPr id="8" name="Title 7">
+            <a:extLst>
+              <a:ext uri="{FF2B5EF4-FFF2-40B4-BE49-F238E27FC236}">
+                <a16:creationId xmlns:a16="http://schemas.microsoft.com/office/drawing/2014/main" id="{9B3A5509-CBB4-50C4-4181-9C7407765D0C}"/>
+              </a:ext>
+            </a:extLst>
+          </p:cNvPr>
+          <p:cNvSpPr>
+            <a:spLocks noGrp="1"/>
+          </p:cNvSpPr>
+          <p:nvPr>
+            <p:ph type="title"/>
+          </p:nvPr>
+        </p:nvSpPr>
+        <p:spPr/>
+        <p:txBody>
+          <a:bodyPr/>
+          <a:lstStyle/>
+          <a:p>
+            <a:r>
+              <a:rPr lang="en-GB" dirty="0"/>
+              <a:t>LLMs in Plain Terms</a:t>
+            </a:r>
+          </a:p>
+        </p:txBody>
+      </p:sp>
+      <p:sp>
+        <p:nvSpPr>
+          <p:cNvPr id="9" name="Content Placeholder 8">
+            <a:extLst>
+              <a:ext uri="{FF2B5EF4-FFF2-40B4-BE49-F238E27FC236}">
+                <a16:creationId xmlns:a16="http://schemas.microsoft.com/office/drawing/2014/main" id="{D8ADDE22-9386-9854-8F5D-E60F885EBFA8}"/>
+              </a:ext>
+            </a:extLst>
+          </p:cNvPr>
+          <p:cNvSpPr>
+            <a:spLocks noGrp="1"/>
+          </p:cNvSpPr>
+          <p:nvPr>
+            <p:ph idx="1"/>
+          </p:nvPr>
+        </p:nvSpPr>
+        <p:spPr/>
+        <p:txBody>
+          <a:bodyPr/>
+          <a:lstStyle/>
+          <a:p>
+            <a:pPr marL="0" indent="0">
+              <a:buNone/>
+            </a:pPr>
+            <a:endParaRPr lang="en-GB" dirty="0"/>
+          </a:p>
+          <a:p>
+            <a:pPr marL="0" indent="0">
+              <a:buNone/>
+            </a:pPr>
+            <a:r>
+              <a:rPr lang="en-GB" dirty="0"/>
+              <a:t>foundation models:</a:t>
+            </a:r>
+          </a:p>
+          <a:p>
+            <a:r>
+              <a:rPr lang="en-GB" dirty="0"/>
+              <a:t>compression of the internet</a:t>
+            </a:r>
+          </a:p>
+          <a:p>
+            <a:r>
+              <a:rPr lang="en-GB" dirty="0"/>
+              <a:t>programming languages of new wave of AI applications (adapted to specific use cases and data)</a:t>
+            </a:r>
+          </a:p>
+          <a:p>
+            <a:pPr marL="0" indent="0">
+              <a:buNone/>
+            </a:pPr>
+            <a:endParaRPr lang="en-GB" dirty="0"/>
+          </a:p>
+          <a:p>
+            <a:pPr marL="0" indent="0">
+              <a:buNone/>
+            </a:pPr>
+            <a:r>
+              <a:rPr lang="en-GB" dirty="0">
+                <a:sym typeface="Wingdings" panose="05000000000000000000" pitchFamily="2" charset="2"/>
+              </a:rPr>
+              <a:t> These applications will </a:t>
+            </a:r>
+            <a:r>
+              <a:rPr lang="en-GB" dirty="0"/>
+              <a:t>make the internet more interactive.</a:t>
+            </a:r>
+          </a:p>
+        </p:txBody>
+      </p:sp>
+      <p:sp>
+        <p:nvSpPr>
+          <p:cNvPr id="7" name="Slide Number Placeholder 6">
+            <a:extLst>
+              <a:ext uri="{FF2B5EF4-FFF2-40B4-BE49-F238E27FC236}">
+                <a16:creationId xmlns:a16="http://schemas.microsoft.com/office/drawing/2014/main" id="{2A6B521C-9488-0C3F-A3A9-3CB24804B747}"/>
+              </a:ext>
+            </a:extLst>
+          </p:cNvPr>
+          <p:cNvSpPr>
+            <a:spLocks noGrp="1"/>
+          </p:cNvSpPr>
+          <p:nvPr>
+            <p:ph type="sldNum" sz="quarter" idx="12"/>
+          </p:nvPr>
+        </p:nvSpPr>
+        <p:spPr/>
+        <p:txBody>
+          <a:bodyPr/>
+          <a:lstStyle/>
+          <a:p>
+            <a:fld id="{849D05A8-43E9-1C49-8606-50AB68220DEC}" type="slidenum">
+              <a:rPr lang="en-DE" smtClean="0"/>
+              <a:t>16</a:t>
+            </a:fld>
+            <a:endParaRPr lang="en-DE"/>
+          </a:p>
+        </p:txBody>
+      </p:sp>
+    </p:spTree>
+    <p:extLst>
+      <p:ext uri="{BB962C8B-B14F-4D97-AF65-F5344CB8AC3E}">
+        <p14:creationId xmlns:p14="http://schemas.microsoft.com/office/powerpoint/2010/main" val="921352002"/>
+      </p:ext>
+    </p:extLst>
+  </p:cSld>
+  <p:clrMapOvr>
+    <a:masterClrMapping/>
+  </p:clrMapOvr>
+</p:sld>
+</file>
+
 <file path=ppt/slides/slide17.xml><?xml version="1.0" encoding="utf-8"?>
 <p:sld xmlns:a="http://schemas.openxmlformats.org/drawingml/2006/main" xmlns:r="http://schemas.openxmlformats.org/officeDocument/2006/relationships" xmlns:p="http://schemas.openxmlformats.org/presentationml/2006/main">
   <p:cSld>
@@ -6620,6 +6709,408 @@
           <p:cNvPr id="2" name="Title 1">
             <a:extLst>
               <a:ext uri="{FF2B5EF4-FFF2-40B4-BE49-F238E27FC236}">
+                <a16:creationId xmlns:a16="http://schemas.microsoft.com/office/drawing/2014/main" id="{0DA915E5-8F30-B05F-1F18-00DBE84090A8}"/>
+              </a:ext>
+            </a:extLst>
+          </p:cNvPr>
+          <p:cNvSpPr>
+            <a:spLocks noGrp="1"/>
+          </p:cNvSpPr>
+          <p:nvPr>
+            <p:ph type="title"/>
+          </p:nvPr>
+        </p:nvSpPr>
+        <p:spPr/>
+        <p:txBody>
+          <a:bodyPr/>
+          <a:lstStyle/>
+          <a:p>
+            <a:r>
+              <a:rPr lang="en-GB" dirty="0"/>
+              <a:t>What You Get Is What You Asked For</a:t>
+            </a:r>
+            <a:endParaRPr lang="en-DE" dirty="0"/>
+          </a:p>
+        </p:txBody>
+      </p:sp>
+      <p:sp>
+        <p:nvSpPr>
+          <p:cNvPr id="3" name="Content Placeholder 2">
+            <a:extLst>
+              <a:ext uri="{FF2B5EF4-FFF2-40B4-BE49-F238E27FC236}">
+                <a16:creationId xmlns:a16="http://schemas.microsoft.com/office/drawing/2014/main" id="{906010A0-898B-9F5C-02B7-2C5146980D2B}"/>
+              </a:ext>
+            </a:extLst>
+          </p:cNvPr>
+          <p:cNvSpPr>
+            <a:spLocks noGrp="1"/>
+          </p:cNvSpPr>
+          <p:nvPr>
+            <p:ph idx="1"/>
+          </p:nvPr>
+        </p:nvSpPr>
+        <p:spPr>
+          <a:xfrm>
+            <a:off x="838200" y="1825625"/>
+            <a:ext cx="8009238" cy="4351338"/>
+          </a:xfrm>
+        </p:spPr>
+        <p:txBody>
+          <a:bodyPr>
+            <a:normAutofit fontScale="85000" lnSpcReduction="20000"/>
+          </a:bodyPr>
+          <a:lstStyle/>
+          <a:p>
+            <a:pPr marL="0" indent="0">
+              <a:buNone/>
+            </a:pPr>
+            <a:r>
+              <a:rPr lang="en-GB" sz="3100" dirty="0"/>
+              <a:t>nice demonstration of capabilities of LLMs and prompting: </a:t>
+            </a:r>
+            <a:r>
+              <a:rPr lang="en-GB" sz="3100" dirty="0">
+                <a:hlinkClick r:id="rId2"/>
+              </a:rPr>
+              <a:t>interview with Google’s LaMDA</a:t>
+            </a:r>
+            <a:endParaRPr lang="en-GB" sz="3100" dirty="0"/>
+          </a:p>
+          <a:p>
+            <a:pPr marL="0" indent="0">
+              <a:buNone/>
+            </a:pPr>
+            <a:endParaRPr lang="en-GB" sz="3100" dirty="0"/>
+          </a:p>
+          <a:p>
+            <a:pPr marL="0" indent="0">
+              <a:buNone/>
+            </a:pPr>
+            <a:r>
+              <a:rPr lang="en-GB" sz="3100" dirty="0">
+                <a:hlinkClick r:id="rId3"/>
+              </a:rPr>
+              <a:t>LaMDA</a:t>
+            </a:r>
+            <a:r>
+              <a:rPr lang="en-GB" sz="3100" dirty="0"/>
+              <a:t> (Language Models for Dialog Applications):</a:t>
+            </a:r>
+          </a:p>
+          <a:p>
+            <a:r>
+              <a:rPr lang="en-GB" sz="3100" dirty="0"/>
+              <a:t>system for generating chat bots (conversational AI)</a:t>
+            </a:r>
+          </a:p>
+          <a:p>
+            <a:r>
+              <a:rPr lang="en-GB" sz="3100" dirty="0"/>
+              <a:t>trained on dialogue data</a:t>
+            </a:r>
+          </a:p>
+          <a:p>
+            <a:r>
+              <a:rPr lang="en-GB" sz="3100" dirty="0"/>
+              <a:t>decoder-only LLM</a:t>
+            </a:r>
+          </a:p>
+          <a:p>
+            <a:pPr marL="0" indent="0">
+              <a:buNone/>
+            </a:pPr>
+            <a:endParaRPr lang="en-GB" sz="3100" dirty="0"/>
+          </a:p>
+          <a:p>
+            <a:pPr marL="0" indent="0">
+              <a:buNone/>
+            </a:pPr>
+            <a:r>
+              <a:rPr lang="en-GB" sz="3100" dirty="0"/>
+              <a:t>n</a:t>
+            </a:r>
+            <a:r>
+              <a:rPr lang="en-DE" sz="3100" dirty="0"/>
+              <a:t>ot sentient, but impressively capable in learning language: leading questions to suggestible statistical language model</a:t>
+            </a:r>
+            <a:endParaRPr lang="en-GB" sz="3100" dirty="0"/>
+          </a:p>
+        </p:txBody>
+      </p:sp>
+      <p:sp>
+        <p:nvSpPr>
+          <p:cNvPr id="4" name="Slide Number Placeholder 3">
+            <a:extLst>
+              <a:ext uri="{FF2B5EF4-FFF2-40B4-BE49-F238E27FC236}">
+                <a16:creationId xmlns:a16="http://schemas.microsoft.com/office/drawing/2014/main" id="{C61EB92B-F99A-6EAB-5CF8-800F0B545638}"/>
+              </a:ext>
+            </a:extLst>
+          </p:cNvPr>
+          <p:cNvSpPr>
+            <a:spLocks noGrp="1"/>
+          </p:cNvSpPr>
+          <p:nvPr>
+            <p:ph type="sldNum" sz="quarter" idx="12"/>
+          </p:nvPr>
+        </p:nvSpPr>
+        <p:spPr/>
+        <p:txBody>
+          <a:bodyPr/>
+          <a:lstStyle/>
+          <a:p>
+            <a:fld id="{849D05A8-43E9-1C49-8606-50AB68220DEC}" type="slidenum">
+              <a:rPr lang="en-DE" smtClean="0"/>
+              <a:t>17</a:t>
+            </a:fld>
+            <a:endParaRPr lang="en-DE"/>
+          </a:p>
+        </p:txBody>
+      </p:sp>
+      <p:pic>
+        <p:nvPicPr>
+          <p:cNvPr id="6" name="Picture 5">
+            <a:extLst>
+              <a:ext uri="{FF2B5EF4-FFF2-40B4-BE49-F238E27FC236}">
+                <a16:creationId xmlns:a16="http://schemas.microsoft.com/office/drawing/2014/main" id="{171FADB3-427B-D1A3-3827-3D62F725D09D}"/>
+              </a:ext>
+            </a:extLst>
+          </p:cNvPr>
+          <p:cNvPicPr>
+            <a:picLocks noChangeAspect="1"/>
+          </p:cNvPicPr>
+          <p:nvPr/>
+        </p:nvPicPr>
+        <p:blipFill>
+          <a:blip r:embed="rId4"/>
+          <a:stretch>
+            <a:fillRect/>
+          </a:stretch>
+        </p:blipFill>
+        <p:spPr>
+          <a:xfrm>
+            <a:off x="9268483" y="389045"/>
+            <a:ext cx="2878387" cy="5953027"/>
+          </a:xfrm>
+          <a:prstGeom prst="rect">
+            <a:avLst/>
+          </a:prstGeom>
+        </p:spPr>
+      </p:pic>
+      <p:sp>
+        <p:nvSpPr>
+          <p:cNvPr id="7" name="TextBox 6">
+            <a:extLst>
+              <a:ext uri="{FF2B5EF4-FFF2-40B4-BE49-F238E27FC236}">
+                <a16:creationId xmlns:a16="http://schemas.microsoft.com/office/drawing/2014/main" id="{2DAF3C40-6AD2-D3DA-580F-182F23BC8D3E}"/>
+              </a:ext>
+            </a:extLst>
+          </p:cNvPr>
+          <p:cNvSpPr txBox="1"/>
+          <p:nvPr/>
+        </p:nvSpPr>
+        <p:spPr>
+          <a:xfrm>
+            <a:off x="11614352" y="6292691"/>
+            <a:ext cx="532518" cy="246221"/>
+          </a:xfrm>
+          <a:prstGeom prst="rect">
+            <a:avLst/>
+          </a:prstGeom>
+          <a:noFill/>
+        </p:spPr>
+        <p:txBody>
+          <a:bodyPr wrap="square" rtlCol="0">
+            <a:spAutoFit/>
+          </a:bodyPr>
+          <a:lstStyle/>
+          <a:p>
+            <a:r>
+              <a:rPr lang="de-DE" sz="1000" dirty="0">
+                <a:hlinkClick r:id="rId2"/>
+              </a:rPr>
+              <a:t>source</a:t>
+            </a:r>
+            <a:endParaRPr lang="de-DE" sz="1000" dirty="0"/>
+          </a:p>
+        </p:txBody>
+      </p:sp>
+    </p:spTree>
+    <p:extLst>
+      <p:ext uri="{BB962C8B-B14F-4D97-AF65-F5344CB8AC3E}">
+        <p14:creationId xmlns:p14="http://schemas.microsoft.com/office/powerpoint/2010/main" val="2357771614"/>
+      </p:ext>
+    </p:extLst>
+  </p:cSld>
+  <p:clrMapOvr>
+    <a:masterClrMapping/>
+  </p:clrMapOvr>
+</p:sld>
+</file>
+
+<file path=ppt/slides/slide18.xml><?xml version="1.0" encoding="utf-8"?>
+<p:sld xmlns:a="http://schemas.openxmlformats.org/drawingml/2006/main" xmlns:r="http://schemas.openxmlformats.org/officeDocument/2006/relationships" xmlns:p="http://schemas.openxmlformats.org/presentationml/2006/main">
+  <p:cSld>
+    <p:spTree>
+      <p:nvGrpSpPr>
+        <p:cNvPr id="1" name=""/>
+        <p:cNvGrpSpPr/>
+        <p:nvPr/>
+      </p:nvGrpSpPr>
+      <p:grpSpPr>
+        <a:xfrm>
+          <a:off x="0" y="0"/>
+          <a:ext cx="0" cy="0"/>
+          <a:chOff x="0" y="0"/>
+          <a:chExt cx="0" cy="0"/>
+        </a:xfrm>
+      </p:grpSpPr>
+      <p:sp>
+        <p:nvSpPr>
+          <p:cNvPr id="2" name="Title 1">
+            <a:extLst>
+              <a:ext uri="{FF2B5EF4-FFF2-40B4-BE49-F238E27FC236}">
+                <a16:creationId xmlns:a16="http://schemas.microsoft.com/office/drawing/2014/main" id="{6BD2127B-53C4-3F52-0483-3AFB5EBED992}"/>
+              </a:ext>
+            </a:extLst>
+          </p:cNvPr>
+          <p:cNvSpPr>
+            <a:spLocks noGrp="1"/>
+          </p:cNvSpPr>
+          <p:nvPr>
+            <p:ph type="title"/>
+          </p:nvPr>
+        </p:nvSpPr>
+        <p:spPr/>
+        <p:txBody>
+          <a:bodyPr/>
+          <a:lstStyle/>
+          <a:p>
+            <a:r>
+              <a:rPr lang="en-GB" dirty="0"/>
+              <a:t>Limitations</a:t>
+            </a:r>
+          </a:p>
+        </p:txBody>
+      </p:sp>
+      <p:sp>
+        <p:nvSpPr>
+          <p:cNvPr id="3" name="Content Placeholder 2">
+            <a:extLst>
+              <a:ext uri="{FF2B5EF4-FFF2-40B4-BE49-F238E27FC236}">
+                <a16:creationId xmlns:a16="http://schemas.microsoft.com/office/drawing/2014/main" id="{A62F923F-79BC-C031-E369-846A413E8A20}"/>
+              </a:ext>
+            </a:extLst>
+          </p:cNvPr>
+          <p:cNvSpPr>
+            <a:spLocks noGrp="1"/>
+          </p:cNvSpPr>
+          <p:nvPr>
+            <p:ph idx="1"/>
+          </p:nvPr>
+        </p:nvSpPr>
+        <p:spPr/>
+        <p:txBody>
+          <a:bodyPr/>
+          <a:lstStyle/>
+          <a:p>
+            <a:pPr marL="0" indent="0">
+              <a:buNone/>
+            </a:pPr>
+            <a:r>
+              <a:rPr lang="en-GB" dirty="0"/>
+              <a:t>current AI good at learning statistical patterns and making predictions</a:t>
+            </a:r>
+          </a:p>
+          <a:p>
+            <a:pPr marL="0" indent="0">
+              <a:buNone/>
+            </a:pPr>
+            <a:endParaRPr lang="en-GB" dirty="0"/>
+          </a:p>
+          <a:p>
+            <a:pPr marL="0" indent="0">
+              <a:buNone/>
+            </a:pPr>
+            <a:r>
+              <a:rPr lang="en-GB" dirty="0"/>
+              <a:t>but no real “understanding”</a:t>
+            </a:r>
+          </a:p>
+          <a:p>
+            <a:pPr marL="0" indent="0">
+              <a:buNone/>
+            </a:pPr>
+            <a:r>
+              <a:rPr lang="en-GB" dirty="0"/>
+              <a:t>and limited reasoning and planning capabilities (agency)</a:t>
+            </a:r>
+          </a:p>
+        </p:txBody>
+      </p:sp>
+      <p:sp>
+        <p:nvSpPr>
+          <p:cNvPr id="4" name="Slide Number Placeholder 3">
+            <a:extLst>
+              <a:ext uri="{FF2B5EF4-FFF2-40B4-BE49-F238E27FC236}">
+                <a16:creationId xmlns:a16="http://schemas.microsoft.com/office/drawing/2014/main" id="{079EE254-08CF-85F9-193B-E90D024E5131}"/>
+              </a:ext>
+            </a:extLst>
+          </p:cNvPr>
+          <p:cNvSpPr>
+            <a:spLocks noGrp="1"/>
+          </p:cNvSpPr>
+          <p:nvPr>
+            <p:ph type="sldNum" sz="quarter" idx="12"/>
+          </p:nvPr>
+        </p:nvSpPr>
+        <p:spPr/>
+        <p:txBody>
+          <a:bodyPr/>
+          <a:lstStyle/>
+          <a:p>
+            <a:fld id="{849D05A8-43E9-1C49-8606-50AB68220DEC}" type="slidenum">
+              <a:rPr lang="en-DE" smtClean="0"/>
+              <a:t>18</a:t>
+            </a:fld>
+            <a:endParaRPr lang="en-DE"/>
+          </a:p>
+        </p:txBody>
+      </p:sp>
+    </p:spTree>
+    <p:extLst>
+      <p:ext uri="{BB962C8B-B14F-4D97-AF65-F5344CB8AC3E}">
+        <p14:creationId xmlns:p14="http://schemas.microsoft.com/office/powerpoint/2010/main" val="3833784487"/>
+      </p:ext>
+    </p:extLst>
+  </p:cSld>
+  <p:clrMapOvr>
+    <a:masterClrMapping/>
+  </p:clrMapOvr>
+</p:sld>
+</file>
+
+<file path=ppt/slides/slide19.xml><?xml version="1.0" encoding="utf-8"?>
+<p:sld xmlns:a="http://schemas.openxmlformats.org/drawingml/2006/main" xmlns:r="http://schemas.openxmlformats.org/officeDocument/2006/relationships" xmlns:p="http://schemas.openxmlformats.org/presentationml/2006/main">
+  <p:cSld>
+    <p:spTree>
+      <p:nvGrpSpPr>
+        <p:cNvPr id="1" name=""/>
+        <p:cNvGrpSpPr/>
+        <p:nvPr/>
+      </p:nvGrpSpPr>
+      <p:grpSpPr>
+        <a:xfrm>
+          <a:off x="0" y="0"/>
+          <a:ext cx="0" cy="0"/>
+          <a:chOff x="0" y="0"/>
+          <a:chExt cx="0" cy="0"/>
+        </a:xfrm>
+      </p:grpSpPr>
+      <p:sp>
+        <p:nvSpPr>
+          <p:cNvPr id="2" name="Title 1">
+            <a:extLst>
+              <a:ext uri="{FF2B5EF4-FFF2-40B4-BE49-F238E27FC236}">
                 <a16:creationId xmlns:a16="http://schemas.microsoft.com/office/drawing/2014/main" id="{E489E988-5EB3-BD0F-E8D5-B9C538113404}"/>
               </a:ext>
             </a:extLst>
@@ -6671,7 +7162,7 @@
           <a:p>
             <a:fld id="{849D05A8-43E9-1C49-8606-50AB68220DEC}" type="slidenum">
               <a:rPr lang="en-DE" smtClean="0"/>
-              <a:t>17</a:t>
+              <a:t>19</a:t>
             </a:fld>
             <a:endParaRPr lang="en-DE"/>
           </a:p>
@@ -7190,487 +7681,6 @@
 </p:sld>
 </file>
 
-<file path=ppt/slides/slide18.xml><?xml version="1.0" encoding="utf-8"?>
-<p:sld xmlns:a="http://schemas.openxmlformats.org/drawingml/2006/main" xmlns:r="http://schemas.openxmlformats.org/officeDocument/2006/relationships" xmlns:p="http://schemas.openxmlformats.org/presentationml/2006/main">
-  <p:cSld>
-    <p:spTree>
-      <p:nvGrpSpPr>
-        <p:cNvPr id="1" name=""/>
-        <p:cNvGrpSpPr/>
-        <p:nvPr/>
-      </p:nvGrpSpPr>
-      <p:grpSpPr>
-        <a:xfrm>
-          <a:off x="0" y="0"/>
-          <a:ext cx="0" cy="0"/>
-          <a:chOff x="0" y="0"/>
-          <a:chExt cx="0" cy="0"/>
-        </a:xfrm>
-      </p:grpSpPr>
-      <p:sp>
-        <p:nvSpPr>
-          <p:cNvPr id="2" name="Title 1">
-            <a:extLst>
-              <a:ext uri="{FF2B5EF4-FFF2-40B4-BE49-F238E27FC236}">
-                <a16:creationId xmlns:a16="http://schemas.microsoft.com/office/drawing/2014/main" id="{D664F8D7-A0DD-DD68-7A2E-43748C3FFA65}"/>
-              </a:ext>
-            </a:extLst>
-          </p:cNvPr>
-          <p:cNvSpPr>
-            <a:spLocks noGrp="1"/>
-          </p:cNvSpPr>
-          <p:nvPr>
-            <p:ph type="title"/>
-          </p:nvPr>
-        </p:nvSpPr>
-        <p:spPr/>
-        <p:txBody>
-          <a:bodyPr>
-            <a:normAutofit/>
-          </a:bodyPr>
-          <a:lstStyle/>
-          <a:p>
-            <a:r>
-              <a:rPr lang="en-GB" sz="4000" dirty="0"/>
-              <a:t>Image Understanding and Multi-Purpose Models</a:t>
-            </a:r>
-          </a:p>
-        </p:txBody>
-      </p:sp>
-      <p:sp>
-        <p:nvSpPr>
-          <p:cNvPr id="3" name="Content Placeholder 2">
-            <a:extLst>
-              <a:ext uri="{FF2B5EF4-FFF2-40B4-BE49-F238E27FC236}">
-                <a16:creationId xmlns:a16="http://schemas.microsoft.com/office/drawing/2014/main" id="{D7CC250E-D183-B252-2347-54D186823A78}"/>
-              </a:ext>
-            </a:extLst>
-          </p:cNvPr>
-          <p:cNvSpPr>
-            <a:spLocks noGrp="1"/>
-          </p:cNvSpPr>
-          <p:nvPr>
-            <p:ph idx="1"/>
-          </p:nvPr>
-        </p:nvSpPr>
-        <p:spPr>
-          <a:xfrm>
-            <a:off x="8105775" y="1690688"/>
-            <a:ext cx="4000500" cy="4665662"/>
-          </a:xfrm>
-        </p:spPr>
-        <p:txBody>
-          <a:bodyPr>
-            <a:normAutofit lnSpcReduction="10000"/>
-          </a:bodyPr>
-          <a:lstStyle/>
-          <a:p>
-            <a:pPr marL="0" indent="0">
-              <a:buNone/>
-            </a:pPr>
-            <a:r>
-              <a:rPr lang="en-GB" sz="2800" dirty="0"/>
-              <a:t>multi-purpose (m</a:t>
-            </a:r>
-            <a:r>
-              <a:rPr lang="en-DE" sz="2800" dirty="0"/>
-              <a:t>ulti-modal and multi-task) models as next generalization step of ML (e.g., Google’s </a:t>
-            </a:r>
-            <a:r>
-              <a:rPr lang="en-DE" sz="2800" dirty="0">
-                <a:hlinkClick r:id="rId2"/>
-              </a:rPr>
-              <a:t>Pathways</a:t>
-            </a:r>
-            <a:r>
-              <a:rPr lang="en-DE" sz="2800" dirty="0"/>
-              <a:t>)</a:t>
-            </a:r>
-          </a:p>
-          <a:p>
-            <a:pPr marL="0" indent="0">
-              <a:buNone/>
-            </a:pPr>
-            <a:endParaRPr lang="en-GB" sz="2800" dirty="0"/>
-          </a:p>
-          <a:p>
-            <a:pPr marL="0" indent="0">
-              <a:buNone/>
-            </a:pPr>
-            <a:r>
-              <a:rPr lang="en-GB" sz="2800" dirty="0"/>
-              <a:t>t</a:t>
-            </a:r>
-            <a:r>
-              <a:rPr lang="en-DE" sz="2800" dirty="0"/>
-              <a:t>ransformers good candidate</a:t>
-            </a:r>
-            <a:r>
-              <a:rPr lang="en-GB" sz="2800" dirty="0"/>
-              <a:t>: </a:t>
-            </a:r>
-            <a:r>
-              <a:rPr lang="en-DE" sz="2800" dirty="0"/>
-              <a:t>universal and flexible architecture, little task-specific inductive bias</a:t>
-            </a:r>
-            <a:r>
-              <a:rPr lang="en-GB" sz="2800" dirty="0"/>
-              <a:t> (but therefore needing lots of data</a:t>
-            </a:r>
-            <a:r>
-              <a:rPr lang="en-DE" sz="2800" dirty="0"/>
-              <a:t>)</a:t>
-            </a:r>
-          </a:p>
-        </p:txBody>
-      </p:sp>
-      <p:sp>
-        <p:nvSpPr>
-          <p:cNvPr id="4" name="Slide Number Placeholder 3">
-            <a:extLst>
-              <a:ext uri="{FF2B5EF4-FFF2-40B4-BE49-F238E27FC236}">
-                <a16:creationId xmlns:a16="http://schemas.microsoft.com/office/drawing/2014/main" id="{DC20DA84-7932-EC17-421F-F2807DB193F2}"/>
-              </a:ext>
-            </a:extLst>
-          </p:cNvPr>
-          <p:cNvSpPr>
-            <a:spLocks noGrp="1"/>
-          </p:cNvSpPr>
-          <p:nvPr>
-            <p:ph type="sldNum" sz="quarter" idx="12"/>
-          </p:nvPr>
-        </p:nvSpPr>
-        <p:spPr/>
-        <p:txBody>
-          <a:bodyPr/>
-          <a:lstStyle/>
-          <a:p>
-            <a:fld id="{849D05A8-43E9-1C49-8606-50AB68220DEC}" type="slidenum">
-              <a:rPr lang="en-DE" smtClean="0"/>
-              <a:t>18</a:t>
-            </a:fld>
-            <a:endParaRPr lang="en-DE"/>
-          </a:p>
-        </p:txBody>
-      </p:sp>
-      <p:pic>
-        <p:nvPicPr>
-          <p:cNvPr id="7" name="Picture 6">
-            <a:extLst>
-              <a:ext uri="{FF2B5EF4-FFF2-40B4-BE49-F238E27FC236}">
-                <a16:creationId xmlns:a16="http://schemas.microsoft.com/office/drawing/2014/main" id="{2F61808C-3B84-3F3C-8CB2-B91504F8C498}"/>
-              </a:ext>
-            </a:extLst>
-          </p:cNvPr>
-          <p:cNvPicPr>
-            <a:picLocks noChangeAspect="1"/>
-          </p:cNvPicPr>
-          <p:nvPr/>
-        </p:nvPicPr>
-        <p:blipFill>
-          <a:blip r:embed="rId3"/>
-          <a:stretch>
-            <a:fillRect/>
-          </a:stretch>
-        </p:blipFill>
-        <p:spPr>
-          <a:xfrm>
-            <a:off x="104775" y="1415714"/>
-            <a:ext cx="4238625" cy="5286827"/>
-          </a:xfrm>
-          <a:prstGeom prst="rect">
-            <a:avLst/>
-          </a:prstGeom>
-        </p:spPr>
-      </p:pic>
-      <p:pic>
-        <p:nvPicPr>
-          <p:cNvPr id="9" name="Picture 8">
-            <a:extLst>
-              <a:ext uri="{FF2B5EF4-FFF2-40B4-BE49-F238E27FC236}">
-                <a16:creationId xmlns:a16="http://schemas.microsoft.com/office/drawing/2014/main" id="{573CF915-77FE-A286-95FE-DAAB07F17A7D}"/>
-              </a:ext>
-            </a:extLst>
-          </p:cNvPr>
-          <p:cNvPicPr>
-            <a:picLocks noChangeAspect="1"/>
-          </p:cNvPicPr>
-          <p:nvPr/>
-        </p:nvPicPr>
-        <p:blipFill>
-          <a:blip r:embed="rId4"/>
-          <a:stretch>
-            <a:fillRect/>
-          </a:stretch>
-        </p:blipFill>
-        <p:spPr>
-          <a:xfrm>
-            <a:off x="4506509" y="1415714"/>
-            <a:ext cx="3075391" cy="5307344"/>
-          </a:xfrm>
-          <a:prstGeom prst="rect">
-            <a:avLst/>
-          </a:prstGeom>
-        </p:spPr>
-      </p:pic>
-      <p:sp>
-        <p:nvSpPr>
-          <p:cNvPr id="10" name="TextBox 9">
-            <a:extLst>
-              <a:ext uri="{FF2B5EF4-FFF2-40B4-BE49-F238E27FC236}">
-                <a16:creationId xmlns:a16="http://schemas.microsoft.com/office/drawing/2014/main" id="{969E9464-57FA-5E6F-2745-0D3C27152BA2}"/>
-              </a:ext>
-            </a:extLst>
-          </p:cNvPr>
-          <p:cNvSpPr txBox="1"/>
-          <p:nvPr/>
-        </p:nvSpPr>
-        <p:spPr>
-          <a:xfrm>
-            <a:off x="3487775" y="6435725"/>
-            <a:ext cx="532518" cy="246221"/>
-          </a:xfrm>
-          <a:prstGeom prst="rect">
-            <a:avLst/>
-          </a:prstGeom>
-          <a:noFill/>
-        </p:spPr>
-        <p:txBody>
-          <a:bodyPr wrap="square" rtlCol="0">
-            <a:spAutoFit/>
-          </a:bodyPr>
-          <a:lstStyle/>
-          <a:p>
-            <a:r>
-              <a:rPr lang="de-DE" sz="1000" dirty="0">
-                <a:hlinkClick r:id="rId5"/>
-              </a:rPr>
-              <a:t>source</a:t>
-            </a:r>
-            <a:endParaRPr lang="de-DE" sz="1000" dirty="0"/>
-          </a:p>
-        </p:txBody>
-      </p:sp>
-      <p:sp>
-        <p:nvSpPr>
-          <p:cNvPr id="5" name="TextBox 4">
-            <a:extLst>
-              <a:ext uri="{FF2B5EF4-FFF2-40B4-BE49-F238E27FC236}">
-                <a16:creationId xmlns:a16="http://schemas.microsoft.com/office/drawing/2014/main" id="{5D023976-A38B-8DEE-4D68-24D26A9F03A2}"/>
-              </a:ext>
-            </a:extLst>
-          </p:cNvPr>
-          <p:cNvSpPr txBox="1"/>
-          <p:nvPr/>
-        </p:nvSpPr>
-        <p:spPr>
-          <a:xfrm>
-            <a:off x="10797910" y="180459"/>
-            <a:ext cx="1111779" cy="369332"/>
-          </a:xfrm>
-          <a:prstGeom prst="rect">
-            <a:avLst/>
-          </a:prstGeom>
-          <a:noFill/>
-        </p:spPr>
-        <p:txBody>
-          <a:bodyPr wrap="none" rtlCol="0">
-            <a:spAutoFit/>
-          </a:bodyPr>
-          <a:lstStyle/>
-          <a:p>
-            <a:r>
-              <a:rPr lang="en-GB" dirty="0">
-                <a:hlinkClick r:id="rId6"/>
-              </a:rPr>
-              <a:t>VLM intro</a:t>
-            </a:r>
-            <a:endParaRPr lang="en-GB" dirty="0"/>
-          </a:p>
-        </p:txBody>
-      </p:sp>
-    </p:spTree>
-    <p:extLst>
-      <p:ext uri="{BB962C8B-B14F-4D97-AF65-F5344CB8AC3E}">
-        <p14:creationId xmlns:p14="http://schemas.microsoft.com/office/powerpoint/2010/main" val="454211426"/>
-      </p:ext>
-    </p:extLst>
-  </p:cSld>
-  <p:clrMapOvr>
-    <a:masterClrMapping/>
-  </p:clrMapOvr>
-</p:sld>
-</file>
-
-<file path=ppt/slides/slide19.xml><?xml version="1.0" encoding="utf-8"?>
-<p:sld xmlns:a="http://schemas.openxmlformats.org/drawingml/2006/main" xmlns:r="http://schemas.openxmlformats.org/officeDocument/2006/relationships" xmlns:p="http://schemas.openxmlformats.org/presentationml/2006/main">
-  <p:cSld>
-    <p:spTree>
-      <p:nvGrpSpPr>
-        <p:cNvPr id="1" name=""/>
-        <p:cNvGrpSpPr/>
-        <p:nvPr/>
-      </p:nvGrpSpPr>
-      <p:grpSpPr>
-        <a:xfrm>
-          <a:off x="0" y="0"/>
-          <a:ext cx="0" cy="0"/>
-          <a:chOff x="0" y="0"/>
-          <a:chExt cx="0" cy="0"/>
-        </a:xfrm>
-      </p:grpSpPr>
-      <p:pic>
-        <p:nvPicPr>
-          <p:cNvPr id="7" name="Picture 6">
-            <a:extLst>
-              <a:ext uri="{FF2B5EF4-FFF2-40B4-BE49-F238E27FC236}">
-                <a16:creationId xmlns:a16="http://schemas.microsoft.com/office/drawing/2014/main" id="{F698521C-AC3C-D0E7-CF73-7BED228DCAC2}"/>
-              </a:ext>
-            </a:extLst>
-          </p:cNvPr>
-          <p:cNvPicPr>
-            <a:picLocks noChangeAspect="1"/>
-          </p:cNvPicPr>
-          <p:nvPr/>
-        </p:nvPicPr>
-        <p:blipFill>
-          <a:blip r:embed="rId2"/>
-          <a:stretch>
-            <a:fillRect/>
-          </a:stretch>
-        </p:blipFill>
-        <p:spPr>
-          <a:xfrm>
-            <a:off x="2017123" y="59181"/>
-            <a:ext cx="8939202" cy="6324543"/>
-          </a:xfrm>
-          <a:prstGeom prst="rect">
-            <a:avLst/>
-          </a:prstGeom>
-        </p:spPr>
-      </p:pic>
-      <p:sp>
-        <p:nvSpPr>
-          <p:cNvPr id="4" name="Slide Number Placeholder 3">
-            <a:extLst>
-              <a:ext uri="{FF2B5EF4-FFF2-40B4-BE49-F238E27FC236}">
-                <a16:creationId xmlns:a16="http://schemas.microsoft.com/office/drawing/2014/main" id="{19F019C2-FDAB-D9C9-9855-BB5E343ACFCD}"/>
-              </a:ext>
-            </a:extLst>
-          </p:cNvPr>
-          <p:cNvSpPr>
-            <a:spLocks noGrp="1"/>
-          </p:cNvSpPr>
-          <p:nvPr>
-            <p:ph type="sldNum" sz="quarter" idx="12"/>
-          </p:nvPr>
-        </p:nvSpPr>
-        <p:spPr/>
-        <p:txBody>
-          <a:bodyPr/>
-          <a:lstStyle/>
-          <a:p>
-            <a:fld id="{849D05A8-43E9-1C49-8606-50AB68220DEC}" type="slidenum">
-              <a:rPr lang="en-DE" smtClean="0"/>
-              <a:t>19</a:t>
-            </a:fld>
-            <a:endParaRPr lang="en-DE"/>
-          </a:p>
-        </p:txBody>
-      </p:sp>
-      <p:sp>
-        <p:nvSpPr>
-          <p:cNvPr id="11" name="TextBox 10">
-            <a:extLst>
-              <a:ext uri="{FF2B5EF4-FFF2-40B4-BE49-F238E27FC236}">
-                <a16:creationId xmlns:a16="http://schemas.microsoft.com/office/drawing/2014/main" id="{270CDBC3-B539-55CB-B014-F40DA823CDD0}"/>
-              </a:ext>
-            </a:extLst>
-          </p:cNvPr>
-          <p:cNvSpPr txBox="1"/>
-          <p:nvPr/>
-        </p:nvSpPr>
-        <p:spPr>
-          <a:xfrm>
-            <a:off x="271708" y="1762897"/>
-            <a:ext cx="1745415" cy="1015663"/>
-          </a:xfrm>
-          <a:prstGeom prst="rect">
-            <a:avLst/>
-          </a:prstGeom>
-          <a:noFill/>
-        </p:spPr>
-        <p:txBody>
-          <a:bodyPr wrap="square" rtlCol="0">
-            <a:spAutoFit/>
-          </a:bodyPr>
-          <a:lstStyle/>
-          <a:p>
-            <a:r>
-              <a:rPr lang="en-GB" sz="3000" dirty="0"/>
-              <a:t>Google’s </a:t>
-            </a:r>
-            <a:r>
-              <a:rPr lang="en-GB" sz="3000" dirty="0">
-                <a:hlinkClick r:id="rId3"/>
-              </a:rPr>
-              <a:t>Gemini</a:t>
-            </a:r>
-            <a:r>
-              <a:rPr lang="en-GB" sz="3000" dirty="0"/>
-              <a:t>:</a:t>
-            </a:r>
-          </a:p>
-        </p:txBody>
-      </p:sp>
-      <p:sp>
-        <p:nvSpPr>
-          <p:cNvPr id="2" name="TextBox 1">
-            <a:extLst>
-              <a:ext uri="{FF2B5EF4-FFF2-40B4-BE49-F238E27FC236}">
-                <a16:creationId xmlns:a16="http://schemas.microsoft.com/office/drawing/2014/main" id="{47DDED41-70D5-80B2-9BFF-9A06034857FF}"/>
-              </a:ext>
-            </a:extLst>
-          </p:cNvPr>
-          <p:cNvSpPr txBox="1"/>
-          <p:nvPr/>
-        </p:nvSpPr>
-        <p:spPr>
-          <a:xfrm>
-            <a:off x="279301" y="6352143"/>
-            <a:ext cx="6069418" cy="369332"/>
-          </a:xfrm>
-          <a:prstGeom prst="rect">
-            <a:avLst/>
-          </a:prstGeom>
-          <a:noFill/>
-        </p:spPr>
-        <p:txBody>
-          <a:bodyPr wrap="none" rtlCol="0">
-            <a:spAutoFit/>
-          </a:bodyPr>
-          <a:lstStyle/>
-          <a:p>
-            <a:r>
-              <a:rPr lang="en-GB" dirty="0"/>
-              <a:t>multimodal understanding of inputs: text, audio, images, video</a:t>
-            </a:r>
-          </a:p>
-        </p:txBody>
-      </p:sp>
-    </p:spTree>
-    <p:extLst>
-      <p:ext uri="{BB962C8B-B14F-4D97-AF65-F5344CB8AC3E}">
-        <p14:creationId xmlns:p14="http://schemas.microsoft.com/office/powerpoint/2010/main" val="1453300615"/>
-      </p:ext>
-    </p:extLst>
-  </p:cSld>
-  <p:clrMapOvr>
-    <a:masterClrMapping/>
-  </p:clrMapOvr>
-</p:sld>
-</file>
-
 <file path=ppt/slides/slide2.xml><?xml version="1.0" encoding="utf-8"?>
 <p:sld xmlns:a="http://schemas.openxmlformats.org/drawingml/2006/main" xmlns:r="http://schemas.openxmlformats.org/officeDocument/2006/relationships" xmlns:p="http://schemas.openxmlformats.org/presentationml/2006/main">
   <p:cSld>
@@ -7690,10 +7700,90 @@
       </p:grpSpPr>
       <p:sp>
         <p:nvSpPr>
-          <p:cNvPr id="4" name="Slide Number Placeholder 3">
-            <a:extLst>
-              <a:ext uri="{FF2B5EF4-FFF2-40B4-BE49-F238E27FC236}">
-                <a16:creationId xmlns:a16="http://schemas.microsoft.com/office/drawing/2014/main" id="{352E76F0-7C55-B3F1-5699-637A993D90D4}"/>
+          <p:cNvPr id="6" name="Title 5">
+            <a:extLst>
+              <a:ext uri="{FF2B5EF4-FFF2-40B4-BE49-F238E27FC236}">
+                <a16:creationId xmlns:a16="http://schemas.microsoft.com/office/drawing/2014/main" id="{A6D4E78A-896B-C79A-E2FE-5D9193754C31}"/>
+              </a:ext>
+            </a:extLst>
+          </p:cNvPr>
+          <p:cNvSpPr>
+            <a:spLocks noGrp="1"/>
+          </p:cNvSpPr>
+          <p:nvPr>
+            <p:ph type="title"/>
+          </p:nvPr>
+        </p:nvSpPr>
+        <p:spPr/>
+        <p:txBody>
+          <a:bodyPr/>
+          <a:lstStyle/>
+          <a:p>
+            <a:r>
+              <a:rPr lang="en-GB" dirty="0"/>
+              <a:t>Modern Language Models in a Nutshell</a:t>
+            </a:r>
+          </a:p>
+        </p:txBody>
+      </p:sp>
+      <p:sp>
+        <p:nvSpPr>
+          <p:cNvPr id="7" name="Content Placeholder 6">
+            <a:extLst>
+              <a:ext uri="{FF2B5EF4-FFF2-40B4-BE49-F238E27FC236}">
+                <a16:creationId xmlns:a16="http://schemas.microsoft.com/office/drawing/2014/main" id="{E908D6CC-B86F-1636-6F85-AB0B7A2A316F}"/>
+              </a:ext>
+            </a:extLst>
+          </p:cNvPr>
+          <p:cNvSpPr>
+            <a:spLocks noGrp="1"/>
+          </p:cNvSpPr>
+          <p:nvPr>
+            <p:ph idx="1"/>
+          </p:nvPr>
+        </p:nvSpPr>
+        <p:spPr/>
+        <p:txBody>
+          <a:bodyPr/>
+          <a:lstStyle/>
+          <a:p>
+            <a:r>
+              <a:rPr lang="en-GB" dirty="0"/>
+              <a:t>self-supervised learning: e.g., next-word prediction</a:t>
+            </a:r>
+          </a:p>
+          <a:p>
+            <a:r>
+              <a:rPr lang="en-GB" dirty="0"/>
+              <a:t>tokenization: split text into chunks (e.g., words)</a:t>
+            </a:r>
+          </a:p>
+          <a:p>
+            <a:r>
+              <a:rPr lang="en-GB" dirty="0"/>
+              <a:t>semantics by means of vector embeddings: e.g., via bag-of-words (or end-to-end in transformer)</a:t>
+            </a:r>
+          </a:p>
+          <a:p>
+            <a:r>
+              <a:rPr lang="en-GB" dirty="0"/>
+              <a:t>positional encoding &amp; embeddings: order of sequence</a:t>
+            </a:r>
+          </a:p>
+          <a:p>
+            <a:r>
+              <a:rPr lang="en-GB" dirty="0"/>
+              <a:t>contextual embeddings: (self-)attention (weighted averages: influence from other tokens)</a:t>
+            </a:r>
+          </a:p>
+        </p:txBody>
+      </p:sp>
+      <p:sp>
+        <p:nvSpPr>
+          <p:cNvPr id="5" name="Slide Number Placeholder 4">
+            <a:extLst>
+              <a:ext uri="{FF2B5EF4-FFF2-40B4-BE49-F238E27FC236}">
+                <a16:creationId xmlns:a16="http://schemas.microsoft.com/office/drawing/2014/main" id="{4E568FCF-2CF1-B3CF-F33E-FD3F880A8519}"/>
               </a:ext>
             </a:extLst>
           </p:cNvPr>
@@ -7719,10 +7809,10 @@
       </p:sp>
       <p:pic>
         <p:nvPicPr>
-          <p:cNvPr id="6" name="Picture 5">
-            <a:extLst>
-              <a:ext uri="{FF2B5EF4-FFF2-40B4-BE49-F238E27FC236}">
-                <a16:creationId xmlns:a16="http://schemas.microsoft.com/office/drawing/2014/main" id="{04710C09-6F15-99CA-8C5A-7A02262CD1B9}"/>
+          <p:cNvPr id="9" name="Picture 8">
+            <a:extLst>
+              <a:ext uri="{FF2B5EF4-FFF2-40B4-BE49-F238E27FC236}">
+                <a16:creationId xmlns:a16="http://schemas.microsoft.com/office/drawing/2014/main" id="{9CF13535-25F6-2D2D-CF2E-13506BC8DAB4}"/>
               </a:ext>
             </a:extLst>
           </p:cNvPr>
@@ -7739,8 +7829,8 @@
         </p:blipFill>
         <p:spPr>
           <a:xfrm>
-            <a:off x="3145164" y="0"/>
-            <a:ext cx="5901671" cy="6858000"/>
+            <a:off x="4365780" y="4898321"/>
+            <a:ext cx="6149820" cy="1594554"/>
           </a:xfrm>
           <a:prstGeom prst="rect">
             <a:avLst/>
@@ -7749,10 +7839,10 @@
       </p:pic>
       <p:sp>
         <p:nvSpPr>
-          <p:cNvPr id="7" name="TextBox 6">
-            <a:extLst>
-              <a:ext uri="{FF2B5EF4-FFF2-40B4-BE49-F238E27FC236}">
-                <a16:creationId xmlns:a16="http://schemas.microsoft.com/office/drawing/2014/main" id="{75200411-FF70-25C1-C2F2-206D286BE771}"/>
+          <p:cNvPr id="10" name="TextBox 9">
+            <a:extLst>
+              <a:ext uri="{FF2B5EF4-FFF2-40B4-BE49-F238E27FC236}">
+                <a16:creationId xmlns:a16="http://schemas.microsoft.com/office/drawing/2014/main" id="{19055624-1DDD-A961-E47A-09FB20A316B6}"/>
               </a:ext>
             </a:extLst>
           </p:cNvPr>
@@ -7761,7 +7851,7 @@
         </p:nvSpPr>
         <p:spPr>
           <a:xfrm>
-            <a:off x="8419363" y="6538912"/>
+            <a:off x="8766496" y="6369764"/>
             <a:ext cx="532518" cy="246221"/>
           </a:xfrm>
           <a:prstGeom prst="rect">
@@ -7788,7 +7878,7 @@
     </p:spTree>
     <p:extLst>
       <p:ext uri="{BB962C8B-B14F-4D97-AF65-F5344CB8AC3E}">
-        <p14:creationId xmlns:p14="http://schemas.microsoft.com/office/powerpoint/2010/main" val="1878644999"/>
+        <p14:creationId xmlns:p14="http://schemas.microsoft.com/office/powerpoint/2010/main" val="1658142472"/>
       </p:ext>
     </p:extLst>
   </p:cSld>
@@ -7820,6 +7910,487 @@
           <p:cNvPr id="2" name="Title 1">
             <a:extLst>
               <a:ext uri="{FF2B5EF4-FFF2-40B4-BE49-F238E27FC236}">
+                <a16:creationId xmlns:a16="http://schemas.microsoft.com/office/drawing/2014/main" id="{D664F8D7-A0DD-DD68-7A2E-43748C3FFA65}"/>
+              </a:ext>
+            </a:extLst>
+          </p:cNvPr>
+          <p:cNvSpPr>
+            <a:spLocks noGrp="1"/>
+          </p:cNvSpPr>
+          <p:nvPr>
+            <p:ph type="title"/>
+          </p:nvPr>
+        </p:nvSpPr>
+        <p:spPr/>
+        <p:txBody>
+          <a:bodyPr>
+            <a:normAutofit/>
+          </a:bodyPr>
+          <a:lstStyle/>
+          <a:p>
+            <a:r>
+              <a:rPr lang="en-GB" sz="4000" dirty="0"/>
+              <a:t>Image Understanding and Multi-Purpose Models</a:t>
+            </a:r>
+          </a:p>
+        </p:txBody>
+      </p:sp>
+      <p:sp>
+        <p:nvSpPr>
+          <p:cNvPr id="3" name="Content Placeholder 2">
+            <a:extLst>
+              <a:ext uri="{FF2B5EF4-FFF2-40B4-BE49-F238E27FC236}">
+                <a16:creationId xmlns:a16="http://schemas.microsoft.com/office/drawing/2014/main" id="{D7CC250E-D183-B252-2347-54D186823A78}"/>
+              </a:ext>
+            </a:extLst>
+          </p:cNvPr>
+          <p:cNvSpPr>
+            <a:spLocks noGrp="1"/>
+          </p:cNvSpPr>
+          <p:nvPr>
+            <p:ph idx="1"/>
+          </p:nvPr>
+        </p:nvSpPr>
+        <p:spPr>
+          <a:xfrm>
+            <a:off x="8105775" y="1690688"/>
+            <a:ext cx="4000500" cy="4665662"/>
+          </a:xfrm>
+        </p:spPr>
+        <p:txBody>
+          <a:bodyPr>
+            <a:normAutofit lnSpcReduction="10000"/>
+          </a:bodyPr>
+          <a:lstStyle/>
+          <a:p>
+            <a:pPr marL="0" indent="0">
+              <a:buNone/>
+            </a:pPr>
+            <a:r>
+              <a:rPr lang="en-GB" sz="2800" dirty="0"/>
+              <a:t>multi-purpose (m</a:t>
+            </a:r>
+            <a:r>
+              <a:rPr lang="en-DE" sz="2800" dirty="0"/>
+              <a:t>ulti-modal and multi-task) models as next generalization step of ML (e.g., Google’s </a:t>
+            </a:r>
+            <a:r>
+              <a:rPr lang="en-DE" sz="2800" dirty="0">
+                <a:hlinkClick r:id="rId2"/>
+              </a:rPr>
+              <a:t>Pathways</a:t>
+            </a:r>
+            <a:r>
+              <a:rPr lang="en-DE" sz="2800" dirty="0"/>
+              <a:t>)</a:t>
+            </a:r>
+          </a:p>
+          <a:p>
+            <a:pPr marL="0" indent="0">
+              <a:buNone/>
+            </a:pPr>
+            <a:endParaRPr lang="en-GB" sz="2800" dirty="0"/>
+          </a:p>
+          <a:p>
+            <a:pPr marL="0" indent="0">
+              <a:buNone/>
+            </a:pPr>
+            <a:r>
+              <a:rPr lang="en-GB" sz="2800" dirty="0"/>
+              <a:t>t</a:t>
+            </a:r>
+            <a:r>
+              <a:rPr lang="en-DE" sz="2800" dirty="0"/>
+              <a:t>ransformers good candidate</a:t>
+            </a:r>
+            <a:r>
+              <a:rPr lang="en-GB" sz="2800" dirty="0"/>
+              <a:t>: </a:t>
+            </a:r>
+            <a:r>
+              <a:rPr lang="en-DE" sz="2800" dirty="0"/>
+              <a:t>universal and flexible architecture, little task-specific inductive bias</a:t>
+            </a:r>
+            <a:r>
+              <a:rPr lang="en-GB" sz="2800" dirty="0"/>
+              <a:t> (but therefore needing lots of data</a:t>
+            </a:r>
+            <a:r>
+              <a:rPr lang="en-DE" sz="2800" dirty="0"/>
+              <a:t>)</a:t>
+            </a:r>
+          </a:p>
+        </p:txBody>
+      </p:sp>
+      <p:sp>
+        <p:nvSpPr>
+          <p:cNvPr id="4" name="Slide Number Placeholder 3">
+            <a:extLst>
+              <a:ext uri="{FF2B5EF4-FFF2-40B4-BE49-F238E27FC236}">
+                <a16:creationId xmlns:a16="http://schemas.microsoft.com/office/drawing/2014/main" id="{DC20DA84-7932-EC17-421F-F2807DB193F2}"/>
+              </a:ext>
+            </a:extLst>
+          </p:cNvPr>
+          <p:cNvSpPr>
+            <a:spLocks noGrp="1"/>
+          </p:cNvSpPr>
+          <p:nvPr>
+            <p:ph type="sldNum" sz="quarter" idx="12"/>
+          </p:nvPr>
+        </p:nvSpPr>
+        <p:spPr/>
+        <p:txBody>
+          <a:bodyPr/>
+          <a:lstStyle/>
+          <a:p>
+            <a:fld id="{849D05A8-43E9-1C49-8606-50AB68220DEC}" type="slidenum">
+              <a:rPr lang="en-DE" smtClean="0"/>
+              <a:t>20</a:t>
+            </a:fld>
+            <a:endParaRPr lang="en-DE"/>
+          </a:p>
+        </p:txBody>
+      </p:sp>
+      <p:pic>
+        <p:nvPicPr>
+          <p:cNvPr id="7" name="Picture 6">
+            <a:extLst>
+              <a:ext uri="{FF2B5EF4-FFF2-40B4-BE49-F238E27FC236}">
+                <a16:creationId xmlns:a16="http://schemas.microsoft.com/office/drawing/2014/main" id="{2F61808C-3B84-3F3C-8CB2-B91504F8C498}"/>
+              </a:ext>
+            </a:extLst>
+          </p:cNvPr>
+          <p:cNvPicPr>
+            <a:picLocks noChangeAspect="1"/>
+          </p:cNvPicPr>
+          <p:nvPr/>
+        </p:nvPicPr>
+        <p:blipFill>
+          <a:blip r:embed="rId3"/>
+          <a:stretch>
+            <a:fillRect/>
+          </a:stretch>
+        </p:blipFill>
+        <p:spPr>
+          <a:xfrm>
+            <a:off x="104775" y="1415714"/>
+            <a:ext cx="4238625" cy="5286827"/>
+          </a:xfrm>
+          <a:prstGeom prst="rect">
+            <a:avLst/>
+          </a:prstGeom>
+        </p:spPr>
+      </p:pic>
+      <p:pic>
+        <p:nvPicPr>
+          <p:cNvPr id="9" name="Picture 8">
+            <a:extLst>
+              <a:ext uri="{FF2B5EF4-FFF2-40B4-BE49-F238E27FC236}">
+                <a16:creationId xmlns:a16="http://schemas.microsoft.com/office/drawing/2014/main" id="{573CF915-77FE-A286-95FE-DAAB07F17A7D}"/>
+              </a:ext>
+            </a:extLst>
+          </p:cNvPr>
+          <p:cNvPicPr>
+            <a:picLocks noChangeAspect="1"/>
+          </p:cNvPicPr>
+          <p:nvPr/>
+        </p:nvPicPr>
+        <p:blipFill>
+          <a:blip r:embed="rId4"/>
+          <a:stretch>
+            <a:fillRect/>
+          </a:stretch>
+        </p:blipFill>
+        <p:spPr>
+          <a:xfrm>
+            <a:off x="4506509" y="1415714"/>
+            <a:ext cx="3075391" cy="5307344"/>
+          </a:xfrm>
+          <a:prstGeom prst="rect">
+            <a:avLst/>
+          </a:prstGeom>
+        </p:spPr>
+      </p:pic>
+      <p:sp>
+        <p:nvSpPr>
+          <p:cNvPr id="10" name="TextBox 9">
+            <a:extLst>
+              <a:ext uri="{FF2B5EF4-FFF2-40B4-BE49-F238E27FC236}">
+                <a16:creationId xmlns:a16="http://schemas.microsoft.com/office/drawing/2014/main" id="{969E9464-57FA-5E6F-2745-0D3C27152BA2}"/>
+              </a:ext>
+            </a:extLst>
+          </p:cNvPr>
+          <p:cNvSpPr txBox="1"/>
+          <p:nvPr/>
+        </p:nvSpPr>
+        <p:spPr>
+          <a:xfrm>
+            <a:off x="3487775" y="6435725"/>
+            <a:ext cx="532518" cy="246221"/>
+          </a:xfrm>
+          <a:prstGeom prst="rect">
+            <a:avLst/>
+          </a:prstGeom>
+          <a:noFill/>
+        </p:spPr>
+        <p:txBody>
+          <a:bodyPr wrap="square" rtlCol="0">
+            <a:spAutoFit/>
+          </a:bodyPr>
+          <a:lstStyle/>
+          <a:p>
+            <a:r>
+              <a:rPr lang="de-DE" sz="1000" dirty="0">
+                <a:hlinkClick r:id="rId5"/>
+              </a:rPr>
+              <a:t>source</a:t>
+            </a:r>
+            <a:endParaRPr lang="de-DE" sz="1000" dirty="0"/>
+          </a:p>
+        </p:txBody>
+      </p:sp>
+      <p:sp>
+        <p:nvSpPr>
+          <p:cNvPr id="5" name="TextBox 4">
+            <a:extLst>
+              <a:ext uri="{FF2B5EF4-FFF2-40B4-BE49-F238E27FC236}">
+                <a16:creationId xmlns:a16="http://schemas.microsoft.com/office/drawing/2014/main" id="{5D023976-A38B-8DEE-4D68-24D26A9F03A2}"/>
+              </a:ext>
+            </a:extLst>
+          </p:cNvPr>
+          <p:cNvSpPr txBox="1"/>
+          <p:nvPr/>
+        </p:nvSpPr>
+        <p:spPr>
+          <a:xfrm>
+            <a:off x="10797910" y="180459"/>
+            <a:ext cx="1111779" cy="369332"/>
+          </a:xfrm>
+          <a:prstGeom prst="rect">
+            <a:avLst/>
+          </a:prstGeom>
+          <a:noFill/>
+        </p:spPr>
+        <p:txBody>
+          <a:bodyPr wrap="none" rtlCol="0">
+            <a:spAutoFit/>
+          </a:bodyPr>
+          <a:lstStyle/>
+          <a:p>
+            <a:r>
+              <a:rPr lang="en-GB" dirty="0">
+                <a:hlinkClick r:id="rId6"/>
+              </a:rPr>
+              <a:t>VLM intro</a:t>
+            </a:r>
+            <a:endParaRPr lang="en-GB" dirty="0"/>
+          </a:p>
+        </p:txBody>
+      </p:sp>
+    </p:spTree>
+    <p:extLst>
+      <p:ext uri="{BB962C8B-B14F-4D97-AF65-F5344CB8AC3E}">
+        <p14:creationId xmlns:p14="http://schemas.microsoft.com/office/powerpoint/2010/main" val="454211426"/>
+      </p:ext>
+    </p:extLst>
+  </p:cSld>
+  <p:clrMapOvr>
+    <a:masterClrMapping/>
+  </p:clrMapOvr>
+</p:sld>
+</file>
+
+<file path=ppt/slides/slide21.xml><?xml version="1.0" encoding="utf-8"?>
+<p:sld xmlns:a="http://schemas.openxmlformats.org/drawingml/2006/main" xmlns:r="http://schemas.openxmlformats.org/officeDocument/2006/relationships" xmlns:p="http://schemas.openxmlformats.org/presentationml/2006/main">
+  <p:cSld>
+    <p:spTree>
+      <p:nvGrpSpPr>
+        <p:cNvPr id="1" name=""/>
+        <p:cNvGrpSpPr/>
+        <p:nvPr/>
+      </p:nvGrpSpPr>
+      <p:grpSpPr>
+        <a:xfrm>
+          <a:off x="0" y="0"/>
+          <a:ext cx="0" cy="0"/>
+          <a:chOff x="0" y="0"/>
+          <a:chExt cx="0" cy="0"/>
+        </a:xfrm>
+      </p:grpSpPr>
+      <p:pic>
+        <p:nvPicPr>
+          <p:cNvPr id="7" name="Picture 6">
+            <a:extLst>
+              <a:ext uri="{FF2B5EF4-FFF2-40B4-BE49-F238E27FC236}">
+                <a16:creationId xmlns:a16="http://schemas.microsoft.com/office/drawing/2014/main" id="{F698521C-AC3C-D0E7-CF73-7BED228DCAC2}"/>
+              </a:ext>
+            </a:extLst>
+          </p:cNvPr>
+          <p:cNvPicPr>
+            <a:picLocks noChangeAspect="1"/>
+          </p:cNvPicPr>
+          <p:nvPr/>
+        </p:nvPicPr>
+        <p:blipFill>
+          <a:blip r:embed="rId2"/>
+          <a:stretch>
+            <a:fillRect/>
+          </a:stretch>
+        </p:blipFill>
+        <p:spPr>
+          <a:xfrm>
+            <a:off x="2017123" y="59181"/>
+            <a:ext cx="8939202" cy="6324543"/>
+          </a:xfrm>
+          <a:prstGeom prst="rect">
+            <a:avLst/>
+          </a:prstGeom>
+        </p:spPr>
+      </p:pic>
+      <p:sp>
+        <p:nvSpPr>
+          <p:cNvPr id="4" name="Slide Number Placeholder 3">
+            <a:extLst>
+              <a:ext uri="{FF2B5EF4-FFF2-40B4-BE49-F238E27FC236}">
+                <a16:creationId xmlns:a16="http://schemas.microsoft.com/office/drawing/2014/main" id="{19F019C2-FDAB-D9C9-9855-BB5E343ACFCD}"/>
+              </a:ext>
+            </a:extLst>
+          </p:cNvPr>
+          <p:cNvSpPr>
+            <a:spLocks noGrp="1"/>
+          </p:cNvSpPr>
+          <p:nvPr>
+            <p:ph type="sldNum" sz="quarter" idx="12"/>
+          </p:nvPr>
+        </p:nvSpPr>
+        <p:spPr/>
+        <p:txBody>
+          <a:bodyPr/>
+          <a:lstStyle/>
+          <a:p>
+            <a:fld id="{849D05A8-43E9-1C49-8606-50AB68220DEC}" type="slidenum">
+              <a:rPr lang="en-DE" smtClean="0"/>
+              <a:t>21</a:t>
+            </a:fld>
+            <a:endParaRPr lang="en-DE"/>
+          </a:p>
+        </p:txBody>
+      </p:sp>
+      <p:sp>
+        <p:nvSpPr>
+          <p:cNvPr id="11" name="TextBox 10">
+            <a:extLst>
+              <a:ext uri="{FF2B5EF4-FFF2-40B4-BE49-F238E27FC236}">
+                <a16:creationId xmlns:a16="http://schemas.microsoft.com/office/drawing/2014/main" id="{270CDBC3-B539-55CB-B014-F40DA823CDD0}"/>
+              </a:ext>
+            </a:extLst>
+          </p:cNvPr>
+          <p:cNvSpPr txBox="1"/>
+          <p:nvPr/>
+        </p:nvSpPr>
+        <p:spPr>
+          <a:xfrm>
+            <a:off x="271708" y="1762897"/>
+            <a:ext cx="1745415" cy="1015663"/>
+          </a:xfrm>
+          <a:prstGeom prst="rect">
+            <a:avLst/>
+          </a:prstGeom>
+          <a:noFill/>
+        </p:spPr>
+        <p:txBody>
+          <a:bodyPr wrap="square" rtlCol="0">
+            <a:spAutoFit/>
+          </a:bodyPr>
+          <a:lstStyle/>
+          <a:p>
+            <a:r>
+              <a:rPr lang="en-GB" sz="3000" dirty="0"/>
+              <a:t>Google’s </a:t>
+            </a:r>
+            <a:r>
+              <a:rPr lang="en-GB" sz="3000" dirty="0">
+                <a:hlinkClick r:id="rId3"/>
+              </a:rPr>
+              <a:t>Gemini</a:t>
+            </a:r>
+            <a:r>
+              <a:rPr lang="en-GB" sz="3000" dirty="0"/>
+              <a:t>:</a:t>
+            </a:r>
+          </a:p>
+        </p:txBody>
+      </p:sp>
+      <p:sp>
+        <p:nvSpPr>
+          <p:cNvPr id="2" name="TextBox 1">
+            <a:extLst>
+              <a:ext uri="{FF2B5EF4-FFF2-40B4-BE49-F238E27FC236}">
+                <a16:creationId xmlns:a16="http://schemas.microsoft.com/office/drawing/2014/main" id="{47DDED41-70D5-80B2-9BFF-9A06034857FF}"/>
+              </a:ext>
+            </a:extLst>
+          </p:cNvPr>
+          <p:cNvSpPr txBox="1"/>
+          <p:nvPr/>
+        </p:nvSpPr>
+        <p:spPr>
+          <a:xfrm>
+            <a:off x="279301" y="6352143"/>
+            <a:ext cx="6069418" cy="369332"/>
+          </a:xfrm>
+          <a:prstGeom prst="rect">
+            <a:avLst/>
+          </a:prstGeom>
+          <a:noFill/>
+        </p:spPr>
+        <p:txBody>
+          <a:bodyPr wrap="none" rtlCol="0">
+            <a:spAutoFit/>
+          </a:bodyPr>
+          <a:lstStyle/>
+          <a:p>
+            <a:r>
+              <a:rPr lang="en-GB" dirty="0"/>
+              <a:t>multimodal understanding of inputs: text, audio, images, video</a:t>
+            </a:r>
+          </a:p>
+        </p:txBody>
+      </p:sp>
+    </p:spTree>
+    <p:extLst>
+      <p:ext uri="{BB962C8B-B14F-4D97-AF65-F5344CB8AC3E}">
+        <p14:creationId xmlns:p14="http://schemas.microsoft.com/office/powerpoint/2010/main" val="1453300615"/>
+      </p:ext>
+    </p:extLst>
+  </p:cSld>
+  <p:clrMapOvr>
+    <a:masterClrMapping/>
+  </p:clrMapOvr>
+</p:sld>
+</file>
+
+<file path=ppt/slides/slide22.xml><?xml version="1.0" encoding="utf-8"?>
+<p:sld xmlns:a="http://schemas.openxmlformats.org/drawingml/2006/main" xmlns:r="http://schemas.openxmlformats.org/officeDocument/2006/relationships" xmlns:p="http://schemas.openxmlformats.org/presentationml/2006/main">
+  <p:cSld>
+    <p:spTree>
+      <p:nvGrpSpPr>
+        <p:cNvPr id="1" name=""/>
+        <p:cNvGrpSpPr/>
+        <p:nvPr/>
+      </p:nvGrpSpPr>
+      <p:grpSpPr>
+        <a:xfrm>
+          <a:off x="0" y="0"/>
+          <a:ext cx="0" cy="0"/>
+          <a:chOff x="0" y="0"/>
+          <a:chExt cx="0" cy="0"/>
+        </a:xfrm>
+      </p:grpSpPr>
+      <p:sp>
+        <p:nvSpPr>
+          <p:cNvPr id="2" name="Title 1">
+            <a:extLst>
+              <a:ext uri="{FF2B5EF4-FFF2-40B4-BE49-F238E27FC236}">
                 <a16:creationId xmlns:a16="http://schemas.microsoft.com/office/drawing/2014/main" id="{6DA05F21-B500-C599-245E-F4EA904785F7}"/>
               </a:ext>
             </a:extLst>
@@ -7994,7 +8565,7 @@
           <a:p>
             <a:fld id="{849D05A8-43E9-1C49-8606-50AB68220DEC}" type="slidenum">
               <a:rPr lang="en-DE" smtClean="0"/>
-              <a:t>20</a:t>
+              <a:t>22</a:t>
             </a:fld>
             <a:endParaRPr lang="en-DE"/>
           </a:p>
@@ -8032,171 +8603,10 @@
       </p:grpSpPr>
       <p:sp>
         <p:nvSpPr>
-          <p:cNvPr id="2" name="Title 1">
-            <a:extLst>
-              <a:ext uri="{FF2B5EF4-FFF2-40B4-BE49-F238E27FC236}">
-                <a16:creationId xmlns:a16="http://schemas.microsoft.com/office/drawing/2014/main" id="{B3CEFB21-2CCA-564A-D312-3A4B41E5AAE8}"/>
-              </a:ext>
-            </a:extLst>
-          </p:cNvPr>
-          <p:cNvSpPr>
-            <a:spLocks noGrp="1"/>
-          </p:cNvSpPr>
-          <p:nvPr>
-            <p:ph type="title"/>
-          </p:nvPr>
-        </p:nvSpPr>
-        <p:spPr/>
-        <p:txBody>
-          <a:bodyPr/>
-          <a:lstStyle/>
-          <a:p>
-            <a:r>
-              <a:rPr lang="en-DE" dirty="0"/>
-              <a:t>Typical Transformer Architectures</a:t>
-            </a:r>
-            <a:r>
-              <a:rPr lang="en-GB" dirty="0"/>
-              <a:t> for LLMs</a:t>
-            </a:r>
-            <a:endParaRPr lang="en-DE" dirty="0"/>
-          </a:p>
-        </p:txBody>
-      </p:sp>
-      <p:sp>
-        <p:nvSpPr>
-          <p:cNvPr id="3" name="Content Placeholder 2">
-            <a:extLst>
-              <a:ext uri="{FF2B5EF4-FFF2-40B4-BE49-F238E27FC236}">
-                <a16:creationId xmlns:a16="http://schemas.microsoft.com/office/drawing/2014/main" id="{372A853E-ED3E-6E47-BE06-20A4A0B49340}"/>
-              </a:ext>
-            </a:extLst>
-          </p:cNvPr>
-          <p:cNvSpPr>
-            <a:spLocks noGrp="1"/>
-          </p:cNvSpPr>
-          <p:nvPr>
-            <p:ph sz="half" idx="1"/>
-          </p:nvPr>
-        </p:nvSpPr>
-        <p:spPr>
-          <a:xfrm>
-            <a:off x="838200" y="2265405"/>
-            <a:ext cx="5181600" cy="3911557"/>
-          </a:xfrm>
-        </p:spPr>
-        <p:txBody>
-          <a:bodyPr>
-            <a:normAutofit/>
-          </a:bodyPr>
-          <a:lstStyle/>
-          <a:p>
-            <a:pPr marL="0" indent="0">
-              <a:buNone/>
-            </a:pPr>
-            <a:r>
-              <a:rPr lang="en-GB" sz="2400" b="1" dirty="0"/>
-              <a:t>encoder-only</a:t>
-            </a:r>
-            <a:r>
-              <a:rPr lang="en-GB" sz="2400" dirty="0"/>
-              <a:t> LLMs:</a:t>
-            </a:r>
-          </a:p>
-          <a:p>
-            <a:r>
-              <a:rPr lang="en-GB" sz="2400" dirty="0"/>
-              <a:t>representation learning (and subsequent fine-tuning)</a:t>
-            </a:r>
-          </a:p>
-          <a:p>
-            <a:r>
-              <a:rPr lang="en-GB" sz="2400" dirty="0"/>
-              <a:t>training: prediction of masked words (via </a:t>
-            </a:r>
-            <a:r>
-              <a:rPr lang="en-GB" sz="2400" dirty="0" err="1"/>
-              <a:t>softmax</a:t>
-            </a:r>
-            <a:r>
-              <a:rPr lang="en-GB" sz="2400" dirty="0"/>
-              <a:t> after output embedding)</a:t>
-            </a:r>
-          </a:p>
-          <a:p>
-            <a:r>
-              <a:rPr lang="en-GB" sz="2400" dirty="0"/>
-              <a:t>incorporate context of both sides of token</a:t>
-            </a:r>
-          </a:p>
-        </p:txBody>
-      </p:sp>
-      <p:sp>
-        <p:nvSpPr>
-          <p:cNvPr id="14" name="Content Placeholder 13">
-            <a:extLst>
-              <a:ext uri="{FF2B5EF4-FFF2-40B4-BE49-F238E27FC236}">
-                <a16:creationId xmlns:a16="http://schemas.microsoft.com/office/drawing/2014/main" id="{5991A755-4AE3-485E-1F18-F18CA40611B3}"/>
-              </a:ext>
-            </a:extLst>
-          </p:cNvPr>
-          <p:cNvSpPr>
-            <a:spLocks noGrp="1"/>
-          </p:cNvSpPr>
-          <p:nvPr>
-            <p:ph sz="half" idx="2"/>
-          </p:nvPr>
-        </p:nvSpPr>
-        <p:spPr>
-          <a:xfrm>
-            <a:off x="6172200" y="2265405"/>
-            <a:ext cx="5181600" cy="3911558"/>
-          </a:xfrm>
-        </p:spPr>
-        <p:txBody>
-          <a:bodyPr>
-            <a:normAutofit/>
-          </a:bodyPr>
-          <a:lstStyle/>
-          <a:p>
-            <a:pPr marL="0" indent="0">
-              <a:buNone/>
-            </a:pPr>
-            <a:r>
-              <a:rPr lang="en-GB" sz="2400" b="1" dirty="0"/>
-              <a:t>decoder-only</a:t>
-            </a:r>
-            <a:r>
-              <a:rPr lang="en-GB" sz="2400" dirty="0"/>
-              <a:t> LLMs:</a:t>
-            </a:r>
-          </a:p>
-          <a:p>
-            <a:r>
-              <a:rPr lang="en-GB" sz="2400" dirty="0"/>
-              <a:t>text generation (potentially in-context only), e.g., chat bot</a:t>
-            </a:r>
-          </a:p>
-          <a:p>
-            <a:r>
-              <a:rPr lang="en-GB" sz="2400" dirty="0"/>
-              <a:t>training: next-word prediction</a:t>
-            </a:r>
-          </a:p>
-          <a:p>
-            <a:r>
-              <a:rPr lang="en-GB" sz="2400" dirty="0"/>
-              <a:t>output one token at a time (auto-regressive: consuming its own output)</a:t>
-            </a:r>
-          </a:p>
-        </p:txBody>
-      </p:sp>
-      <p:sp>
-        <p:nvSpPr>
           <p:cNvPr id="4" name="Slide Number Placeholder 3">
             <a:extLst>
               <a:ext uri="{FF2B5EF4-FFF2-40B4-BE49-F238E27FC236}">
-                <a16:creationId xmlns:a16="http://schemas.microsoft.com/office/drawing/2014/main" id="{FDB15F20-2568-EEBA-AF76-03A86D63DFE2}"/>
+                <a16:creationId xmlns:a16="http://schemas.microsoft.com/office/drawing/2014/main" id="{352E76F0-7C55-B3F1-5699-637A993D90D4}"/>
               </a:ext>
             </a:extLst>
           </p:cNvPr>
@@ -8225,7 +8635,7 @@
           <p:cNvPr id="6" name="Picture 5">
             <a:extLst>
               <a:ext uri="{FF2B5EF4-FFF2-40B4-BE49-F238E27FC236}">
-                <a16:creationId xmlns:a16="http://schemas.microsoft.com/office/drawing/2014/main" id="{1D1AF36F-30AB-F03C-EEDA-14C11DB2749D}"/>
+                <a16:creationId xmlns:a16="http://schemas.microsoft.com/office/drawing/2014/main" id="{04710C09-6F15-99CA-8C5A-7A02262CD1B9}"/>
               </a:ext>
             </a:extLst>
           </p:cNvPr>
@@ -8242,8 +8652,8 @@
         </p:blipFill>
         <p:spPr>
           <a:xfrm>
-            <a:off x="3033992" y="4751888"/>
-            <a:ext cx="6124016" cy="2052222"/>
+            <a:off x="3145164" y="0"/>
+            <a:ext cx="5901671" cy="6858000"/>
           </a:xfrm>
           <a:prstGeom prst="rect">
             <a:avLst/>
@@ -8252,10 +8662,10 @@
       </p:pic>
       <p:sp>
         <p:nvSpPr>
-          <p:cNvPr id="11" name="TextBox 10">
-            <a:extLst>
-              <a:ext uri="{FF2B5EF4-FFF2-40B4-BE49-F238E27FC236}">
-                <a16:creationId xmlns:a16="http://schemas.microsoft.com/office/drawing/2014/main" id="{EB014B46-C4F9-0DAE-FD32-807ACBBF4785}"/>
+          <p:cNvPr id="7" name="TextBox 6">
+            <a:extLst>
+              <a:ext uri="{FF2B5EF4-FFF2-40B4-BE49-F238E27FC236}">
+                <a16:creationId xmlns:a16="http://schemas.microsoft.com/office/drawing/2014/main" id="{75200411-FF70-25C1-C2F2-206D286BE771}"/>
               </a:ext>
             </a:extLst>
           </p:cNvPr>
@@ -8264,7 +8674,7 @@
         </p:nvSpPr>
         <p:spPr>
           <a:xfrm>
-            <a:off x="5829741" y="6502031"/>
+            <a:off x="8419363" y="6538912"/>
             <a:ext cx="532518" cy="246221"/>
           </a:xfrm>
           <a:prstGeom prst="rect">
@@ -8273,7 +8683,7 @@
           <a:noFill/>
         </p:spPr>
         <p:txBody>
-          <a:bodyPr wrap="square" rtlCol="0">
+          <a:bodyPr wrap="none" rtlCol="0">
             <a:spAutoFit/>
           </a:bodyPr>
           <a:lstStyle/>
@@ -8288,119 +8698,10 @@
           </a:p>
         </p:txBody>
       </p:sp>
-      <p:sp>
-        <p:nvSpPr>
-          <p:cNvPr id="5" name="TextBox 4">
-            <a:extLst>
-              <a:ext uri="{FF2B5EF4-FFF2-40B4-BE49-F238E27FC236}">
-                <a16:creationId xmlns:a16="http://schemas.microsoft.com/office/drawing/2014/main" id="{0569F717-FB14-0FE7-4F5C-30954C7F0AE0}"/>
-              </a:ext>
-            </a:extLst>
-          </p:cNvPr>
-          <p:cNvSpPr txBox="1"/>
-          <p:nvPr/>
-        </p:nvSpPr>
-        <p:spPr>
-          <a:xfrm>
-            <a:off x="838200" y="1579179"/>
-            <a:ext cx="10515600" cy="461665"/>
-          </a:xfrm>
-          <a:prstGeom prst="rect">
-            <a:avLst/>
-          </a:prstGeom>
-          <a:noFill/>
-        </p:spPr>
-        <p:txBody>
-          <a:bodyPr wrap="square" rtlCol="0">
-            <a:spAutoFit/>
-          </a:bodyPr>
-          <a:lstStyle/>
-          <a:p>
-            <a:r>
-              <a:rPr lang="en-GB" sz="2400" b="1" dirty="0"/>
-              <a:t>encoder-decoder</a:t>
-            </a:r>
-            <a:r>
-              <a:rPr lang="en-GB" sz="2400" dirty="0"/>
-              <a:t> LLMs: sequence-to-sequence, e.g., machine translation</a:t>
-            </a:r>
-          </a:p>
-        </p:txBody>
-      </p:sp>
-      <p:sp>
-        <p:nvSpPr>
-          <p:cNvPr id="8" name="TextBox 7">
-            <a:extLst>
-              <a:ext uri="{FF2B5EF4-FFF2-40B4-BE49-F238E27FC236}">
-                <a16:creationId xmlns:a16="http://schemas.microsoft.com/office/drawing/2014/main" id="{EC6FAC6A-FEB5-ED22-6F4E-7015532B77F5}"/>
-              </a:ext>
-            </a:extLst>
-          </p:cNvPr>
-          <p:cNvSpPr txBox="1"/>
-          <p:nvPr/>
-        </p:nvSpPr>
-        <p:spPr>
-          <a:xfrm>
-            <a:off x="630238" y="5316334"/>
-            <a:ext cx="2010397" cy="461665"/>
-          </a:xfrm>
-          <a:prstGeom prst="rect">
-            <a:avLst/>
-          </a:prstGeom>
-          <a:noFill/>
-        </p:spPr>
-        <p:txBody>
-          <a:bodyPr wrap="square">
-            <a:spAutoFit/>
-          </a:bodyPr>
-          <a:lstStyle/>
-          <a:p>
-            <a:r>
-              <a:rPr lang="en-GB" sz="2400" dirty="0"/>
-              <a:t>example: BERT</a:t>
-            </a:r>
-          </a:p>
-        </p:txBody>
-      </p:sp>
-      <p:sp>
-        <p:nvSpPr>
-          <p:cNvPr id="10" name="TextBox 9">
-            <a:extLst>
-              <a:ext uri="{FF2B5EF4-FFF2-40B4-BE49-F238E27FC236}">
-                <a16:creationId xmlns:a16="http://schemas.microsoft.com/office/drawing/2014/main" id="{BBC7CC66-9A7D-E61A-CC1D-388886D1504D}"/>
-              </a:ext>
-            </a:extLst>
-          </p:cNvPr>
-          <p:cNvSpPr txBox="1"/>
-          <p:nvPr/>
-        </p:nvSpPr>
-        <p:spPr>
-          <a:xfrm>
-            <a:off x="9551365" y="5316334"/>
-            <a:ext cx="1884814" cy="461665"/>
-          </a:xfrm>
-          <a:prstGeom prst="rect">
-            <a:avLst/>
-          </a:prstGeom>
-          <a:noFill/>
-        </p:spPr>
-        <p:txBody>
-          <a:bodyPr wrap="square">
-            <a:spAutoFit/>
-          </a:bodyPr>
-          <a:lstStyle/>
-          <a:p>
-            <a:r>
-              <a:rPr lang="en-GB" sz="2400" dirty="0"/>
-              <a:t>example: GPT</a:t>
-            </a:r>
-          </a:p>
-        </p:txBody>
-      </p:sp>
     </p:spTree>
     <p:extLst>
       <p:ext uri="{BB962C8B-B14F-4D97-AF65-F5344CB8AC3E}">
-        <p14:creationId xmlns:p14="http://schemas.microsoft.com/office/powerpoint/2010/main" val="2016851105"/>
+        <p14:creationId xmlns:p14="http://schemas.microsoft.com/office/powerpoint/2010/main" val="1878644999"/>
       </p:ext>
     </p:extLst>
   </p:cSld>
@@ -8432,7 +8733,7 @@
           <p:cNvPr id="2" name="Title 1">
             <a:extLst>
               <a:ext uri="{FF2B5EF4-FFF2-40B4-BE49-F238E27FC236}">
-                <a16:creationId xmlns:a16="http://schemas.microsoft.com/office/drawing/2014/main" id="{90B6E34D-E690-5083-4D7A-A4FD8CBC0D85}"/>
+                <a16:creationId xmlns:a16="http://schemas.microsoft.com/office/drawing/2014/main" id="{B3CEFB21-2CCA-564A-D312-3A4B41E5AAE8}"/>
               </a:ext>
             </a:extLst>
           </p:cNvPr>
@@ -8449,16 +8750,12 @@
           <a:lstStyle/>
           <a:p>
             <a:r>
+              <a:rPr lang="en-DE" dirty="0"/>
+              <a:t>Typical Transformer Architectures</a:t>
+            </a:r>
+            <a:r>
               <a:rPr lang="en-GB" dirty="0"/>
-              <a:t>Example for E</a:t>
-            </a:r>
-            <a:r>
-              <a:rPr lang="en-DE" dirty="0"/>
-              <a:t>ncoder-Only </a:t>
-            </a:r>
-            <a:r>
-              <a:rPr lang="en-GB" dirty="0"/>
-              <a:t>LLM</a:t>
+              <a:t> for LLMs</a:t>
             </a:r>
             <a:endParaRPr lang="en-DE" dirty="0"/>
           </a:p>
@@ -8469,21 +8766,26 @@
           <p:cNvPr id="3" name="Content Placeholder 2">
             <a:extLst>
               <a:ext uri="{FF2B5EF4-FFF2-40B4-BE49-F238E27FC236}">
-                <a16:creationId xmlns:a16="http://schemas.microsoft.com/office/drawing/2014/main" id="{29873BB1-039F-295B-E954-FC59DCCEB72A}"/>
-              </a:ext>
-            </a:extLst>
-          </p:cNvPr>
-          <p:cNvSpPr>
-            <a:spLocks noGrp="1"/>
-          </p:cNvSpPr>
-          <p:nvPr>
-            <p:ph idx="1"/>
-          </p:nvPr>
-        </p:nvSpPr>
-        <p:spPr/>
+                <a16:creationId xmlns:a16="http://schemas.microsoft.com/office/drawing/2014/main" id="{372A853E-ED3E-6E47-BE06-20A4A0B49340}"/>
+              </a:ext>
+            </a:extLst>
+          </p:cNvPr>
+          <p:cNvSpPr>
+            <a:spLocks noGrp="1"/>
+          </p:cNvSpPr>
+          <p:nvPr>
+            <p:ph sz="half" idx="1"/>
+          </p:nvPr>
+        </p:nvSpPr>
+        <p:spPr>
+          <a:xfrm>
+            <a:off x="838200" y="2265405"/>
+            <a:ext cx="5181600" cy="3911557"/>
+          </a:xfrm>
+        </p:spPr>
         <p:txBody>
           <a:bodyPr>
-            <a:noAutofit/>
+            <a:normAutofit/>
           </a:bodyPr>
           <a:lstStyle/>
           <a:p>
@@ -8491,98 +8793,98 @@
               <a:buNone/>
             </a:pPr>
             <a:r>
-              <a:rPr lang="en-DE" sz="2600" dirty="0">
-                <a:hlinkClick r:id="rId2"/>
-              </a:rPr>
-              <a:t>BERT</a:t>
-            </a:r>
-            <a:r>
-              <a:rPr lang="en-DE" sz="2600" dirty="0"/>
-              <a:t> (Bidirectional Encoder Representations from Transformers, by Google, </a:t>
-            </a:r>
-            <a:r>
-              <a:rPr lang="en-GB" sz="2600" dirty="0"/>
-              <a:t>u</a:t>
-            </a:r>
-            <a:r>
-              <a:rPr lang="en-DE" sz="2600" dirty="0"/>
-              <a:t>sed in Google search engine):</a:t>
-            </a:r>
-          </a:p>
-          <a:p>
-            <a:r>
-              <a:rPr lang="en-GB" sz="2600" dirty="0"/>
-              <a:t>stack of transformer e</a:t>
-            </a:r>
-            <a:r>
-              <a:rPr lang="en-DE" sz="2600" dirty="0"/>
-              <a:t>ncoders</a:t>
-            </a:r>
-          </a:p>
-          <a:p>
-            <a:r>
-              <a:rPr lang="en-GB" sz="2600" dirty="0"/>
-              <a:t>o</a:t>
-            </a:r>
-            <a:r>
-              <a:rPr lang="en-DE" sz="2600" dirty="0"/>
-              <a:t>utputting representation</a:t>
-            </a:r>
-            <a:r>
-              <a:rPr lang="en-GB" sz="2600" dirty="0"/>
-              <a:t> (embedding)</a:t>
-            </a:r>
-            <a:r>
-              <a:rPr lang="en-DE" sz="2600" dirty="0"/>
-              <a:t> to be used/fine-tuned in specific tasks and data sets</a:t>
-            </a:r>
-            <a:r>
-              <a:rPr lang="en-GB" sz="2600" dirty="0"/>
-              <a:t> (e.g., sentiment classification)</a:t>
-            </a:r>
-            <a:endParaRPr lang="en-DE" sz="2600" dirty="0"/>
-          </a:p>
-          <a:p>
-            <a:r>
-              <a:rPr lang="en-GB" sz="2600" dirty="0"/>
-              <a:t>b</a:t>
-            </a:r>
-            <a:r>
-              <a:rPr lang="en-DE" sz="2600" dirty="0"/>
-              <a:t>idirectional: </a:t>
-            </a:r>
-            <a:r>
-              <a:rPr lang="en-GB" sz="2600" dirty="0"/>
-              <a:t>jointly conditioning on both left and right context</a:t>
-            </a:r>
-            <a:endParaRPr lang="en-DE" sz="2600" dirty="0"/>
-          </a:p>
-          <a:p>
-            <a:r>
-              <a:rPr lang="en-GB" sz="2600" dirty="0"/>
-              <a:t>pre-trained in self-supervised manner on massive data sets</a:t>
-            </a:r>
-          </a:p>
-          <a:p>
-            <a:pPr lvl="1"/>
-            <a:r>
-              <a:rPr lang="en-GB" dirty="0"/>
-              <a:t>language </a:t>
-            </a:r>
-            <a:r>
-              <a:rPr lang="en-GB" dirty="0" err="1"/>
-              <a:t>modeling</a:t>
-            </a:r>
-            <a:r>
-              <a:rPr lang="en-GB" dirty="0"/>
-              <a:t> (masked tokens to be predicted from context)</a:t>
-            </a:r>
-          </a:p>
-          <a:p>
-            <a:pPr lvl="1"/>
-            <a:r>
-              <a:rPr lang="en-GB" dirty="0"/>
-              <a:t>next sentence prediction (predict probability of next sentence given first sentence)</a:t>
+              <a:rPr lang="en-GB" sz="2400" b="1" dirty="0"/>
+              <a:t>encoder-only</a:t>
+            </a:r>
+            <a:r>
+              <a:rPr lang="en-GB" sz="2400" dirty="0"/>
+              <a:t> LLMs:</a:t>
+            </a:r>
+          </a:p>
+          <a:p>
+            <a:r>
+              <a:rPr lang="en-GB" sz="2400" dirty="0"/>
+              <a:t>representation learning (and subsequent fine-tuning)</a:t>
+            </a:r>
+          </a:p>
+          <a:p>
+            <a:r>
+              <a:rPr lang="en-GB" sz="2400" dirty="0"/>
+              <a:t>training: prediction of masked words (via </a:t>
+            </a:r>
+            <a:r>
+              <a:rPr lang="en-GB" sz="2400" dirty="0" err="1"/>
+              <a:t>softmax</a:t>
+            </a:r>
+            <a:r>
+              <a:rPr lang="en-GB" sz="2400" dirty="0"/>
+              <a:t> after output embedding)</a:t>
+            </a:r>
+          </a:p>
+          <a:p>
+            <a:r>
+              <a:rPr lang="en-GB" sz="2400" dirty="0"/>
+              <a:t>incorporate context of both sides of token</a:t>
+            </a:r>
+          </a:p>
+        </p:txBody>
+      </p:sp>
+      <p:sp>
+        <p:nvSpPr>
+          <p:cNvPr id="14" name="Content Placeholder 13">
+            <a:extLst>
+              <a:ext uri="{FF2B5EF4-FFF2-40B4-BE49-F238E27FC236}">
+                <a16:creationId xmlns:a16="http://schemas.microsoft.com/office/drawing/2014/main" id="{5991A755-4AE3-485E-1F18-F18CA40611B3}"/>
+              </a:ext>
+            </a:extLst>
+          </p:cNvPr>
+          <p:cNvSpPr>
+            <a:spLocks noGrp="1"/>
+          </p:cNvSpPr>
+          <p:nvPr>
+            <p:ph sz="half" idx="2"/>
+          </p:nvPr>
+        </p:nvSpPr>
+        <p:spPr>
+          <a:xfrm>
+            <a:off x="6172200" y="2265405"/>
+            <a:ext cx="5181600" cy="3911558"/>
+          </a:xfrm>
+        </p:spPr>
+        <p:txBody>
+          <a:bodyPr>
+            <a:normAutofit/>
+          </a:bodyPr>
+          <a:lstStyle/>
+          <a:p>
+            <a:pPr marL="0" indent="0">
+              <a:buNone/>
+            </a:pPr>
+            <a:r>
+              <a:rPr lang="en-GB" sz="2400" b="1" dirty="0"/>
+              <a:t>decoder-only</a:t>
+            </a:r>
+            <a:r>
+              <a:rPr lang="en-GB" sz="2400" dirty="0"/>
+              <a:t> LLMs:</a:t>
+            </a:r>
+          </a:p>
+          <a:p>
+            <a:r>
+              <a:rPr lang="en-GB" sz="2400" dirty="0"/>
+              <a:t>text generation (potentially in-context only), e.g., chat bot</a:t>
+            </a:r>
+          </a:p>
+          <a:p>
+            <a:r>
+              <a:rPr lang="en-GB" sz="2400" dirty="0"/>
+              <a:t>training: next-word prediction</a:t>
+            </a:r>
+          </a:p>
+          <a:p>
+            <a:r>
+              <a:rPr lang="en-GB" sz="2400" dirty="0"/>
+              <a:t>output one token at a time (auto-regressive: consuming its own output)</a:t>
             </a:r>
           </a:p>
         </p:txBody>
@@ -8592,7 +8894,7 @@
           <p:cNvPr id="4" name="Slide Number Placeholder 3">
             <a:extLst>
               <a:ext uri="{FF2B5EF4-FFF2-40B4-BE49-F238E27FC236}">
-                <a16:creationId xmlns:a16="http://schemas.microsoft.com/office/drawing/2014/main" id="{1834DC41-7C26-D581-9A80-C62A60BFD3E2}"/>
+                <a16:creationId xmlns:a16="http://schemas.microsoft.com/office/drawing/2014/main" id="{FDB15F20-2568-EEBA-AF76-03A86D63DFE2}"/>
               </a:ext>
             </a:extLst>
           </p:cNvPr>
@@ -8616,10 +8918,187 @@
           </a:p>
         </p:txBody>
       </p:sp>
+      <p:pic>
+        <p:nvPicPr>
+          <p:cNvPr id="6" name="Picture 5">
+            <a:extLst>
+              <a:ext uri="{FF2B5EF4-FFF2-40B4-BE49-F238E27FC236}">
+                <a16:creationId xmlns:a16="http://schemas.microsoft.com/office/drawing/2014/main" id="{1D1AF36F-30AB-F03C-EEDA-14C11DB2749D}"/>
+              </a:ext>
+            </a:extLst>
+          </p:cNvPr>
+          <p:cNvPicPr>
+            <a:picLocks noChangeAspect="1"/>
+          </p:cNvPicPr>
+          <p:nvPr/>
+        </p:nvPicPr>
+        <p:blipFill>
+          <a:blip r:embed="rId2"/>
+          <a:stretch>
+            <a:fillRect/>
+          </a:stretch>
+        </p:blipFill>
+        <p:spPr>
+          <a:xfrm>
+            <a:off x="3033992" y="4751888"/>
+            <a:ext cx="6124016" cy="2052222"/>
+          </a:xfrm>
+          <a:prstGeom prst="rect">
+            <a:avLst/>
+          </a:prstGeom>
+        </p:spPr>
+      </p:pic>
+      <p:sp>
+        <p:nvSpPr>
+          <p:cNvPr id="11" name="TextBox 10">
+            <a:extLst>
+              <a:ext uri="{FF2B5EF4-FFF2-40B4-BE49-F238E27FC236}">
+                <a16:creationId xmlns:a16="http://schemas.microsoft.com/office/drawing/2014/main" id="{EB014B46-C4F9-0DAE-FD32-807ACBBF4785}"/>
+              </a:ext>
+            </a:extLst>
+          </p:cNvPr>
+          <p:cNvSpPr txBox="1"/>
+          <p:nvPr/>
+        </p:nvSpPr>
+        <p:spPr>
+          <a:xfrm>
+            <a:off x="5829741" y="6502031"/>
+            <a:ext cx="532518" cy="246221"/>
+          </a:xfrm>
+          <a:prstGeom prst="rect">
+            <a:avLst/>
+          </a:prstGeom>
+          <a:noFill/>
+        </p:spPr>
+        <p:txBody>
+          <a:bodyPr wrap="square" rtlCol="0">
+            <a:spAutoFit/>
+          </a:bodyPr>
+          <a:lstStyle/>
+          <a:p>
+            <a:r>
+              <a:rPr lang="de-DE" sz="1000" dirty="0">
+                <a:hlinkClick r:id="rId3"/>
+              </a:rPr>
+              <a:t>source</a:t>
+            </a:r>
+            <a:endParaRPr lang="de-DE" sz="1000" dirty="0"/>
+          </a:p>
+        </p:txBody>
+      </p:sp>
+      <p:sp>
+        <p:nvSpPr>
+          <p:cNvPr id="5" name="TextBox 4">
+            <a:extLst>
+              <a:ext uri="{FF2B5EF4-FFF2-40B4-BE49-F238E27FC236}">
+                <a16:creationId xmlns:a16="http://schemas.microsoft.com/office/drawing/2014/main" id="{0569F717-FB14-0FE7-4F5C-30954C7F0AE0}"/>
+              </a:ext>
+            </a:extLst>
+          </p:cNvPr>
+          <p:cNvSpPr txBox="1"/>
+          <p:nvPr/>
+        </p:nvSpPr>
+        <p:spPr>
+          <a:xfrm>
+            <a:off x="838200" y="1579179"/>
+            <a:ext cx="10515600" cy="461665"/>
+          </a:xfrm>
+          <a:prstGeom prst="rect">
+            <a:avLst/>
+          </a:prstGeom>
+          <a:noFill/>
+        </p:spPr>
+        <p:txBody>
+          <a:bodyPr wrap="square" rtlCol="0">
+            <a:spAutoFit/>
+          </a:bodyPr>
+          <a:lstStyle/>
+          <a:p>
+            <a:r>
+              <a:rPr lang="en-GB" sz="2400" b="1" dirty="0"/>
+              <a:t>encoder-decoder</a:t>
+            </a:r>
+            <a:r>
+              <a:rPr lang="en-GB" sz="2400" dirty="0"/>
+              <a:t> LLMs: sequence-to-sequence, e.g., machine translation</a:t>
+            </a:r>
+          </a:p>
+        </p:txBody>
+      </p:sp>
+      <p:sp>
+        <p:nvSpPr>
+          <p:cNvPr id="8" name="TextBox 7">
+            <a:extLst>
+              <a:ext uri="{FF2B5EF4-FFF2-40B4-BE49-F238E27FC236}">
+                <a16:creationId xmlns:a16="http://schemas.microsoft.com/office/drawing/2014/main" id="{EC6FAC6A-FEB5-ED22-6F4E-7015532B77F5}"/>
+              </a:ext>
+            </a:extLst>
+          </p:cNvPr>
+          <p:cNvSpPr txBox="1"/>
+          <p:nvPr/>
+        </p:nvSpPr>
+        <p:spPr>
+          <a:xfrm>
+            <a:off x="630238" y="5316334"/>
+            <a:ext cx="2010397" cy="461665"/>
+          </a:xfrm>
+          <a:prstGeom prst="rect">
+            <a:avLst/>
+          </a:prstGeom>
+          <a:noFill/>
+        </p:spPr>
+        <p:txBody>
+          <a:bodyPr wrap="square">
+            <a:spAutoFit/>
+          </a:bodyPr>
+          <a:lstStyle/>
+          <a:p>
+            <a:r>
+              <a:rPr lang="en-GB" sz="2400" dirty="0"/>
+              <a:t>example: BERT</a:t>
+            </a:r>
+          </a:p>
+        </p:txBody>
+      </p:sp>
+      <p:sp>
+        <p:nvSpPr>
+          <p:cNvPr id="10" name="TextBox 9">
+            <a:extLst>
+              <a:ext uri="{FF2B5EF4-FFF2-40B4-BE49-F238E27FC236}">
+                <a16:creationId xmlns:a16="http://schemas.microsoft.com/office/drawing/2014/main" id="{BBC7CC66-9A7D-E61A-CC1D-388886D1504D}"/>
+              </a:ext>
+            </a:extLst>
+          </p:cNvPr>
+          <p:cNvSpPr txBox="1"/>
+          <p:nvPr/>
+        </p:nvSpPr>
+        <p:spPr>
+          <a:xfrm>
+            <a:off x="9551365" y="5316334"/>
+            <a:ext cx="1884814" cy="461665"/>
+          </a:xfrm>
+          <a:prstGeom prst="rect">
+            <a:avLst/>
+          </a:prstGeom>
+          <a:noFill/>
+        </p:spPr>
+        <p:txBody>
+          <a:bodyPr wrap="square">
+            <a:spAutoFit/>
+          </a:bodyPr>
+          <a:lstStyle/>
+          <a:p>
+            <a:r>
+              <a:rPr lang="en-GB" sz="2400" dirty="0"/>
+              <a:t>example: GPT</a:t>
+            </a:r>
+          </a:p>
+        </p:txBody>
+      </p:sp>
     </p:spTree>
     <p:extLst>
       <p:ext uri="{BB962C8B-B14F-4D97-AF65-F5344CB8AC3E}">
-        <p14:creationId xmlns:p14="http://schemas.microsoft.com/office/powerpoint/2010/main" val="2969220979"/>
+        <p14:creationId xmlns:p14="http://schemas.microsoft.com/office/powerpoint/2010/main" val="2016851105"/>
       </p:ext>
     </p:extLst>
   </p:cSld>
@@ -8651,7 +9130,7 @@
           <p:cNvPr id="2" name="Title 1">
             <a:extLst>
               <a:ext uri="{FF2B5EF4-FFF2-40B4-BE49-F238E27FC236}">
-                <a16:creationId xmlns:a16="http://schemas.microsoft.com/office/drawing/2014/main" id="{F4B34BCA-6F2E-E1E0-5E78-C602E733CA5E}"/>
+                <a16:creationId xmlns:a16="http://schemas.microsoft.com/office/drawing/2014/main" id="{90B6E34D-E690-5083-4D7A-A4FD8CBC0D85}"/>
               </a:ext>
             </a:extLst>
           </p:cNvPr>
@@ -8669,11 +9148,11 @@
           <a:p>
             <a:r>
               <a:rPr lang="en-GB" dirty="0"/>
-              <a:t>Example for D</a:t>
+              <a:t>Example for E</a:t>
             </a:r>
             <a:r>
               <a:rPr lang="en-DE" dirty="0"/>
-              <a:t>ecoder-Only </a:t>
+              <a:t>ncoder-Only </a:t>
             </a:r>
             <a:r>
               <a:rPr lang="en-GB" dirty="0"/>
@@ -8688,7 +9167,7 @@
           <p:cNvPr id="3" name="Content Placeholder 2">
             <a:extLst>
               <a:ext uri="{FF2B5EF4-FFF2-40B4-BE49-F238E27FC236}">
-                <a16:creationId xmlns:a16="http://schemas.microsoft.com/office/drawing/2014/main" id="{D878DA15-F9B0-18B3-B458-752CD40FD84B}"/>
+                <a16:creationId xmlns:a16="http://schemas.microsoft.com/office/drawing/2014/main" id="{29873BB1-039F-295B-E954-FC59DCCEB72A}"/>
               </a:ext>
             </a:extLst>
           </p:cNvPr>
@@ -8702,7 +9181,7 @@
         <p:spPr/>
         <p:txBody>
           <a:bodyPr>
-            <a:normAutofit lnSpcReduction="10000"/>
+            <a:noAutofit/>
           </a:bodyPr>
           <a:lstStyle/>
           <a:p>
@@ -8713,109 +9192,87 @@
               <a:rPr lang="en-DE" sz="2600" dirty="0">
                 <a:hlinkClick r:id="rId2"/>
               </a:rPr>
-              <a:t>GPT</a:t>
+              <a:t>BERT</a:t>
             </a:r>
             <a:r>
               <a:rPr lang="en-DE" sz="2600" dirty="0"/>
-              <a:t> (Generative Pre-trained Transformer, by O</a:t>
+              <a:t> (Bidirectional Encoder Representations from Transformers, by Google, </a:t>
             </a:r>
             <a:r>
               <a:rPr lang="en-GB" sz="2600" dirty="0"/>
-              <a:t>p</a:t>
+              <a:t>u</a:t>
             </a:r>
             <a:r>
               <a:rPr lang="en-DE" sz="2600" dirty="0"/>
-              <a:t>enAI) series:</a:t>
+              <a:t>sed in Google search engine):</a:t>
             </a:r>
           </a:p>
           <a:p>
             <a:r>
               <a:rPr lang="en-GB" sz="2600" dirty="0"/>
-              <a:t>stack of transformer d</a:t>
+              <a:t>stack of transformer e</a:t>
             </a:r>
             <a:r>
               <a:rPr lang="en-DE" sz="2600" dirty="0"/>
-              <a:t>ecoders</a:t>
-            </a:r>
+              <a:t>ncoders</a:t>
+            </a:r>
+          </a:p>
+          <a:p>
             <a:r>
               <a:rPr lang="en-GB" sz="2600" dirty="0"/>
-              <a:t> </a:t>
-            </a:r>
-            <a:r>
-              <a:rPr lang="en-GB" sz="2600" dirty="0">
-                <a:sym typeface="Wingdings" pitchFamily="2" charset="2"/>
-              </a:rPr>
-              <a:t> </a:t>
+              <a:t>o</a:t>
+            </a:r>
+            <a:r>
+              <a:rPr lang="en-DE" sz="2600" dirty="0"/>
+              <a:t>utputting representation</a:t>
             </a:r>
             <a:r>
               <a:rPr lang="en-GB" sz="2600" dirty="0"/>
-              <a:t>a</a:t>
+              <a:t> (contextual embeddings)</a:t>
             </a:r>
             <a:r>
               <a:rPr lang="en-DE" sz="2600" dirty="0"/>
-              <a:t>uto-regressive language model</a:t>
-            </a:r>
-          </a:p>
-          <a:p>
+              <a:t> to be used/fine-tuned in specific tasks and data sets</a:t>
+            </a:r>
             <a:r>
               <a:rPr lang="en-GB" sz="2600" dirty="0"/>
-              <a:t>generative pre-training: self-supervised generation of text (i.e., next-word predictions) on massive web scrape data sets</a:t>
-            </a:r>
-          </a:p>
-          <a:p>
-            <a:r>
-              <a:rPr lang="en-DE" sz="2600" dirty="0">
-                <a:hlinkClick r:id="rId3"/>
-              </a:rPr>
-              <a:t>GPT-3</a:t>
+              <a:t> (e.g., sentiment classification)</a:t>
+            </a:r>
+            <a:endParaRPr lang="en-DE" sz="2600" dirty="0"/>
+          </a:p>
+          <a:p>
+            <a:r>
+              <a:rPr lang="en-GB" sz="2600" dirty="0"/>
+              <a:t>b</a:t>
             </a:r>
             <a:r>
               <a:rPr lang="en-DE" sz="2600" dirty="0"/>
-              <a:t>: 175 billion parameters (Google’s </a:t>
-            </a:r>
-            <a:r>
-              <a:rPr lang="en-DE" sz="2600" dirty="0">
-                <a:hlinkClick r:id="rId4"/>
-              </a:rPr>
-              <a:t>PaLM</a:t>
-            </a:r>
-            <a:r>
-              <a:rPr lang="en-DE" sz="2600" dirty="0"/>
-              <a:t>: 540 billion parameters, …)</a:t>
-            </a:r>
-          </a:p>
-          <a:p>
-            <a:r>
-              <a:rPr lang="en-DE" sz="2600" dirty="0"/>
-              <a:t>GPT: discriminative fine-tuning on specific tasks (e.g., summarization, translation, question-answering) with much smaller data sets</a:t>
-            </a:r>
-          </a:p>
-          <a:p>
-            <a:r>
-              <a:rPr lang="en-GB" sz="2600" dirty="0">
-                <a:hlinkClick r:id="rId5"/>
-              </a:rPr>
-              <a:t>GPT-2</a:t>
+              <a:t>idirectional: </a:t>
             </a:r>
             <a:r>
               <a:rPr lang="en-GB" sz="2600" dirty="0"/>
-              <a:t>, GPT-3</a:t>
-            </a:r>
-            <a:r>
-              <a:rPr lang="en-DE" sz="2600" dirty="0"/>
-              <a:t>: also zero- or few-shot learning (no parameter or architecture updates)</a:t>
-            </a:r>
-          </a:p>
-          <a:p>
-            <a:r>
-              <a:rPr lang="en-GB" sz="2600" dirty="0">
-                <a:hlinkClick r:id="rId6"/>
-              </a:rPr>
-              <a:t>GPT-4</a:t>
-            </a:r>
-            <a:r>
-              <a:rPr lang="en-DE" sz="2600" dirty="0"/>
-              <a:t>: extend to multimodal model (image and text inputs, text outputs)</a:t>
+              <a:t>jointly conditioning on both left and right context</a:t>
+            </a:r>
+            <a:endParaRPr lang="en-DE" sz="2600" dirty="0"/>
+          </a:p>
+          <a:p>
+            <a:r>
+              <a:rPr lang="en-GB" sz="2600" dirty="0"/>
+              <a:t>pre-trained in self-supervised manner on massive data sets</a:t>
+            </a:r>
+          </a:p>
+          <a:p>
+            <a:pPr lvl="1"/>
+            <a:r>
+              <a:rPr lang="en-GB" dirty="0"/>
+              <a:t>masked tokens to be predicted from context</a:t>
+            </a:r>
+          </a:p>
+          <a:p>
+            <a:pPr lvl="1"/>
+            <a:r>
+              <a:rPr lang="en-GB" dirty="0"/>
+              <a:t>next sentence prediction</a:t>
             </a:r>
           </a:p>
         </p:txBody>
@@ -8825,7 +9282,7 @@
           <p:cNvPr id="4" name="Slide Number Placeholder 3">
             <a:extLst>
               <a:ext uri="{FF2B5EF4-FFF2-40B4-BE49-F238E27FC236}">
-                <a16:creationId xmlns:a16="http://schemas.microsoft.com/office/drawing/2014/main" id="{1C62DF1F-CE76-8FAE-EDB4-4B22AB609EFE}"/>
+                <a16:creationId xmlns:a16="http://schemas.microsoft.com/office/drawing/2014/main" id="{1834DC41-7C26-D581-9A80-C62A60BFD3E2}"/>
               </a:ext>
             </a:extLst>
           </p:cNvPr>
@@ -8849,90 +9306,10 @@
           </a:p>
         </p:txBody>
       </p:sp>
-      <p:sp>
-        <p:nvSpPr>
-          <p:cNvPr id="5" name="TextBox 4">
-            <a:extLst>
-              <a:ext uri="{FF2B5EF4-FFF2-40B4-BE49-F238E27FC236}">
-                <a16:creationId xmlns:a16="http://schemas.microsoft.com/office/drawing/2014/main" id="{C37A9C10-65EB-EB41-C373-8724DC38C102}"/>
-              </a:ext>
-            </a:extLst>
-          </p:cNvPr>
-          <p:cNvSpPr txBox="1"/>
-          <p:nvPr/>
-        </p:nvSpPr>
-        <p:spPr>
-          <a:xfrm>
-            <a:off x="1114097" y="5987018"/>
-            <a:ext cx="1239122" cy="369332"/>
-          </a:xfrm>
-          <a:prstGeom prst="rect">
-            <a:avLst/>
-          </a:prstGeom>
-          <a:noFill/>
-        </p:spPr>
-        <p:txBody>
-          <a:bodyPr wrap="none" rtlCol="0">
-            <a:spAutoFit/>
-          </a:bodyPr>
-          <a:lstStyle/>
-          <a:p>
-            <a:r>
-              <a:rPr lang="en-DE" dirty="0">
-                <a:hlinkClick r:id="rId7"/>
-              </a:rPr>
-              <a:t>capabilities</a:t>
-            </a:r>
-            <a:endParaRPr lang="en-DE" dirty="0"/>
-          </a:p>
-        </p:txBody>
-      </p:sp>
-      <p:sp>
-        <p:nvSpPr>
-          <p:cNvPr id="7" name="TextBox 6">
-            <a:extLst>
-              <a:ext uri="{FF2B5EF4-FFF2-40B4-BE49-F238E27FC236}">
-                <a16:creationId xmlns:a16="http://schemas.microsoft.com/office/drawing/2014/main" id="{B08A201D-C63F-DBAE-A32A-E2FDEA988DED}"/>
-              </a:ext>
-            </a:extLst>
-          </p:cNvPr>
-          <p:cNvSpPr txBox="1"/>
-          <p:nvPr/>
-        </p:nvSpPr>
-        <p:spPr>
-          <a:xfrm>
-            <a:off x="10330249" y="136525"/>
-            <a:ext cx="1861751" cy="646331"/>
-          </a:xfrm>
-          <a:prstGeom prst="rect">
-            <a:avLst/>
-          </a:prstGeom>
-          <a:noFill/>
-        </p:spPr>
-        <p:txBody>
-          <a:bodyPr wrap="square">
-            <a:spAutoFit/>
-          </a:bodyPr>
-          <a:lstStyle/>
-          <a:p>
-            <a:r>
-              <a:rPr lang="en-GB" dirty="0"/>
-              <a:t>another example: Meta’s </a:t>
-            </a:r>
-            <a:r>
-              <a:rPr lang="en-GB" dirty="0">
-                <a:hlinkClick r:id="rId8"/>
-              </a:rPr>
-              <a:t>Llama2</a:t>
-            </a:r>
-            <a:endParaRPr lang="en-GB" dirty="0"/>
-          </a:p>
-        </p:txBody>
-      </p:sp>
     </p:spTree>
     <p:extLst>
       <p:ext uri="{BB962C8B-B14F-4D97-AF65-F5344CB8AC3E}">
-        <p14:creationId xmlns:p14="http://schemas.microsoft.com/office/powerpoint/2010/main" val="2356046642"/>
+        <p14:creationId xmlns:p14="http://schemas.microsoft.com/office/powerpoint/2010/main" val="2969220979"/>
       </p:ext>
     </p:extLst>
   </p:cSld>
@@ -8964,7 +9341,7 @@
           <p:cNvPr id="2" name="Title 1">
             <a:extLst>
               <a:ext uri="{FF2B5EF4-FFF2-40B4-BE49-F238E27FC236}">
-                <a16:creationId xmlns:a16="http://schemas.microsoft.com/office/drawing/2014/main" id="{B3CEFB21-2CCA-564A-D312-3A4B41E5AAE8}"/>
+                <a16:creationId xmlns:a16="http://schemas.microsoft.com/office/drawing/2014/main" id="{F4B34BCA-6F2E-E1E0-5E78-C602E733CA5E}"/>
               </a:ext>
             </a:extLst>
           </p:cNvPr>
@@ -8981,9 +9358,18 @@
           <a:lstStyle/>
           <a:p>
             <a:r>
+              <a:rPr lang="en-GB" dirty="0"/>
+              <a:t>Example for D</a:t>
+            </a:r>
+            <a:r>
               <a:rPr lang="en-DE" dirty="0"/>
-              <a:t>Transfer Learning from Foundation Models</a:t>
-            </a:r>
+              <a:t>ecoder-Only </a:t>
+            </a:r>
+            <a:r>
+              <a:rPr lang="en-GB" dirty="0"/>
+              <a:t>LLM</a:t>
+            </a:r>
+            <a:endParaRPr lang="en-DE" dirty="0"/>
           </a:p>
         </p:txBody>
       </p:sp>
@@ -8992,7 +9378,7 @@
           <p:cNvPr id="3" name="Content Placeholder 2">
             <a:extLst>
               <a:ext uri="{FF2B5EF4-FFF2-40B4-BE49-F238E27FC236}">
-                <a16:creationId xmlns:a16="http://schemas.microsoft.com/office/drawing/2014/main" id="{372A853E-ED3E-6E47-BE06-20A4A0B49340}"/>
+                <a16:creationId xmlns:a16="http://schemas.microsoft.com/office/drawing/2014/main" id="{D878DA15-F9B0-18B3-B458-752CD40FD84B}"/>
               </a:ext>
             </a:extLst>
           </p:cNvPr>
@@ -9003,15 +9389,10 @@
             <p:ph idx="1"/>
           </p:nvPr>
         </p:nvSpPr>
-        <p:spPr>
-          <a:xfrm>
-            <a:off x="838200" y="1750209"/>
-            <a:ext cx="10515600" cy="2797077"/>
-          </a:xfrm>
-        </p:spPr>
+        <p:spPr/>
         <p:txBody>
           <a:bodyPr>
-            <a:normAutofit fontScale="85000" lnSpcReduction="20000"/>
+            <a:normAutofit lnSpcReduction="10000"/>
           </a:bodyPr>
           <a:lstStyle/>
           <a:p>
@@ -9019,48 +9400,112 @@
               <a:buNone/>
             </a:pPr>
             <a:r>
-              <a:rPr lang="en-GB" dirty="0"/>
-              <a:t>compositional nature of deep learning allows learning in a semi-supervised way (also prominent for CNNs in computer vision):</a:t>
-            </a:r>
-          </a:p>
-          <a:p>
-            <a:r>
-              <a:rPr lang="en-GB" dirty="0"/>
-              <a:t>u</a:t>
-            </a:r>
-            <a:r>
-              <a:rPr lang="en-DE" dirty="0"/>
-              <a:t>nsupervised (or rather self-supervised) </a:t>
-            </a:r>
-            <a:r>
-              <a:rPr lang="en-GB" dirty="0"/>
+              <a:rPr lang="en-DE" sz="2600" dirty="0">
+                <a:hlinkClick r:id="rId2"/>
+              </a:rPr>
+              <a:t>GPT</a:t>
+            </a:r>
+            <a:r>
+              <a:rPr lang="en-DE" sz="2600" dirty="0"/>
+              <a:t> (Generative Pre-trained Transformer, by O</a:t>
+            </a:r>
+            <a:r>
+              <a:rPr lang="en-GB" sz="2600" dirty="0"/>
               <a:t>p</a:t>
             </a:r>
             <a:r>
-              <a:rPr lang="en-DE" dirty="0"/>
-              <a:t>re-training on massive data sets (foundation models like GPT or BERT)</a:t>
-            </a:r>
-            <a:endParaRPr lang="en-GB" dirty="0"/>
-          </a:p>
-          <a:p>
-            <a:r>
-              <a:rPr lang="en-GB" dirty="0"/>
-              <a:t>subsequent discriminative (supervised) fine-tuning on specific tasks and data sets (by adapting parameters or/and adding layers )</a:t>
-            </a:r>
-          </a:p>
-          <a:p>
-            <a:pPr marL="0" indent="0">
-              <a:buNone/>
-            </a:pPr>
-            <a:endParaRPr lang="en-GB" dirty="0"/>
-          </a:p>
-          <a:p>
-            <a:pPr marL="0" indent="0">
-              <a:buNone/>
-            </a:pPr>
-            <a:r>
-              <a:rPr lang="en-GB" dirty="0"/>
-              <a:t>two other ways for improving general chat capabilities:</a:t>
+              <a:rPr lang="en-DE" sz="2600" dirty="0"/>
+              <a:t>enAI) series:</a:t>
+            </a:r>
+          </a:p>
+          <a:p>
+            <a:r>
+              <a:rPr lang="en-GB" sz="2600" dirty="0"/>
+              <a:t>stack of transformer d</a:t>
+            </a:r>
+            <a:r>
+              <a:rPr lang="en-DE" sz="2600" dirty="0"/>
+              <a:t>ecoders</a:t>
+            </a:r>
+            <a:r>
+              <a:rPr lang="en-GB" sz="2600" dirty="0"/>
+              <a:t> </a:t>
+            </a:r>
+            <a:r>
+              <a:rPr lang="en-GB" sz="2600" dirty="0">
+                <a:sym typeface="Wingdings" pitchFamily="2" charset="2"/>
+              </a:rPr>
+              <a:t> </a:t>
+            </a:r>
+            <a:r>
+              <a:rPr lang="en-GB" sz="2600" dirty="0"/>
+              <a:t>a</a:t>
+            </a:r>
+            <a:r>
+              <a:rPr lang="en-DE" sz="2600" dirty="0"/>
+              <a:t>uto-regressive language model</a:t>
+            </a:r>
+          </a:p>
+          <a:p>
+            <a:r>
+              <a:rPr lang="en-GB" sz="2600" dirty="0"/>
+              <a:t>generative pre-training: self-supervised generation of text (i.e., next-word predictions) on massive web scrape data sets</a:t>
+            </a:r>
+          </a:p>
+          <a:p>
+            <a:r>
+              <a:rPr lang="en-DE" sz="2600" dirty="0">
+                <a:hlinkClick r:id="rId3"/>
+              </a:rPr>
+              <a:t>GPT-3</a:t>
+            </a:r>
+            <a:r>
+              <a:rPr lang="en-DE" sz="2600" dirty="0"/>
+              <a:t>: 175 billion parameters (Google’s </a:t>
+            </a:r>
+            <a:r>
+              <a:rPr lang="en-DE" sz="2600" dirty="0">
+                <a:hlinkClick r:id="rId4"/>
+              </a:rPr>
+              <a:t>PaLM</a:t>
+            </a:r>
+            <a:r>
+              <a:rPr lang="en-DE" sz="2600" dirty="0"/>
+              <a:t>: 540 billion parameters, …)</a:t>
+            </a:r>
+          </a:p>
+          <a:p>
+            <a:r>
+              <a:rPr lang="en-DE" sz="2600" dirty="0"/>
+              <a:t>GPT: discriminative fine-tuning on specific tasks (e.g., summarization, translation, question-answering) with much smaller data sets</a:t>
+            </a:r>
+          </a:p>
+          <a:p>
+            <a:r>
+              <a:rPr lang="en-GB" sz="2600" dirty="0">
+                <a:hlinkClick r:id="rId5"/>
+              </a:rPr>
+              <a:t>GPT-2</a:t>
+            </a:r>
+            <a:r>
+              <a:rPr lang="en-GB" sz="2600" dirty="0"/>
+              <a:t>, GPT-3</a:t>
+            </a:r>
+            <a:r>
+              <a:rPr lang="en-DE" sz="2600" dirty="0"/>
+              <a:t>: also zero- or few-shot learning (no parameter or architecture updates)</a:t>
+            </a:r>
+          </a:p>
+          <a:p>
+            <a:r>
+              <a:rPr lang="en-GB" sz="2600" dirty="0">
+                <a:hlinkClick r:id="rId6"/>
+              </a:rPr>
+              <a:t>GPT-4</a:t>
+            </a:r>
+            <a:r>
+              <a:rPr lang="en-DE" sz="2600" dirty="0"/>
+              <a:t>: extend to multimodal model (image and text inputs, text outputs)</a:t>
             </a:r>
           </a:p>
         </p:txBody>
@@ -9070,7 +9515,7 @@
           <p:cNvPr id="4" name="Slide Number Placeholder 3">
             <a:extLst>
               <a:ext uri="{FF2B5EF4-FFF2-40B4-BE49-F238E27FC236}">
-                <a16:creationId xmlns:a16="http://schemas.microsoft.com/office/drawing/2014/main" id="{FDB15F20-2568-EEBA-AF76-03A86D63DFE2}"/>
+                <a16:creationId xmlns:a16="http://schemas.microsoft.com/office/drawing/2014/main" id="{1C62DF1F-CE76-8FAE-EDB4-4B22AB609EFE}"/>
               </a:ext>
             </a:extLst>
           </p:cNvPr>
@@ -9094,52 +9539,22 @@
           </a:p>
         </p:txBody>
       </p:sp>
-      <p:pic>
-        <p:nvPicPr>
-          <p:cNvPr id="7" name="Picture 6">
-            <a:extLst>
-              <a:ext uri="{FF2B5EF4-FFF2-40B4-BE49-F238E27FC236}">
-                <a16:creationId xmlns:a16="http://schemas.microsoft.com/office/drawing/2014/main" id="{18758AB1-B3B0-0616-5CEB-865CA618E6D8}"/>
-              </a:ext>
-            </a:extLst>
-          </p:cNvPr>
-          <p:cNvPicPr>
-            <a:picLocks noChangeAspect="1"/>
-          </p:cNvPicPr>
+      <p:sp>
+        <p:nvSpPr>
+          <p:cNvPr id="5" name="TextBox 4">
+            <a:extLst>
+              <a:ext uri="{FF2B5EF4-FFF2-40B4-BE49-F238E27FC236}">
+                <a16:creationId xmlns:a16="http://schemas.microsoft.com/office/drawing/2014/main" id="{C37A9C10-65EB-EB41-C373-8724DC38C102}"/>
+              </a:ext>
+            </a:extLst>
+          </p:cNvPr>
+          <p:cNvSpPr txBox="1"/>
           <p:nvPr/>
-        </p:nvPicPr>
-        <p:blipFill>
-          <a:blip r:embed="rId2"/>
-          <a:stretch>
-            <a:fillRect/>
-          </a:stretch>
-        </p:blipFill>
+        </p:nvSpPr>
         <p:spPr>
           <a:xfrm>
-            <a:off x="2613454" y="4552654"/>
-            <a:ext cx="6965091" cy="2261627"/>
-          </a:xfrm>
-          <a:prstGeom prst="rect">
-            <a:avLst/>
-          </a:prstGeom>
-        </p:spPr>
-      </p:pic>
-      <p:sp>
-        <p:nvSpPr>
-          <p:cNvPr id="8" name="TextBox 7">
-            <a:extLst>
-              <a:ext uri="{FF2B5EF4-FFF2-40B4-BE49-F238E27FC236}">
-                <a16:creationId xmlns:a16="http://schemas.microsoft.com/office/drawing/2014/main" id="{CCBF6A85-5F13-3267-7016-A5B242B7FF98}"/>
-              </a:ext>
-            </a:extLst>
-          </p:cNvPr>
-          <p:cNvSpPr txBox="1"/>
-          <p:nvPr/>
-        </p:nvSpPr>
-        <p:spPr>
-          <a:xfrm>
-            <a:off x="6302827" y="6428014"/>
-            <a:ext cx="532518" cy="246221"/>
+            <a:off x="1114097" y="5987018"/>
+            <a:ext cx="1239122" cy="369332"/>
           </a:xfrm>
           <a:prstGeom prst="rect">
             <a:avLst/>
@@ -9147,25 +9562,67 @@
           <a:noFill/>
         </p:spPr>
         <p:txBody>
-          <a:bodyPr wrap="square" rtlCol="0">
+          <a:bodyPr wrap="none" rtlCol="0">
             <a:spAutoFit/>
           </a:bodyPr>
           <a:lstStyle/>
           <a:p>
             <a:r>
-              <a:rPr lang="de-DE" sz="1000" dirty="0">
-                <a:hlinkClick r:id="rId3"/>
+              <a:rPr lang="en-DE" dirty="0">
+                <a:hlinkClick r:id="rId7"/>
               </a:rPr>
-              <a:t>source</a:t>
-            </a:r>
-            <a:endParaRPr lang="de-DE" sz="1000" dirty="0"/>
+              <a:t>capabilities</a:t>
+            </a:r>
+            <a:endParaRPr lang="en-DE" dirty="0"/>
+          </a:p>
+        </p:txBody>
+      </p:sp>
+      <p:sp>
+        <p:nvSpPr>
+          <p:cNvPr id="7" name="TextBox 6">
+            <a:extLst>
+              <a:ext uri="{FF2B5EF4-FFF2-40B4-BE49-F238E27FC236}">
+                <a16:creationId xmlns:a16="http://schemas.microsoft.com/office/drawing/2014/main" id="{B08A201D-C63F-DBAE-A32A-E2FDEA988DED}"/>
+              </a:ext>
+            </a:extLst>
+          </p:cNvPr>
+          <p:cNvSpPr txBox="1"/>
+          <p:nvPr/>
+        </p:nvSpPr>
+        <p:spPr>
+          <a:xfrm>
+            <a:off x="10330249" y="136525"/>
+            <a:ext cx="1861751" cy="646331"/>
+          </a:xfrm>
+          <a:prstGeom prst="rect">
+            <a:avLst/>
+          </a:prstGeom>
+          <a:noFill/>
+        </p:spPr>
+        <p:txBody>
+          <a:bodyPr wrap="square">
+            <a:spAutoFit/>
+          </a:bodyPr>
+          <a:lstStyle/>
+          <a:p>
+            <a:r>
+              <a:rPr lang="en-GB" dirty="0"/>
+              <a:t>another example: Meta’s </a:t>
+            </a:r>
+            <a:r>
+              <a:rPr lang="en-GB" dirty="0">
+                <a:hlinkClick r:id="rId8"/>
+              </a:rPr>
+              <a:t>Llama2</a:t>
+            </a:r>
+            <a:endParaRPr lang="en-GB" dirty="0"/>
           </a:p>
         </p:txBody>
       </p:sp>
     </p:spTree>
     <p:extLst>
       <p:ext uri="{BB962C8B-B14F-4D97-AF65-F5344CB8AC3E}">
-        <p14:creationId xmlns:p14="http://schemas.microsoft.com/office/powerpoint/2010/main" val="3433214716"/>
+        <p14:creationId xmlns:p14="http://schemas.microsoft.com/office/powerpoint/2010/main" val="2356046642"/>
       </p:ext>
     </p:extLst>
   </p:cSld>
@@ -9192,6 +9649,239 @@
           <a:chExt cx="0" cy="0"/>
         </a:xfrm>
       </p:grpSpPr>
+      <p:sp>
+        <p:nvSpPr>
+          <p:cNvPr id="2" name="Title 1">
+            <a:extLst>
+              <a:ext uri="{FF2B5EF4-FFF2-40B4-BE49-F238E27FC236}">
+                <a16:creationId xmlns:a16="http://schemas.microsoft.com/office/drawing/2014/main" id="{B3CEFB21-2CCA-564A-D312-3A4B41E5AAE8}"/>
+              </a:ext>
+            </a:extLst>
+          </p:cNvPr>
+          <p:cNvSpPr>
+            <a:spLocks noGrp="1"/>
+          </p:cNvSpPr>
+          <p:nvPr>
+            <p:ph type="title"/>
+          </p:nvPr>
+        </p:nvSpPr>
+        <p:spPr/>
+        <p:txBody>
+          <a:bodyPr/>
+          <a:lstStyle/>
+          <a:p>
+            <a:r>
+              <a:rPr lang="en-DE" dirty="0"/>
+              <a:t>Transfer Learning from Foundation Models</a:t>
+            </a:r>
+          </a:p>
+        </p:txBody>
+      </p:sp>
+      <p:sp>
+        <p:nvSpPr>
+          <p:cNvPr id="3" name="Content Placeholder 2">
+            <a:extLst>
+              <a:ext uri="{FF2B5EF4-FFF2-40B4-BE49-F238E27FC236}">
+                <a16:creationId xmlns:a16="http://schemas.microsoft.com/office/drawing/2014/main" id="{372A853E-ED3E-6E47-BE06-20A4A0B49340}"/>
+              </a:ext>
+            </a:extLst>
+          </p:cNvPr>
+          <p:cNvSpPr>
+            <a:spLocks noGrp="1"/>
+          </p:cNvSpPr>
+          <p:nvPr>
+            <p:ph idx="1"/>
+          </p:nvPr>
+        </p:nvSpPr>
+        <p:spPr>
+          <a:xfrm>
+            <a:off x="838200" y="1750209"/>
+            <a:ext cx="10515600" cy="2797077"/>
+          </a:xfrm>
+        </p:spPr>
+        <p:txBody>
+          <a:bodyPr>
+            <a:normAutofit fontScale="85000" lnSpcReduction="20000"/>
+          </a:bodyPr>
+          <a:lstStyle/>
+          <a:p>
+            <a:pPr marL="0" indent="0">
+              <a:buNone/>
+            </a:pPr>
+            <a:r>
+              <a:rPr lang="en-GB" dirty="0"/>
+              <a:t>compositional nature of deep learning allows learning in a semi-supervised way (also prominent for CNNs in computer vision):</a:t>
+            </a:r>
+          </a:p>
+          <a:p>
+            <a:r>
+              <a:rPr lang="en-GB" dirty="0"/>
+              <a:t>u</a:t>
+            </a:r>
+            <a:r>
+              <a:rPr lang="en-DE" dirty="0"/>
+              <a:t>nsupervised (or rather self-supervised) </a:t>
+            </a:r>
+            <a:r>
+              <a:rPr lang="en-GB" dirty="0"/>
+              <a:t>p</a:t>
+            </a:r>
+            <a:r>
+              <a:rPr lang="en-DE" dirty="0"/>
+              <a:t>re-training on massive data sets (foundation models like GPT or BERT)</a:t>
+            </a:r>
+            <a:endParaRPr lang="en-GB" dirty="0"/>
+          </a:p>
+          <a:p>
+            <a:r>
+              <a:rPr lang="en-GB" dirty="0"/>
+              <a:t>subsequent discriminative (supervised) fine-tuning on specific tasks and data sets (by adapting parameters or/and adding layers )</a:t>
+            </a:r>
+          </a:p>
+          <a:p>
+            <a:pPr marL="0" indent="0">
+              <a:buNone/>
+            </a:pPr>
+            <a:endParaRPr lang="en-GB" dirty="0"/>
+          </a:p>
+          <a:p>
+            <a:pPr marL="0" indent="0">
+              <a:buNone/>
+            </a:pPr>
+            <a:r>
+              <a:rPr lang="en-GB" dirty="0"/>
+              <a:t>two other ways for improving general chat capabilities:</a:t>
+            </a:r>
+          </a:p>
+        </p:txBody>
+      </p:sp>
+      <p:sp>
+        <p:nvSpPr>
+          <p:cNvPr id="4" name="Slide Number Placeholder 3">
+            <a:extLst>
+              <a:ext uri="{FF2B5EF4-FFF2-40B4-BE49-F238E27FC236}">
+                <a16:creationId xmlns:a16="http://schemas.microsoft.com/office/drawing/2014/main" id="{FDB15F20-2568-EEBA-AF76-03A86D63DFE2}"/>
+              </a:ext>
+            </a:extLst>
+          </p:cNvPr>
+          <p:cNvSpPr>
+            <a:spLocks noGrp="1"/>
+          </p:cNvSpPr>
+          <p:nvPr>
+            <p:ph type="sldNum" sz="quarter" idx="12"/>
+          </p:nvPr>
+        </p:nvSpPr>
+        <p:spPr/>
+        <p:txBody>
+          <a:bodyPr/>
+          <a:lstStyle/>
+          <a:p>
+            <a:fld id="{849D05A8-43E9-1C49-8606-50AB68220DEC}" type="slidenum">
+              <a:rPr lang="en-DE" smtClean="0"/>
+              <a:t>7</a:t>
+            </a:fld>
+            <a:endParaRPr lang="en-DE"/>
+          </a:p>
+        </p:txBody>
+      </p:sp>
+      <p:pic>
+        <p:nvPicPr>
+          <p:cNvPr id="7" name="Picture 6">
+            <a:extLst>
+              <a:ext uri="{FF2B5EF4-FFF2-40B4-BE49-F238E27FC236}">
+                <a16:creationId xmlns:a16="http://schemas.microsoft.com/office/drawing/2014/main" id="{18758AB1-B3B0-0616-5CEB-865CA618E6D8}"/>
+              </a:ext>
+            </a:extLst>
+          </p:cNvPr>
+          <p:cNvPicPr>
+            <a:picLocks noChangeAspect="1"/>
+          </p:cNvPicPr>
+          <p:nvPr/>
+        </p:nvPicPr>
+        <p:blipFill>
+          <a:blip r:embed="rId2"/>
+          <a:stretch>
+            <a:fillRect/>
+          </a:stretch>
+        </p:blipFill>
+        <p:spPr>
+          <a:xfrm>
+            <a:off x="2613454" y="4552654"/>
+            <a:ext cx="6965091" cy="2261627"/>
+          </a:xfrm>
+          <a:prstGeom prst="rect">
+            <a:avLst/>
+          </a:prstGeom>
+        </p:spPr>
+      </p:pic>
+      <p:sp>
+        <p:nvSpPr>
+          <p:cNvPr id="8" name="TextBox 7">
+            <a:extLst>
+              <a:ext uri="{FF2B5EF4-FFF2-40B4-BE49-F238E27FC236}">
+                <a16:creationId xmlns:a16="http://schemas.microsoft.com/office/drawing/2014/main" id="{CCBF6A85-5F13-3267-7016-A5B242B7FF98}"/>
+              </a:ext>
+            </a:extLst>
+          </p:cNvPr>
+          <p:cNvSpPr txBox="1"/>
+          <p:nvPr/>
+        </p:nvSpPr>
+        <p:spPr>
+          <a:xfrm>
+            <a:off x="6302827" y="6428014"/>
+            <a:ext cx="532518" cy="246221"/>
+          </a:xfrm>
+          <a:prstGeom prst="rect">
+            <a:avLst/>
+          </a:prstGeom>
+          <a:noFill/>
+        </p:spPr>
+        <p:txBody>
+          <a:bodyPr wrap="square" rtlCol="0">
+            <a:spAutoFit/>
+          </a:bodyPr>
+          <a:lstStyle/>
+          <a:p>
+            <a:r>
+              <a:rPr lang="de-DE" sz="1000" dirty="0">
+                <a:hlinkClick r:id="rId3"/>
+              </a:rPr>
+              <a:t>source</a:t>
+            </a:r>
+            <a:endParaRPr lang="de-DE" sz="1000" dirty="0"/>
+          </a:p>
+        </p:txBody>
+      </p:sp>
+    </p:spTree>
+    <p:extLst>
+      <p:ext uri="{BB962C8B-B14F-4D97-AF65-F5344CB8AC3E}">
+        <p14:creationId xmlns:p14="http://schemas.microsoft.com/office/powerpoint/2010/main" val="3433214716"/>
+      </p:ext>
+    </p:extLst>
+  </p:cSld>
+  <p:clrMapOvr>
+    <a:masterClrMapping/>
+  </p:clrMapOvr>
+</p:sld>
+</file>
+
+<file path=ppt/slides/slide8.xml><?xml version="1.0" encoding="utf-8"?>
+<p:sld xmlns:a="http://schemas.openxmlformats.org/drawingml/2006/main" xmlns:r="http://schemas.openxmlformats.org/officeDocument/2006/relationships" xmlns:p="http://schemas.openxmlformats.org/presentationml/2006/main">
+  <p:cSld>
+    <p:spTree>
+      <p:nvGrpSpPr>
+        <p:cNvPr id="1" name=""/>
+        <p:cNvGrpSpPr/>
+        <p:nvPr/>
+      </p:nvGrpSpPr>
+      <p:grpSpPr>
+        <a:xfrm>
+          <a:off x="0" y="0"/>
+          <a:ext cx="0" cy="0"/>
+          <a:chOff x="0" y="0"/>
+          <a:chExt cx="0" cy="0"/>
+        </a:xfrm>
+      </p:grpSpPr>
       <p:pic>
         <p:nvPicPr>
           <p:cNvPr id="1026" name="Picture 2">
@@ -9376,7 +10066,7 @@
           <a:p>
             <a:fld id="{849D05A8-43E9-1C49-8606-50AB68220DEC}" type="slidenum">
               <a:rPr lang="en-DE" smtClean="0"/>
-              <a:t>7</a:t>
+              <a:t>8</a:t>
             </a:fld>
             <a:endParaRPr lang="en-DE"/>
           </a:p>
@@ -9433,7 +10123,7 @@
 </p:sld>
 </file>
 
-<file path=ppt/slides/slide8.xml><?xml version="1.0" encoding="utf-8"?>
+<file path=ppt/slides/slide9.xml><?xml version="1.0" encoding="utf-8"?>
 <p:sld xmlns:a="http://schemas.openxmlformats.org/drawingml/2006/main" xmlns:r="http://schemas.openxmlformats.org/officeDocument/2006/relationships" xmlns:p="http://schemas.openxmlformats.org/presentationml/2006/main">
   <p:cSld>
     <p:spTree>
@@ -9577,7 +10267,7 @@
           <a:p>
             <a:fld id="{849D05A8-43E9-1C49-8606-50AB68220DEC}" type="slidenum">
               <a:rPr lang="en-DE" smtClean="0"/>
-              <a:t>8</a:t>
+              <a:t>9</a:t>
             </a:fld>
             <a:endParaRPr lang="en-DE"/>
           </a:p>
@@ -9787,318 +10477,6 @@
     <p:extLst>
       <p:ext uri="{BB962C8B-B14F-4D97-AF65-F5344CB8AC3E}">
         <p14:creationId xmlns:p14="http://schemas.microsoft.com/office/powerpoint/2010/main" val="3407923991"/>
-      </p:ext>
-    </p:extLst>
-  </p:cSld>
-  <p:clrMapOvr>
-    <a:masterClrMapping/>
-  </p:clrMapOvr>
-</p:sld>
-</file>
-
-<file path=ppt/slides/slide9.xml><?xml version="1.0" encoding="utf-8"?>
-<p:sld xmlns:a="http://schemas.openxmlformats.org/drawingml/2006/main" xmlns:r="http://schemas.openxmlformats.org/officeDocument/2006/relationships" xmlns:p="http://schemas.openxmlformats.org/presentationml/2006/main">
-  <p:cSld>
-    <p:spTree>
-      <p:nvGrpSpPr>
-        <p:cNvPr id="1" name=""/>
-        <p:cNvGrpSpPr/>
-        <p:nvPr/>
-      </p:nvGrpSpPr>
-      <p:grpSpPr>
-        <a:xfrm>
-          <a:off x="0" y="0"/>
-          <a:ext cx="0" cy="0"/>
-          <a:chOff x="0" y="0"/>
-          <a:chExt cx="0" cy="0"/>
-        </a:xfrm>
-      </p:grpSpPr>
-      <p:sp>
-        <p:nvSpPr>
-          <p:cNvPr id="2" name="Title 1">
-            <a:extLst>
-              <a:ext uri="{FF2B5EF4-FFF2-40B4-BE49-F238E27FC236}">
-                <a16:creationId xmlns:a16="http://schemas.microsoft.com/office/drawing/2014/main" id="{329707D8-7D70-1621-CA69-082505373790}"/>
-              </a:ext>
-            </a:extLst>
-          </p:cNvPr>
-          <p:cNvSpPr>
-            <a:spLocks noGrp="1"/>
-          </p:cNvSpPr>
-          <p:nvPr>
-            <p:ph type="title"/>
-          </p:nvPr>
-        </p:nvSpPr>
-        <p:spPr/>
-        <p:txBody>
-          <a:bodyPr/>
-          <a:lstStyle/>
-          <a:p>
-            <a:r>
-              <a:rPr lang="en-GB" dirty="0"/>
-              <a:t>Prompt Engineering with Examples</a:t>
-            </a:r>
-            <a:endParaRPr lang="en-DE" dirty="0"/>
-          </a:p>
-        </p:txBody>
-      </p:sp>
-      <p:sp>
-        <p:nvSpPr>
-          <p:cNvPr id="3" name="Content Placeholder 2">
-            <a:extLst>
-              <a:ext uri="{FF2B5EF4-FFF2-40B4-BE49-F238E27FC236}">
-                <a16:creationId xmlns:a16="http://schemas.microsoft.com/office/drawing/2014/main" id="{0FF052F2-8861-3DD3-0CCE-B121CE6FA32C}"/>
-              </a:ext>
-            </a:extLst>
-          </p:cNvPr>
-          <p:cNvSpPr>
-            <a:spLocks noGrp="1"/>
-          </p:cNvSpPr>
-          <p:nvPr>
-            <p:ph idx="1"/>
-          </p:nvPr>
-        </p:nvSpPr>
-        <p:spPr>
-          <a:xfrm>
-            <a:off x="838200" y="1614616"/>
-            <a:ext cx="5047267" cy="4878259"/>
-          </a:xfrm>
-        </p:spPr>
-        <p:txBody>
-          <a:bodyPr>
-            <a:normAutofit/>
-          </a:bodyPr>
-          <a:lstStyle/>
-          <a:p>
-            <a:pPr marL="0" indent="0">
-              <a:buNone/>
-            </a:pPr>
-            <a:r>
-              <a:rPr lang="en-GB" sz="2400" dirty="0"/>
-              <a:t>text generation in response to priming with arbitrary input (adapting to style and content of conditioning text)</a:t>
-            </a:r>
-          </a:p>
-          <a:p>
-            <a:pPr marL="0" indent="0">
-              <a:buNone/>
-            </a:pPr>
-            <a:r>
-              <a:rPr lang="en-GB" sz="2400" dirty="0"/>
-              <a:t>one (one-shot) or some (few-shot) examples provided at inference time: </a:t>
-            </a:r>
-            <a:r>
-              <a:rPr lang="en-GB" sz="2400" b="0" i="0" u="none" strike="noStrike" dirty="0">
-                <a:solidFill>
-                  <a:srgbClr val="212529"/>
-                </a:solidFill>
-                <a:effectLst/>
-              </a:rPr>
-              <a:t>conditioning on these input-output examples (without optimizing any parameters)</a:t>
-            </a:r>
-          </a:p>
-          <a:p>
-            <a:pPr marL="0" indent="0">
-              <a:buNone/>
-            </a:pPr>
-            <a:r>
-              <a:rPr lang="en-GB" sz="2400" dirty="0">
-                <a:solidFill>
-                  <a:srgbClr val="212529"/>
-                </a:solidFill>
-              </a:rPr>
-              <a:t>z</a:t>
-            </a:r>
-            <a:r>
-              <a:rPr lang="en-GB" sz="2400" b="0" i="0" u="none" strike="noStrike" dirty="0">
-                <a:solidFill>
-                  <a:srgbClr val="212529"/>
-                </a:solidFill>
-                <a:effectLst/>
-              </a:rPr>
-              <a:t>ero-shot learning: no examples, just instructions </a:t>
-            </a:r>
-            <a:r>
-              <a:rPr lang="en-GB" sz="2400" b="0" i="0" u="none" strike="noStrike" dirty="0">
-                <a:solidFill>
-                  <a:srgbClr val="212529"/>
-                </a:solidFill>
-                <a:effectLst/>
-                <a:sym typeface="Wingdings" panose="05000000000000000000" pitchFamily="2" charset="2"/>
-              </a:rPr>
-              <a:t> multi-task learning</a:t>
-            </a:r>
-            <a:endParaRPr lang="en-GB" sz="2400" b="0" i="0" u="none" strike="noStrike" dirty="0">
-              <a:solidFill>
-                <a:srgbClr val="212529"/>
-              </a:solidFill>
-              <a:effectLst/>
-            </a:endParaRPr>
-          </a:p>
-          <a:p>
-            <a:pPr marL="0" indent="0">
-              <a:buNone/>
-            </a:pPr>
-            <a:r>
-              <a:rPr lang="en-GB" sz="2400" b="0" i="0" u="none" strike="noStrike" dirty="0">
-                <a:solidFill>
-                  <a:srgbClr val="212529"/>
-                </a:solidFill>
-                <a:effectLst/>
-              </a:rPr>
-              <a:t>possible explanation: locating latent concepts (</a:t>
-            </a:r>
-            <a:r>
-              <a:rPr lang="en-GB" sz="2400" dirty="0"/>
-              <a:t>high-level abstractions</a:t>
-            </a:r>
-            <a:r>
-              <a:rPr lang="en-GB" sz="2400" b="0" i="0" u="none" strike="noStrike" dirty="0">
-                <a:solidFill>
-                  <a:srgbClr val="212529"/>
-                </a:solidFill>
-                <a:effectLst/>
-              </a:rPr>
-              <a:t>) learned from pre-training</a:t>
-            </a:r>
-          </a:p>
-        </p:txBody>
-      </p:sp>
-      <p:pic>
-        <p:nvPicPr>
-          <p:cNvPr id="6" name="Picture 5">
-            <a:extLst>
-              <a:ext uri="{FF2B5EF4-FFF2-40B4-BE49-F238E27FC236}">
-                <a16:creationId xmlns:a16="http://schemas.microsoft.com/office/drawing/2014/main" id="{4AEC0283-275A-FC1B-C3EB-F267DC1B1D64}"/>
-              </a:ext>
-            </a:extLst>
-          </p:cNvPr>
-          <p:cNvPicPr>
-            <a:picLocks noChangeAspect="1"/>
-          </p:cNvPicPr>
-          <p:nvPr/>
-        </p:nvPicPr>
-        <p:blipFill>
-          <a:blip r:embed="rId2"/>
-          <a:stretch>
-            <a:fillRect/>
-          </a:stretch>
-        </p:blipFill>
-        <p:spPr>
-          <a:xfrm>
-            <a:off x="6306534" y="1709542"/>
-            <a:ext cx="5841213" cy="5113354"/>
-          </a:xfrm>
-          <a:prstGeom prst="rect">
-            <a:avLst/>
-          </a:prstGeom>
-        </p:spPr>
-      </p:pic>
-      <p:sp>
-        <p:nvSpPr>
-          <p:cNvPr id="4" name="Slide Number Placeholder 3">
-            <a:extLst>
-              <a:ext uri="{FF2B5EF4-FFF2-40B4-BE49-F238E27FC236}">
-                <a16:creationId xmlns:a16="http://schemas.microsoft.com/office/drawing/2014/main" id="{13B8347F-4085-7562-5469-75886FFC2864}"/>
-              </a:ext>
-            </a:extLst>
-          </p:cNvPr>
-          <p:cNvSpPr>
-            <a:spLocks noGrp="1"/>
-          </p:cNvSpPr>
-          <p:nvPr>
-            <p:ph type="sldNum" sz="quarter" idx="12"/>
-          </p:nvPr>
-        </p:nvSpPr>
-        <p:spPr/>
-        <p:txBody>
-          <a:bodyPr/>
-          <a:lstStyle/>
-          <a:p>
-            <a:fld id="{849D05A8-43E9-1C49-8606-50AB68220DEC}" type="slidenum">
-              <a:rPr lang="en-DE" smtClean="0"/>
-              <a:t>9</a:t>
-            </a:fld>
-            <a:endParaRPr lang="en-DE"/>
-          </a:p>
-        </p:txBody>
-      </p:sp>
-      <p:sp>
-        <p:nvSpPr>
-          <p:cNvPr id="8" name="TextBox 7">
-            <a:extLst>
-              <a:ext uri="{FF2B5EF4-FFF2-40B4-BE49-F238E27FC236}">
-                <a16:creationId xmlns:a16="http://schemas.microsoft.com/office/drawing/2014/main" id="{1D237635-45FF-B3C7-A795-E0DCFB2C4D23}"/>
-              </a:ext>
-            </a:extLst>
-          </p:cNvPr>
-          <p:cNvSpPr txBox="1"/>
-          <p:nvPr/>
-        </p:nvSpPr>
-        <p:spPr>
-          <a:xfrm>
-            <a:off x="9612198" y="5885597"/>
-            <a:ext cx="759240" cy="369332"/>
-          </a:xfrm>
-          <a:prstGeom prst="rect">
-            <a:avLst/>
-          </a:prstGeom>
-          <a:noFill/>
-        </p:spPr>
-        <p:txBody>
-          <a:bodyPr wrap="square">
-            <a:spAutoFit/>
-          </a:bodyPr>
-          <a:lstStyle/>
-          <a:p>
-            <a:r>
-              <a:rPr lang="en-DE" sz="1800" dirty="0">
-                <a:hlinkClick r:id="rId3"/>
-              </a:rPr>
-              <a:t>GPT-3</a:t>
-            </a:r>
-            <a:endParaRPr lang="en-DE" dirty="0"/>
-          </a:p>
-        </p:txBody>
-      </p:sp>
-      <p:sp>
-        <p:nvSpPr>
-          <p:cNvPr id="9" name="TextBox 8">
-            <a:extLst>
-              <a:ext uri="{FF2B5EF4-FFF2-40B4-BE49-F238E27FC236}">
-                <a16:creationId xmlns:a16="http://schemas.microsoft.com/office/drawing/2014/main" id="{9EC58322-7438-528A-2A58-E800CBA93D8B}"/>
-              </a:ext>
-            </a:extLst>
-          </p:cNvPr>
-          <p:cNvSpPr txBox="1"/>
-          <p:nvPr/>
-        </p:nvSpPr>
-        <p:spPr>
-          <a:xfrm>
-            <a:off x="6796726" y="1321356"/>
-            <a:ext cx="1579278" cy="369332"/>
-          </a:xfrm>
-          <a:prstGeom prst="rect">
-            <a:avLst/>
-          </a:prstGeom>
-          <a:noFill/>
-        </p:spPr>
-        <p:txBody>
-          <a:bodyPr wrap="none" rtlCol="0">
-            <a:spAutoFit/>
-          </a:bodyPr>
-          <a:lstStyle/>
-          <a:p>
-            <a:r>
-              <a:rPr lang="en-DE" dirty="0"/>
-              <a:t>no fine-tuning:</a:t>
-            </a:r>
-          </a:p>
-        </p:txBody>
-      </p:sp>
-    </p:spTree>
-    <p:extLst>
-      <p:ext uri="{BB962C8B-B14F-4D97-AF65-F5344CB8AC3E}">
-        <p14:creationId xmlns:p14="http://schemas.microsoft.com/office/powerpoint/2010/main" val="1251291221"/>
       </p:ext>
     </p:extLst>
   </p:cSld>

--- a/slides/LanguageModels_2.pptx
+++ b/slides/LanguageModels_2.pptx
@@ -5,7 +5,7 @@
     <p:sldMasterId id="2147483648" r:id="rId1"/>
   </p:sldMasterIdLst>
   <p:notesMasterIdLst>
-    <p:notesMasterId r:id="rId24"/>
+    <p:notesMasterId r:id="rId25"/>
   </p:notesMasterIdLst>
   <p:sldIdLst>
     <p:sldId id="278" r:id="rId2"/>
@@ -26,10 +26,11 @@
     <p:sldId id="338" r:id="rId17"/>
     <p:sldId id="287" r:id="rId18"/>
     <p:sldId id="695" r:id="rId19"/>
-    <p:sldId id="320" r:id="rId20"/>
-    <p:sldId id="334" r:id="rId21"/>
-    <p:sldId id="336" r:id="rId22"/>
-    <p:sldId id="693" r:id="rId23"/>
+    <p:sldId id="575" r:id="rId20"/>
+    <p:sldId id="320" r:id="rId21"/>
+    <p:sldId id="334" r:id="rId22"/>
+    <p:sldId id="336" r:id="rId23"/>
+    <p:sldId id="693" r:id="rId24"/>
   </p:sldIdLst>
   <p:sldSz cx="12192000" cy="6858000"/>
   <p:notesSz cx="6858000" cy="9144000"/>
@@ -966,7 +967,7 @@
           <a:p>
             <a:fld id="{22D193DB-18D6-9041-9C70-C24EC80A4B6E}" type="datetimeFigureOut">
               <a:rPr lang="en-DE" smtClean="0"/>
-              <a:t>06/09/2024</a:t>
+              <a:t>06/16/2024</a:t>
             </a:fld>
             <a:endParaRPr lang="en-DE"/>
           </a:p>
@@ -1383,7 +1384,7 @@
           <a:p>
             <a:fld id="{120A37E0-810F-7549-BC85-637D5E1FD51D}" type="datetime1">
               <a:rPr lang="de-DE" smtClean="0"/>
-              <a:t>09.06.2024</a:t>
+              <a:t>16.06.2024</a:t>
             </a:fld>
             <a:endParaRPr lang="en-DE"/>
           </a:p>
@@ -1583,7 +1584,7 @@
           <a:p>
             <a:fld id="{B5CDBC61-5CF0-994A-BBF1-D8BFDE2785EA}" type="datetime1">
               <a:rPr lang="de-DE" smtClean="0"/>
-              <a:t>09.06.2024</a:t>
+              <a:t>16.06.2024</a:t>
             </a:fld>
             <a:endParaRPr lang="en-DE"/>
           </a:p>
@@ -1793,7 +1794,7 @@
           <a:p>
             <a:fld id="{980A3FD2-7E37-5748-BA1D-94B47BDE01D2}" type="datetime1">
               <a:rPr lang="de-DE" smtClean="0"/>
-              <a:t>09.06.2024</a:t>
+              <a:t>16.06.2024</a:t>
             </a:fld>
             <a:endParaRPr lang="en-DE"/>
           </a:p>
@@ -1993,7 +1994,7 @@
           <a:p>
             <a:fld id="{4D11A56E-48A2-C749-920A-4760650BEACB}" type="datetime1">
               <a:rPr lang="de-DE" smtClean="0"/>
-              <a:t>09.06.2024</a:t>
+              <a:t>16.06.2024</a:t>
             </a:fld>
             <a:endParaRPr lang="en-DE"/>
           </a:p>
@@ -2269,7 +2270,7 @@
           <a:p>
             <a:fld id="{193B0F02-0DA7-1D4C-B01D-75FC069092E3}" type="datetime1">
               <a:rPr lang="de-DE" smtClean="0"/>
-              <a:t>09.06.2024</a:t>
+              <a:t>16.06.2024</a:t>
             </a:fld>
             <a:endParaRPr lang="en-DE"/>
           </a:p>
@@ -2537,7 +2538,7 @@
           <a:p>
             <a:fld id="{51E8D128-44CC-154C-A764-DD0D7DFC9804}" type="datetime1">
               <a:rPr lang="de-DE" smtClean="0"/>
-              <a:t>09.06.2024</a:t>
+              <a:t>16.06.2024</a:t>
             </a:fld>
             <a:endParaRPr lang="en-DE"/>
           </a:p>
@@ -2952,7 +2953,7 @@
           <a:p>
             <a:fld id="{E64FFC17-B050-FC42-BF31-AD49CE23E4C7}" type="datetime1">
               <a:rPr lang="de-DE" smtClean="0"/>
-              <a:t>09.06.2024</a:t>
+              <a:t>16.06.2024</a:t>
             </a:fld>
             <a:endParaRPr lang="en-DE"/>
           </a:p>
@@ -3094,7 +3095,7 @@
           <a:p>
             <a:fld id="{AAA4E4F4-7BF7-5E46-9EF1-2DD0A201804D}" type="datetime1">
               <a:rPr lang="de-DE" smtClean="0"/>
-              <a:t>09.06.2024</a:t>
+              <a:t>16.06.2024</a:t>
             </a:fld>
             <a:endParaRPr lang="en-DE"/>
           </a:p>
@@ -3207,7 +3208,7 @@
           <a:p>
             <a:fld id="{D36C36D5-B192-FA47-9073-DA2AE91E7929}" type="datetime1">
               <a:rPr lang="de-DE" smtClean="0"/>
-              <a:t>09.06.2024</a:t>
+              <a:t>16.06.2024</a:t>
             </a:fld>
             <a:endParaRPr lang="en-DE"/>
           </a:p>
@@ -3520,7 +3521,7 @@
           <a:p>
             <a:fld id="{9EF55385-6396-FD45-BEFF-727CA0DA3623}" type="datetime1">
               <a:rPr lang="de-DE" smtClean="0"/>
-              <a:t>09.06.2024</a:t>
+              <a:t>16.06.2024</a:t>
             </a:fld>
             <a:endParaRPr lang="en-DE"/>
           </a:p>
@@ -3809,7 +3810,7 @@
           <a:p>
             <a:fld id="{FC21FF0E-D010-174A-A1C6-50F9DF078759}" type="datetime1">
               <a:rPr lang="de-DE" smtClean="0"/>
-              <a:t>09.06.2024</a:t>
+              <a:t>16.06.2024</a:t>
             </a:fld>
             <a:endParaRPr lang="en-DE"/>
           </a:p>
@@ -4052,7 +4053,7 @@
           <a:p>
             <a:fld id="{575AFE25-413A-474D-A500-11DF768B34B3}" type="datetime1">
               <a:rPr lang="de-DE" smtClean="0"/>
-              <a:t>09.06.2024</a:t>
+              <a:t>16.06.2024</a:t>
             </a:fld>
             <a:endParaRPr lang="en-DE"/>
           </a:p>
@@ -6987,7 +6988,7 @@
           <a:p>
             <a:r>
               <a:rPr lang="en-GB" dirty="0"/>
-              <a:t>Limitations</a:t>
+              <a:t>LLM Agents</a:t>
             </a:r>
           </a:p>
         </p:txBody>
@@ -7010,39 +7011,71 @@
         </p:nvSpPr>
         <p:spPr/>
         <p:txBody>
-          <a:bodyPr/>
+          <a:bodyPr>
+            <a:normAutofit fontScale="92500"/>
+          </a:bodyPr>
           <a:lstStyle/>
           <a:p>
             <a:pPr marL="0" indent="0">
               <a:buNone/>
             </a:pPr>
             <a:r>
+              <a:rPr lang="en-GB" sz="2600" dirty="0"/>
+              <a:t>current AI good at learning statistical patterns and making predictions</a:t>
+            </a:r>
+          </a:p>
+          <a:p>
+            <a:pPr marL="0" indent="0">
+              <a:buNone/>
+            </a:pPr>
+            <a:endParaRPr lang="en-GB" sz="2600" dirty="0"/>
+          </a:p>
+          <a:p>
+            <a:pPr marL="0" indent="0">
+              <a:buNone/>
+            </a:pPr>
+            <a:r>
+              <a:rPr lang="en-GB" sz="2600" dirty="0"/>
+              <a:t>but no real “understanding”, and limited reasoning and planning capabilities</a:t>
+            </a:r>
+          </a:p>
+          <a:p>
+            <a:pPr marL="0" indent="0">
+              <a:buNone/>
+            </a:pPr>
+            <a:endParaRPr lang="en-GB" sz="2600" dirty="0"/>
+          </a:p>
+          <a:p>
+            <a:pPr marL="0" indent="0">
+              <a:buNone/>
+            </a:pPr>
+            <a:r>
               <a:rPr lang="en-GB" dirty="0"/>
-              <a:t>current AI good at learning statistical patterns and making predictions</a:t>
-            </a:r>
-          </a:p>
-          <a:p>
-            <a:pPr marL="0" indent="0">
-              <a:buNone/>
-            </a:pPr>
-            <a:endParaRPr lang="en-GB" dirty="0"/>
-          </a:p>
-          <a:p>
-            <a:pPr marL="0" indent="0">
-              <a:buNone/>
-            </a:pPr>
+              <a:t>desired agent capabilities:</a:t>
+            </a:r>
+          </a:p>
+          <a:p>
             <a:r>
               <a:rPr lang="en-GB" dirty="0"/>
-              <a:t>but no real “understanding”</a:t>
-            </a:r>
-          </a:p>
-          <a:p>
-            <a:pPr marL="0" indent="0">
-              <a:buNone/>
-            </a:pPr>
+              <a:t>planning (LLM: decomposition of complex issue in multiple simple steps)</a:t>
+            </a:r>
+          </a:p>
+          <a:p>
             <a:r>
               <a:rPr lang="en-GB" dirty="0"/>
-              <a:t>and limited reasoning and planning capabilities (agency)</a:t>
+              <a:t>tool use (LLM: use predictive models for numerical/optimization tasks)</a:t>
+            </a:r>
+          </a:p>
+          <a:p>
+            <a:r>
+              <a:rPr lang="en-GB" dirty="0"/>
+              <a:t>reflection</a:t>
+            </a:r>
+          </a:p>
+          <a:p>
+            <a:r>
+              <a:rPr lang="en-GB" dirty="0"/>
+              <a:t>collaboration with other agents</a:t>
             </a:r>
           </a:p>
         </p:txBody>
@@ -7111,6 +7144,1104 @@
           <p:cNvPr id="2" name="Title 1">
             <a:extLst>
               <a:ext uri="{FF2B5EF4-FFF2-40B4-BE49-F238E27FC236}">
+                <a16:creationId xmlns:a16="http://schemas.microsoft.com/office/drawing/2014/main" id="{E11A793F-C8E0-AABA-06EF-BF5916C1A755}"/>
+              </a:ext>
+            </a:extLst>
+          </p:cNvPr>
+          <p:cNvSpPr>
+            <a:spLocks noGrp="1"/>
+          </p:cNvSpPr>
+          <p:nvPr>
+            <p:ph type="title"/>
+          </p:nvPr>
+        </p:nvSpPr>
+        <p:spPr/>
+        <p:txBody>
+          <a:bodyPr/>
+          <a:lstStyle/>
+          <a:p>
+            <a:r>
+              <a:rPr lang="en-GB" dirty="0"/>
+              <a:t>Goal: Autonomous End-to-End Workflow</a:t>
+            </a:r>
+          </a:p>
+        </p:txBody>
+      </p:sp>
+      <p:sp>
+        <p:nvSpPr>
+          <p:cNvPr id="4" name="Slide Number Placeholder 3">
+            <a:extLst>
+              <a:ext uri="{FF2B5EF4-FFF2-40B4-BE49-F238E27FC236}">
+                <a16:creationId xmlns:a16="http://schemas.microsoft.com/office/drawing/2014/main" id="{F5B1DA0A-3394-1274-5D3F-3D2BFD3C2D25}"/>
+              </a:ext>
+            </a:extLst>
+          </p:cNvPr>
+          <p:cNvSpPr>
+            <a:spLocks noGrp="1"/>
+          </p:cNvSpPr>
+          <p:nvPr>
+            <p:ph type="sldNum" sz="quarter" idx="12"/>
+          </p:nvPr>
+        </p:nvSpPr>
+        <p:spPr/>
+        <p:txBody>
+          <a:bodyPr/>
+          <a:lstStyle/>
+          <a:p>
+            <a:fld id="{CC3EA844-D84E-46D3-B34D-D5A70E978FE4}" type="slidenum">
+              <a:rPr lang="en-GB" smtClean="0"/>
+              <a:t>19</a:t>
+            </a:fld>
+            <a:endParaRPr lang="en-GB"/>
+          </a:p>
+        </p:txBody>
+      </p:sp>
+      <p:sp>
+        <p:nvSpPr>
+          <p:cNvPr id="6" name="Rectangle: Rounded Corners 3">
+            <a:extLst>
+              <a:ext uri="{FF2B5EF4-FFF2-40B4-BE49-F238E27FC236}">
+                <a16:creationId xmlns:a16="http://schemas.microsoft.com/office/drawing/2014/main" id="{2F2BF518-07A9-BED3-6560-8450C6DBE3A2}"/>
+              </a:ext>
+            </a:extLst>
+          </p:cNvPr>
+          <p:cNvSpPr/>
+          <p:nvPr/>
+        </p:nvSpPr>
+        <p:spPr>
+          <a:xfrm>
+            <a:off x="695324" y="3834677"/>
+            <a:ext cx="1808207" cy="955589"/>
+          </a:xfrm>
+          <a:prstGeom prst="roundRect">
+            <a:avLst/>
+          </a:prstGeom>
+          <a:solidFill>
+            <a:srgbClr val="EEEEEE"/>
+          </a:solidFill>
+          <a:ln w="12700" cap="flat" cmpd="sng" algn="ctr">
+            <a:noFill/>
+            <a:prstDash val="solid"/>
+            <a:miter lim="800000"/>
+          </a:ln>
+          <a:effectLst/>
+        </p:spPr>
+        <p:txBody>
+          <a:bodyPr tIns="90000" bIns="90000" rtlCol="0" anchor="t"/>
+          <a:lstStyle/>
+          <a:p>
+            <a:pPr marL="0" marR="0" lvl="0" indent="0" algn="ctr" defTabSz="914400" eaLnBrk="1" fontAlgn="auto" latinLnBrk="0" hangingPunct="1">
+              <a:lnSpc>
+                <a:spcPct val="100000"/>
+              </a:lnSpc>
+              <a:spcBef>
+                <a:spcPts val="0"/>
+              </a:spcBef>
+              <a:spcAft>
+                <a:spcPts val="600"/>
+              </a:spcAft>
+              <a:buClrTx/>
+              <a:buSzTx/>
+              <a:buFontTx/>
+              <a:buNone/>
+              <a:tabLst/>
+              <a:defRPr/>
+            </a:pPr>
+            <a:r>
+              <a:rPr kumimoji="0" lang="en-GB" sz="2400" b="0" i="0" u="none" strike="noStrike" kern="0" cap="none" spc="0" normalizeH="0" baseline="0" noProof="0">
+                <a:ln>
+                  <a:noFill/>
+                </a:ln>
+                <a:solidFill>
+                  <a:srgbClr val="000000"/>
+                </a:solidFill>
+                <a:effectLst/>
+                <a:uLnTx/>
+                <a:uFillTx/>
+                <a:latin typeface="游ゴシック Medium"/>
+                <a:ea typeface="游ゴシック Medium"/>
+                <a:cs typeface="+mn-cs"/>
+              </a:rPr>
+              <a:t>domain knowledge</a:t>
+            </a:r>
+          </a:p>
+        </p:txBody>
+      </p:sp>
+      <p:sp>
+        <p:nvSpPr>
+          <p:cNvPr id="7" name="Rectangle: Rounded Corners 4">
+            <a:extLst>
+              <a:ext uri="{FF2B5EF4-FFF2-40B4-BE49-F238E27FC236}">
+                <a16:creationId xmlns:a16="http://schemas.microsoft.com/office/drawing/2014/main" id="{9FEFB8F3-1491-ACB8-B1CC-C2FA3D36AF2D}"/>
+              </a:ext>
+            </a:extLst>
+          </p:cNvPr>
+          <p:cNvSpPr/>
+          <p:nvPr/>
+        </p:nvSpPr>
+        <p:spPr>
+          <a:xfrm>
+            <a:off x="4756965" y="1940796"/>
+            <a:ext cx="2678064" cy="604023"/>
+          </a:xfrm>
+          <a:prstGeom prst="roundRect">
+            <a:avLst/>
+          </a:prstGeom>
+          <a:solidFill>
+            <a:srgbClr val="EEEEEE"/>
+          </a:solidFill>
+          <a:ln w="12700" cap="flat" cmpd="sng" algn="ctr">
+            <a:noFill/>
+            <a:prstDash val="solid"/>
+            <a:miter lim="800000"/>
+          </a:ln>
+          <a:effectLst/>
+        </p:spPr>
+        <p:txBody>
+          <a:bodyPr tIns="90000" bIns="90000" rtlCol="0" anchor="t"/>
+          <a:lstStyle/>
+          <a:p>
+            <a:pPr marL="0" marR="0" lvl="0" indent="0" algn="ctr" defTabSz="914400" eaLnBrk="1" fontAlgn="auto" latinLnBrk="0" hangingPunct="1">
+              <a:lnSpc>
+                <a:spcPct val="100000"/>
+              </a:lnSpc>
+              <a:spcBef>
+                <a:spcPts val="0"/>
+              </a:spcBef>
+              <a:spcAft>
+                <a:spcPts val="600"/>
+              </a:spcAft>
+              <a:buClrTx/>
+              <a:buSzTx/>
+              <a:buFontTx/>
+              <a:buNone/>
+              <a:tabLst/>
+              <a:defRPr/>
+            </a:pPr>
+            <a:r>
+              <a:rPr kumimoji="0" lang="en-GB" sz="2400" b="0" i="0" u="none" strike="noStrike" kern="0" cap="none" spc="0" normalizeH="0" baseline="0" noProof="0" dirty="0">
+                <a:ln>
+                  <a:noFill/>
+                </a:ln>
+                <a:solidFill>
+                  <a:srgbClr val="000000"/>
+                </a:solidFill>
+                <a:effectLst/>
+                <a:uLnTx/>
+                <a:uFillTx/>
+                <a:latin typeface="游ゴシック Medium"/>
+                <a:ea typeface="游ゴシック Medium"/>
+                <a:cs typeface="+mn-cs"/>
+              </a:rPr>
+              <a:t>LLM/VLM agent</a:t>
+            </a:r>
+          </a:p>
+        </p:txBody>
+      </p:sp>
+      <p:sp>
+        <p:nvSpPr>
+          <p:cNvPr id="8" name="Rectangle: Rounded Corners 5">
+            <a:extLst>
+              <a:ext uri="{FF2B5EF4-FFF2-40B4-BE49-F238E27FC236}">
+                <a16:creationId xmlns:a16="http://schemas.microsoft.com/office/drawing/2014/main" id="{01F8A2ED-E962-AC35-C77A-ACD3A0F83A1C}"/>
+              </a:ext>
+            </a:extLst>
+          </p:cNvPr>
+          <p:cNvSpPr/>
+          <p:nvPr/>
+        </p:nvSpPr>
+        <p:spPr>
+          <a:xfrm>
+            <a:off x="4846516" y="3824830"/>
+            <a:ext cx="2498963" cy="955589"/>
+          </a:xfrm>
+          <a:prstGeom prst="roundRect">
+            <a:avLst/>
+          </a:prstGeom>
+          <a:solidFill>
+            <a:srgbClr val="EEEEEE"/>
+          </a:solidFill>
+          <a:ln w="12700" cap="flat" cmpd="sng" algn="ctr">
+            <a:noFill/>
+            <a:prstDash val="solid"/>
+            <a:miter lim="800000"/>
+          </a:ln>
+          <a:effectLst/>
+        </p:spPr>
+        <p:txBody>
+          <a:bodyPr tIns="90000" bIns="90000" rtlCol="0" anchor="t"/>
+          <a:lstStyle/>
+          <a:p>
+            <a:pPr marL="0" marR="0" lvl="0" indent="0" algn="ctr" defTabSz="914400" eaLnBrk="1" fontAlgn="auto" latinLnBrk="0" hangingPunct="1">
+              <a:lnSpc>
+                <a:spcPct val="100000"/>
+              </a:lnSpc>
+              <a:spcBef>
+                <a:spcPts val="0"/>
+              </a:spcBef>
+              <a:spcAft>
+                <a:spcPts val="600"/>
+              </a:spcAft>
+              <a:buClrTx/>
+              <a:buSzTx/>
+              <a:buFontTx/>
+              <a:buNone/>
+              <a:tabLst/>
+              <a:defRPr/>
+            </a:pPr>
+            <a:r>
+              <a:rPr lang="en-GB" sz="2400" kern="0" dirty="0">
+                <a:solidFill>
+                  <a:srgbClr val="000000"/>
+                </a:solidFill>
+                <a:latin typeface="游ゴシック Medium"/>
+                <a:ea typeface="游ゴシック Medium"/>
+              </a:rPr>
+              <a:t>prediction, optimization</a:t>
+            </a:r>
+            <a:endParaRPr kumimoji="0" lang="en-GB" sz="2400" b="0" i="0" u="none" strike="noStrike" kern="0" cap="none" spc="0" normalizeH="0" baseline="0" noProof="0" dirty="0">
+              <a:ln>
+                <a:noFill/>
+              </a:ln>
+              <a:solidFill>
+                <a:srgbClr val="000000"/>
+              </a:solidFill>
+              <a:effectLst/>
+              <a:uLnTx/>
+              <a:uFillTx/>
+              <a:latin typeface="游ゴシック Medium"/>
+              <a:ea typeface="游ゴシック Medium"/>
+              <a:cs typeface="+mn-cs"/>
+            </a:endParaRPr>
+          </a:p>
+        </p:txBody>
+      </p:sp>
+      <p:sp>
+        <p:nvSpPr>
+          <p:cNvPr id="9" name="Rectangle: Rounded Corners 6">
+            <a:extLst>
+              <a:ext uri="{FF2B5EF4-FFF2-40B4-BE49-F238E27FC236}">
+                <a16:creationId xmlns:a16="http://schemas.microsoft.com/office/drawing/2014/main" id="{8003EAA6-3C28-60E0-DB6E-72A6996578AE}"/>
+              </a:ext>
+            </a:extLst>
+          </p:cNvPr>
+          <p:cNvSpPr/>
+          <p:nvPr/>
+        </p:nvSpPr>
+        <p:spPr>
+          <a:xfrm>
+            <a:off x="9688467" y="3834677"/>
+            <a:ext cx="1454751" cy="955589"/>
+          </a:xfrm>
+          <a:prstGeom prst="roundRect">
+            <a:avLst/>
+          </a:prstGeom>
+          <a:solidFill>
+            <a:srgbClr val="EEEEEE"/>
+          </a:solidFill>
+          <a:ln w="12700" cap="flat" cmpd="sng" algn="ctr">
+            <a:noFill/>
+            <a:prstDash val="solid"/>
+            <a:miter lim="800000"/>
+          </a:ln>
+          <a:effectLst/>
+        </p:spPr>
+        <p:txBody>
+          <a:bodyPr tIns="90000" bIns="90000" rtlCol="0" anchor="t"/>
+          <a:lstStyle/>
+          <a:p>
+            <a:pPr marL="0" marR="0" lvl="0" indent="0" algn="ctr" defTabSz="914400" eaLnBrk="1" fontAlgn="auto" latinLnBrk="0" hangingPunct="1">
+              <a:lnSpc>
+                <a:spcPct val="100000"/>
+              </a:lnSpc>
+              <a:spcBef>
+                <a:spcPts val="0"/>
+              </a:spcBef>
+              <a:spcAft>
+                <a:spcPts val="600"/>
+              </a:spcAft>
+              <a:buClrTx/>
+              <a:buSzTx/>
+              <a:buFontTx/>
+              <a:buNone/>
+              <a:tabLst/>
+              <a:defRPr/>
+            </a:pPr>
+            <a:r>
+              <a:rPr kumimoji="0" lang="en-GB" sz="2400" b="0" i="0" u="none" strike="noStrike" kern="0" cap="none" spc="0" normalizeH="0" baseline="0" noProof="0">
+                <a:ln>
+                  <a:noFill/>
+                </a:ln>
+                <a:solidFill>
+                  <a:srgbClr val="000000"/>
+                </a:solidFill>
+                <a:effectLst/>
+                <a:uLnTx/>
+                <a:uFillTx/>
+                <a:latin typeface="游ゴシック Medium"/>
+                <a:ea typeface="游ゴシック Medium"/>
+                <a:cs typeface="+mn-cs"/>
+              </a:rPr>
+              <a:t>decision making</a:t>
+            </a:r>
+          </a:p>
+        </p:txBody>
+      </p:sp>
+      <p:sp>
+        <p:nvSpPr>
+          <p:cNvPr id="10" name="Rectangle: Rounded Corners 7">
+            <a:extLst>
+              <a:ext uri="{FF2B5EF4-FFF2-40B4-BE49-F238E27FC236}">
+                <a16:creationId xmlns:a16="http://schemas.microsoft.com/office/drawing/2014/main" id="{6924054E-8F83-0BC5-7558-3B02C5C90C2A}"/>
+              </a:ext>
+            </a:extLst>
+          </p:cNvPr>
+          <p:cNvSpPr/>
+          <p:nvPr/>
+        </p:nvSpPr>
+        <p:spPr>
+          <a:xfrm>
+            <a:off x="5214550" y="5726160"/>
+            <a:ext cx="1762897" cy="539577"/>
+          </a:xfrm>
+          <a:prstGeom prst="roundRect">
+            <a:avLst/>
+          </a:prstGeom>
+          <a:solidFill>
+            <a:srgbClr val="EEEEEE"/>
+          </a:solidFill>
+          <a:ln w="12700" cap="flat" cmpd="sng" algn="ctr">
+            <a:noFill/>
+            <a:prstDash val="solid"/>
+            <a:miter lim="800000"/>
+          </a:ln>
+          <a:effectLst/>
+        </p:spPr>
+        <p:txBody>
+          <a:bodyPr tIns="90000" bIns="90000" rtlCol="0" anchor="t"/>
+          <a:lstStyle/>
+          <a:p>
+            <a:pPr marL="0" marR="0" lvl="0" indent="0" algn="ctr" defTabSz="914400" eaLnBrk="1" fontAlgn="auto" latinLnBrk="0" hangingPunct="1">
+              <a:lnSpc>
+                <a:spcPct val="100000"/>
+              </a:lnSpc>
+              <a:spcBef>
+                <a:spcPts val="0"/>
+              </a:spcBef>
+              <a:spcAft>
+                <a:spcPts val="600"/>
+              </a:spcAft>
+              <a:buClrTx/>
+              <a:buSzTx/>
+              <a:buFontTx/>
+              <a:buNone/>
+              <a:tabLst/>
+              <a:defRPr/>
+            </a:pPr>
+            <a:r>
+              <a:rPr kumimoji="0" lang="en-GB" sz="2400" b="0" i="0" u="none" strike="noStrike" kern="0" cap="none" spc="0" normalizeH="0" baseline="0" noProof="0">
+                <a:ln>
+                  <a:noFill/>
+                </a:ln>
+                <a:solidFill>
+                  <a:srgbClr val="000000"/>
+                </a:solidFill>
+                <a:effectLst/>
+                <a:uLnTx/>
+                <a:uFillTx/>
+                <a:latin typeface="游ゴシック Medium"/>
+                <a:ea typeface="游ゴシック Medium"/>
+                <a:cs typeface="+mn-cs"/>
+              </a:rPr>
+              <a:t>perception</a:t>
+            </a:r>
+          </a:p>
+        </p:txBody>
+      </p:sp>
+      <p:cxnSp>
+        <p:nvCxnSpPr>
+          <p:cNvPr id="11" name="Straight Arrow Connector 8">
+            <a:extLst>
+              <a:ext uri="{FF2B5EF4-FFF2-40B4-BE49-F238E27FC236}">
+                <a16:creationId xmlns:a16="http://schemas.microsoft.com/office/drawing/2014/main" id="{445DD9E3-67CA-0242-7493-68440CA6EE28}"/>
+              </a:ext>
+            </a:extLst>
+          </p:cNvPr>
+          <p:cNvCxnSpPr>
+            <a:cxnSpLocks/>
+            <a:stCxn id="10" idx="1"/>
+            <a:endCxn id="6" idx="2"/>
+          </p:cNvCxnSpPr>
+          <p:nvPr/>
+        </p:nvCxnSpPr>
+        <p:spPr>
+          <a:xfrm flipH="1" flipV="1">
+            <a:off x="1599428" y="4790266"/>
+            <a:ext cx="3615122" cy="1205683"/>
+          </a:xfrm>
+          <a:prstGeom prst="straightConnector1">
+            <a:avLst/>
+          </a:prstGeom>
+          <a:noFill/>
+          <a:ln w="12700" cap="flat" cmpd="sng" algn="ctr">
+            <a:solidFill>
+              <a:srgbClr val="00B7F1"/>
+            </a:solidFill>
+            <a:prstDash val="solid"/>
+            <a:miter lim="800000"/>
+            <a:tailEnd type="triangle"/>
+          </a:ln>
+          <a:effectLst/>
+        </p:spPr>
+      </p:cxnSp>
+      <p:cxnSp>
+        <p:nvCxnSpPr>
+          <p:cNvPr id="12" name="Straight Arrow Connector 9">
+            <a:extLst>
+              <a:ext uri="{FF2B5EF4-FFF2-40B4-BE49-F238E27FC236}">
+                <a16:creationId xmlns:a16="http://schemas.microsoft.com/office/drawing/2014/main" id="{9DD17454-C864-0612-AE33-1F39D1432C7A}"/>
+              </a:ext>
+            </a:extLst>
+          </p:cNvPr>
+          <p:cNvCxnSpPr>
+            <a:cxnSpLocks/>
+            <a:stCxn id="10" idx="3"/>
+            <a:endCxn id="9" idx="2"/>
+          </p:cNvCxnSpPr>
+          <p:nvPr/>
+        </p:nvCxnSpPr>
+        <p:spPr>
+          <a:xfrm flipV="1">
+            <a:off x="6977447" y="4790266"/>
+            <a:ext cx="3438396" cy="1205683"/>
+          </a:xfrm>
+          <a:prstGeom prst="straightConnector1">
+            <a:avLst/>
+          </a:prstGeom>
+          <a:noFill/>
+          <a:ln w="12700" cap="flat" cmpd="sng" algn="ctr">
+            <a:solidFill>
+              <a:srgbClr val="00B7F1"/>
+            </a:solidFill>
+            <a:prstDash val="solid"/>
+            <a:miter lim="800000"/>
+            <a:tailEnd type="triangle"/>
+          </a:ln>
+          <a:effectLst/>
+        </p:spPr>
+      </p:cxnSp>
+      <p:cxnSp>
+        <p:nvCxnSpPr>
+          <p:cNvPr id="13" name="Straight Arrow Connector 10">
+            <a:extLst>
+              <a:ext uri="{FF2B5EF4-FFF2-40B4-BE49-F238E27FC236}">
+                <a16:creationId xmlns:a16="http://schemas.microsoft.com/office/drawing/2014/main" id="{BAC7DCF3-924D-7ACC-EE4E-847BFD48E622}"/>
+              </a:ext>
+            </a:extLst>
+          </p:cNvPr>
+          <p:cNvCxnSpPr>
+            <a:cxnSpLocks/>
+            <a:stCxn id="6" idx="0"/>
+            <a:endCxn id="7" idx="1"/>
+          </p:cNvCxnSpPr>
+          <p:nvPr/>
+        </p:nvCxnSpPr>
+        <p:spPr>
+          <a:xfrm flipV="1">
+            <a:off x="1599428" y="2242808"/>
+            <a:ext cx="3157537" cy="1591869"/>
+          </a:xfrm>
+          <a:prstGeom prst="straightConnector1">
+            <a:avLst/>
+          </a:prstGeom>
+          <a:noFill/>
+          <a:ln w="12700" cap="flat" cmpd="sng" algn="ctr">
+            <a:solidFill>
+              <a:srgbClr val="00B7F1"/>
+            </a:solidFill>
+            <a:prstDash val="solid"/>
+            <a:miter lim="800000"/>
+            <a:tailEnd type="triangle"/>
+          </a:ln>
+          <a:effectLst/>
+        </p:spPr>
+      </p:cxnSp>
+      <p:sp>
+        <p:nvSpPr>
+          <p:cNvPr id="14" name="TextBox 11">
+            <a:extLst>
+              <a:ext uri="{FF2B5EF4-FFF2-40B4-BE49-F238E27FC236}">
+                <a16:creationId xmlns:a16="http://schemas.microsoft.com/office/drawing/2014/main" id="{B44A87B9-60FC-D03A-E54D-BA7AB01ED288}"/>
+              </a:ext>
+            </a:extLst>
+          </p:cNvPr>
+          <p:cNvSpPr txBox="1"/>
+          <p:nvPr/>
+        </p:nvSpPr>
+        <p:spPr>
+          <a:xfrm>
+            <a:off x="2675058" y="3148177"/>
+            <a:ext cx="811441" cy="551090"/>
+          </a:xfrm>
+          <a:prstGeom prst="rect">
+            <a:avLst/>
+          </a:prstGeom>
+          <a:noFill/>
+        </p:spPr>
+        <p:txBody>
+          <a:bodyPr wrap="none" tIns="90000" bIns="90000" rtlCol="0">
+            <a:spAutoFit/>
+          </a:bodyPr>
+          <a:lstStyle/>
+          <a:p>
+            <a:pPr>
+              <a:spcAft>
+                <a:spcPts val="600"/>
+              </a:spcAft>
+            </a:pPr>
+            <a:r>
+              <a:rPr lang="en-GB" sz="2400" dirty="0">
+                <a:solidFill>
+                  <a:srgbClr val="000000"/>
+                </a:solidFill>
+                <a:latin typeface="游ゴシック Medium"/>
+              </a:rPr>
+              <a:t>RAG</a:t>
+            </a:r>
+          </a:p>
+        </p:txBody>
+      </p:sp>
+      <p:cxnSp>
+        <p:nvCxnSpPr>
+          <p:cNvPr id="15" name="Straight Arrow Connector 12">
+            <a:extLst>
+              <a:ext uri="{FF2B5EF4-FFF2-40B4-BE49-F238E27FC236}">
+                <a16:creationId xmlns:a16="http://schemas.microsoft.com/office/drawing/2014/main" id="{3EB9ABF8-9E31-3CC5-6EDD-0B0CA9E317FB}"/>
+              </a:ext>
+            </a:extLst>
+          </p:cNvPr>
+          <p:cNvCxnSpPr>
+            <a:cxnSpLocks/>
+            <a:stCxn id="8" idx="0"/>
+            <a:endCxn id="7" idx="2"/>
+          </p:cNvCxnSpPr>
+          <p:nvPr/>
+        </p:nvCxnSpPr>
+        <p:spPr>
+          <a:xfrm flipH="1" flipV="1">
+            <a:off x="6095997" y="2544819"/>
+            <a:ext cx="1" cy="1280011"/>
+          </a:xfrm>
+          <a:prstGeom prst="straightConnector1">
+            <a:avLst/>
+          </a:prstGeom>
+          <a:noFill/>
+          <a:ln w="12700" cap="flat" cmpd="sng" algn="ctr">
+            <a:solidFill>
+              <a:srgbClr val="00B7F1"/>
+            </a:solidFill>
+            <a:prstDash val="solid"/>
+            <a:miter lim="800000"/>
+            <a:tailEnd type="triangle"/>
+          </a:ln>
+          <a:effectLst/>
+        </p:spPr>
+      </p:cxnSp>
+      <p:cxnSp>
+        <p:nvCxnSpPr>
+          <p:cNvPr id="16" name="Straight Arrow Connector 13">
+            <a:extLst>
+              <a:ext uri="{FF2B5EF4-FFF2-40B4-BE49-F238E27FC236}">
+                <a16:creationId xmlns:a16="http://schemas.microsoft.com/office/drawing/2014/main" id="{D8A3BD67-1B65-A31B-58E4-E93E3FDE7373}"/>
+              </a:ext>
+            </a:extLst>
+          </p:cNvPr>
+          <p:cNvCxnSpPr>
+            <a:cxnSpLocks/>
+            <a:stCxn id="7" idx="3"/>
+            <a:endCxn id="9" idx="0"/>
+          </p:cNvCxnSpPr>
+          <p:nvPr/>
+        </p:nvCxnSpPr>
+        <p:spPr>
+          <a:xfrm>
+            <a:off x="7435029" y="2242808"/>
+            <a:ext cx="2980814" cy="1591869"/>
+          </a:xfrm>
+          <a:prstGeom prst="straightConnector1">
+            <a:avLst/>
+          </a:prstGeom>
+          <a:noFill/>
+          <a:ln w="12700" cap="flat" cmpd="sng" algn="ctr">
+            <a:solidFill>
+              <a:srgbClr val="00B7F1"/>
+            </a:solidFill>
+            <a:prstDash val="solid"/>
+            <a:miter lim="800000"/>
+            <a:tailEnd type="triangle"/>
+          </a:ln>
+          <a:effectLst/>
+        </p:spPr>
+      </p:cxnSp>
+      <p:sp>
+        <p:nvSpPr>
+          <p:cNvPr id="17" name="TextBox 14">
+            <a:extLst>
+              <a:ext uri="{FF2B5EF4-FFF2-40B4-BE49-F238E27FC236}">
+                <a16:creationId xmlns:a16="http://schemas.microsoft.com/office/drawing/2014/main" id="{49E8EA8B-2736-A0C1-5132-3856F4EC14D4}"/>
+              </a:ext>
+            </a:extLst>
+          </p:cNvPr>
+          <p:cNvSpPr txBox="1"/>
+          <p:nvPr/>
+        </p:nvSpPr>
+        <p:spPr>
+          <a:xfrm>
+            <a:off x="5416640" y="3050446"/>
+            <a:ext cx="1648208" cy="551090"/>
+          </a:xfrm>
+          <a:prstGeom prst="rect">
+            <a:avLst/>
+          </a:prstGeom>
+          <a:noFill/>
+        </p:spPr>
+        <p:txBody>
+          <a:bodyPr wrap="none" tIns="90000" bIns="90000" rtlCol="0">
+            <a:spAutoFit/>
+          </a:bodyPr>
+          <a:lstStyle/>
+          <a:p>
+            <a:pPr>
+              <a:spcAft>
+                <a:spcPts val="600"/>
+              </a:spcAft>
+            </a:pPr>
+            <a:r>
+              <a:rPr lang="en-GB" sz="2400" dirty="0">
+                <a:solidFill>
+                  <a:srgbClr val="000000"/>
+                </a:solidFill>
+                <a:latin typeface="游ゴシック Medium"/>
+              </a:rPr>
+              <a:t>tool usage</a:t>
+            </a:r>
+          </a:p>
+        </p:txBody>
+      </p:sp>
+      <p:sp>
+        <p:nvSpPr>
+          <p:cNvPr id="18" name="TextBox 15">
+            <a:extLst>
+              <a:ext uri="{FF2B5EF4-FFF2-40B4-BE49-F238E27FC236}">
+                <a16:creationId xmlns:a16="http://schemas.microsoft.com/office/drawing/2014/main" id="{9EA84B78-F0E6-D602-EFD6-4ACE12E34908}"/>
+              </a:ext>
+            </a:extLst>
+          </p:cNvPr>
+          <p:cNvSpPr txBox="1"/>
+          <p:nvPr/>
+        </p:nvSpPr>
+        <p:spPr>
+          <a:xfrm>
+            <a:off x="9832188" y="3050446"/>
+            <a:ext cx="1167307" cy="551090"/>
+          </a:xfrm>
+          <a:prstGeom prst="rect">
+            <a:avLst/>
+          </a:prstGeom>
+          <a:noFill/>
+        </p:spPr>
+        <p:txBody>
+          <a:bodyPr wrap="none" tIns="90000" bIns="90000" rtlCol="0">
+            <a:spAutoFit/>
+          </a:bodyPr>
+          <a:lstStyle/>
+          <a:p>
+            <a:pPr>
+              <a:spcAft>
+                <a:spcPts val="600"/>
+              </a:spcAft>
+            </a:pPr>
+            <a:r>
+              <a:rPr lang="en-GB" sz="2400">
+                <a:solidFill>
+                  <a:srgbClr val="000000"/>
+                </a:solidFill>
+                <a:latin typeface="游ゴシック Medium"/>
+              </a:rPr>
+              <a:t>control</a:t>
+            </a:r>
+          </a:p>
+        </p:txBody>
+      </p:sp>
+      <p:sp>
+        <p:nvSpPr>
+          <p:cNvPr id="19" name="TextBox 26">
+            <a:extLst>
+              <a:ext uri="{FF2B5EF4-FFF2-40B4-BE49-F238E27FC236}">
+                <a16:creationId xmlns:a16="http://schemas.microsoft.com/office/drawing/2014/main" id="{CA4DEEFE-6684-8CD5-E3F1-184373D0975C}"/>
+              </a:ext>
+            </a:extLst>
+          </p:cNvPr>
+          <p:cNvSpPr txBox="1"/>
+          <p:nvPr/>
+        </p:nvSpPr>
+        <p:spPr>
+          <a:xfrm>
+            <a:off x="2503531" y="5393107"/>
+            <a:ext cx="907621" cy="551090"/>
+          </a:xfrm>
+          <a:prstGeom prst="rect">
+            <a:avLst/>
+          </a:prstGeom>
+          <a:noFill/>
+        </p:spPr>
+        <p:txBody>
+          <a:bodyPr wrap="none" tIns="90000" bIns="90000" rtlCol="0">
+            <a:spAutoFit/>
+          </a:bodyPr>
+          <a:lstStyle/>
+          <a:p>
+            <a:pPr>
+              <a:spcAft>
+                <a:spcPts val="600"/>
+              </a:spcAft>
+            </a:pPr>
+            <a:r>
+              <a:rPr lang="en-GB" sz="2400" dirty="0">
+                <a:solidFill>
+                  <a:srgbClr val="000000"/>
+                </a:solidFill>
+                <a:latin typeface="游ゴシック Medium"/>
+              </a:rPr>
+              <a:t>input</a:t>
+            </a:r>
+          </a:p>
+        </p:txBody>
+      </p:sp>
+      <p:sp>
+        <p:nvSpPr>
+          <p:cNvPr id="20" name="TextBox 27">
+            <a:extLst>
+              <a:ext uri="{FF2B5EF4-FFF2-40B4-BE49-F238E27FC236}">
+                <a16:creationId xmlns:a16="http://schemas.microsoft.com/office/drawing/2014/main" id="{BF1ACE61-3336-BEB1-3010-893B4093EC2C}"/>
+              </a:ext>
+            </a:extLst>
+          </p:cNvPr>
+          <p:cNvSpPr txBox="1"/>
+          <p:nvPr/>
+        </p:nvSpPr>
+        <p:spPr>
+          <a:xfrm>
+            <a:off x="8441358" y="5393107"/>
+            <a:ext cx="907621" cy="551090"/>
+          </a:xfrm>
+          <a:prstGeom prst="rect">
+            <a:avLst/>
+          </a:prstGeom>
+          <a:noFill/>
+        </p:spPr>
+        <p:txBody>
+          <a:bodyPr wrap="none" tIns="90000" bIns="90000" rtlCol="0">
+            <a:spAutoFit/>
+          </a:bodyPr>
+          <a:lstStyle/>
+          <a:p>
+            <a:pPr>
+              <a:spcAft>
+                <a:spcPts val="600"/>
+              </a:spcAft>
+            </a:pPr>
+            <a:r>
+              <a:rPr lang="en-GB" sz="2400" dirty="0">
+                <a:solidFill>
+                  <a:srgbClr val="000000"/>
+                </a:solidFill>
+                <a:latin typeface="游ゴシック Medium"/>
+              </a:rPr>
+              <a:t>input</a:t>
+            </a:r>
+          </a:p>
+        </p:txBody>
+      </p:sp>
+      <p:cxnSp>
+        <p:nvCxnSpPr>
+          <p:cNvPr id="21" name="Straight Arrow Connector 31">
+            <a:extLst>
+              <a:ext uri="{FF2B5EF4-FFF2-40B4-BE49-F238E27FC236}">
+                <a16:creationId xmlns:a16="http://schemas.microsoft.com/office/drawing/2014/main" id="{B8011727-3418-FD68-02B0-1455C5636B4E}"/>
+              </a:ext>
+            </a:extLst>
+          </p:cNvPr>
+          <p:cNvCxnSpPr>
+            <a:cxnSpLocks/>
+            <a:stCxn id="6" idx="3"/>
+            <a:endCxn id="8" idx="1"/>
+          </p:cNvCxnSpPr>
+          <p:nvPr/>
+        </p:nvCxnSpPr>
+        <p:spPr>
+          <a:xfrm flipV="1">
+            <a:off x="2503531" y="4302625"/>
+            <a:ext cx="2342985" cy="9847"/>
+          </a:xfrm>
+          <a:prstGeom prst="straightConnector1">
+            <a:avLst/>
+          </a:prstGeom>
+          <a:noFill/>
+          <a:ln w="12700" cap="flat" cmpd="sng" algn="ctr">
+            <a:solidFill>
+              <a:srgbClr val="00B7F1"/>
+            </a:solidFill>
+            <a:prstDash val="solid"/>
+            <a:miter lim="800000"/>
+            <a:headEnd type="triangle"/>
+            <a:tailEnd type="triangle"/>
+          </a:ln>
+          <a:effectLst/>
+        </p:spPr>
+      </p:cxnSp>
+    </p:spTree>
+    <p:extLst>
+      <p:ext uri="{BB962C8B-B14F-4D97-AF65-F5344CB8AC3E}">
+        <p14:creationId xmlns:p14="http://schemas.microsoft.com/office/powerpoint/2010/main" val="3642987199"/>
+      </p:ext>
+    </p:extLst>
+  </p:cSld>
+  <p:clrMapOvr>
+    <a:masterClrMapping/>
+  </p:clrMapOvr>
+</p:sld>
+</file>
+
+<file path=ppt/slides/slide2.xml><?xml version="1.0" encoding="utf-8"?>
+<p:sld xmlns:a="http://schemas.openxmlformats.org/drawingml/2006/main" xmlns:r="http://schemas.openxmlformats.org/officeDocument/2006/relationships" xmlns:p="http://schemas.openxmlformats.org/presentationml/2006/main">
+  <p:cSld>
+    <p:spTree>
+      <p:nvGrpSpPr>
+        <p:cNvPr id="1" name=""/>
+        <p:cNvGrpSpPr/>
+        <p:nvPr/>
+      </p:nvGrpSpPr>
+      <p:grpSpPr>
+        <a:xfrm>
+          <a:off x="0" y="0"/>
+          <a:ext cx="0" cy="0"/>
+          <a:chOff x="0" y="0"/>
+          <a:chExt cx="0" cy="0"/>
+        </a:xfrm>
+      </p:grpSpPr>
+      <p:sp>
+        <p:nvSpPr>
+          <p:cNvPr id="6" name="Title 5">
+            <a:extLst>
+              <a:ext uri="{FF2B5EF4-FFF2-40B4-BE49-F238E27FC236}">
+                <a16:creationId xmlns:a16="http://schemas.microsoft.com/office/drawing/2014/main" id="{A6D4E78A-896B-C79A-E2FE-5D9193754C31}"/>
+              </a:ext>
+            </a:extLst>
+          </p:cNvPr>
+          <p:cNvSpPr>
+            <a:spLocks noGrp="1"/>
+          </p:cNvSpPr>
+          <p:nvPr>
+            <p:ph type="title"/>
+          </p:nvPr>
+        </p:nvSpPr>
+        <p:spPr/>
+        <p:txBody>
+          <a:bodyPr/>
+          <a:lstStyle/>
+          <a:p>
+            <a:r>
+              <a:rPr lang="en-GB" dirty="0"/>
+              <a:t>Modern Language Models in a Nutshell</a:t>
+            </a:r>
+          </a:p>
+        </p:txBody>
+      </p:sp>
+      <p:sp>
+        <p:nvSpPr>
+          <p:cNvPr id="7" name="Content Placeholder 6">
+            <a:extLst>
+              <a:ext uri="{FF2B5EF4-FFF2-40B4-BE49-F238E27FC236}">
+                <a16:creationId xmlns:a16="http://schemas.microsoft.com/office/drawing/2014/main" id="{E908D6CC-B86F-1636-6F85-AB0B7A2A316F}"/>
+              </a:ext>
+            </a:extLst>
+          </p:cNvPr>
+          <p:cNvSpPr>
+            <a:spLocks noGrp="1"/>
+          </p:cNvSpPr>
+          <p:nvPr>
+            <p:ph idx="1"/>
+          </p:nvPr>
+        </p:nvSpPr>
+        <p:spPr/>
+        <p:txBody>
+          <a:bodyPr/>
+          <a:lstStyle/>
+          <a:p>
+            <a:r>
+              <a:rPr lang="en-GB" dirty="0"/>
+              <a:t>self-supervised learning: e.g., next-word prediction</a:t>
+            </a:r>
+          </a:p>
+          <a:p>
+            <a:r>
+              <a:rPr lang="en-GB" dirty="0"/>
+              <a:t>tokenization: split text into chunks (e.g., words)</a:t>
+            </a:r>
+          </a:p>
+          <a:p>
+            <a:r>
+              <a:rPr lang="en-GB" dirty="0"/>
+              <a:t>semantics by means of vector embeddings: e.g., via bag-of-words (or end-to-end in transformer)</a:t>
+            </a:r>
+          </a:p>
+          <a:p>
+            <a:r>
+              <a:rPr lang="en-GB" dirty="0"/>
+              <a:t>positional encoding &amp; embeddings: order of sequence</a:t>
+            </a:r>
+          </a:p>
+          <a:p>
+            <a:r>
+              <a:rPr lang="en-GB" dirty="0"/>
+              <a:t>contextual embeddings: (self-)attention (weighted averages: influence from other tokens)</a:t>
+            </a:r>
+          </a:p>
+        </p:txBody>
+      </p:sp>
+      <p:sp>
+        <p:nvSpPr>
+          <p:cNvPr id="5" name="Slide Number Placeholder 4">
+            <a:extLst>
+              <a:ext uri="{FF2B5EF4-FFF2-40B4-BE49-F238E27FC236}">
+                <a16:creationId xmlns:a16="http://schemas.microsoft.com/office/drawing/2014/main" id="{4E568FCF-2CF1-B3CF-F33E-FD3F880A8519}"/>
+              </a:ext>
+            </a:extLst>
+          </p:cNvPr>
+          <p:cNvSpPr>
+            <a:spLocks noGrp="1"/>
+          </p:cNvSpPr>
+          <p:nvPr>
+            <p:ph type="sldNum" sz="quarter" idx="12"/>
+          </p:nvPr>
+        </p:nvSpPr>
+        <p:spPr/>
+        <p:txBody>
+          <a:bodyPr/>
+          <a:lstStyle/>
+          <a:p>
+            <a:fld id="{849D05A8-43E9-1C49-8606-50AB68220DEC}" type="slidenum">
+              <a:rPr lang="en-DE" smtClean="0"/>
+              <a:t>2</a:t>
+            </a:fld>
+            <a:endParaRPr lang="en-DE"/>
+          </a:p>
+        </p:txBody>
+      </p:sp>
+      <p:pic>
+        <p:nvPicPr>
+          <p:cNvPr id="9" name="Picture 8">
+            <a:extLst>
+              <a:ext uri="{FF2B5EF4-FFF2-40B4-BE49-F238E27FC236}">
+                <a16:creationId xmlns:a16="http://schemas.microsoft.com/office/drawing/2014/main" id="{9CF13535-25F6-2D2D-CF2E-13506BC8DAB4}"/>
+              </a:ext>
+            </a:extLst>
+          </p:cNvPr>
+          <p:cNvPicPr>
+            <a:picLocks noChangeAspect="1"/>
+          </p:cNvPicPr>
+          <p:nvPr/>
+        </p:nvPicPr>
+        <p:blipFill>
+          <a:blip r:embed="rId2"/>
+          <a:stretch>
+            <a:fillRect/>
+          </a:stretch>
+        </p:blipFill>
+        <p:spPr>
+          <a:xfrm>
+            <a:off x="4365780" y="4898321"/>
+            <a:ext cx="6149820" cy="1594554"/>
+          </a:xfrm>
+          <a:prstGeom prst="rect">
+            <a:avLst/>
+          </a:prstGeom>
+        </p:spPr>
+      </p:pic>
+      <p:sp>
+        <p:nvSpPr>
+          <p:cNvPr id="10" name="TextBox 9">
+            <a:extLst>
+              <a:ext uri="{FF2B5EF4-FFF2-40B4-BE49-F238E27FC236}">
+                <a16:creationId xmlns:a16="http://schemas.microsoft.com/office/drawing/2014/main" id="{19055624-1DDD-A961-E47A-09FB20A316B6}"/>
+              </a:ext>
+            </a:extLst>
+          </p:cNvPr>
+          <p:cNvSpPr txBox="1"/>
+          <p:nvPr/>
+        </p:nvSpPr>
+        <p:spPr>
+          <a:xfrm>
+            <a:off x="8766496" y="6369764"/>
+            <a:ext cx="532518" cy="246221"/>
+          </a:xfrm>
+          <a:prstGeom prst="rect">
+            <a:avLst/>
+          </a:prstGeom>
+          <a:noFill/>
+        </p:spPr>
+        <p:txBody>
+          <a:bodyPr wrap="none" rtlCol="0">
+            <a:spAutoFit/>
+          </a:bodyPr>
+          <a:lstStyle/>
+          <a:p>
+            <a:r>
+              <a:rPr lang="de-DE" sz="1000" dirty="0">
+                <a:hlinkClick r:id="rId3"/>
+              </a:rPr>
+              <a:t>source</a:t>
+            </a:r>
+            <a:endParaRPr lang="de-DE" sz="1000" dirty="0"/>
+          </a:p>
+        </p:txBody>
+      </p:sp>
+    </p:spTree>
+    <p:extLst>
+      <p:ext uri="{BB962C8B-B14F-4D97-AF65-F5344CB8AC3E}">
+        <p14:creationId xmlns:p14="http://schemas.microsoft.com/office/powerpoint/2010/main" val="1658142472"/>
+      </p:ext>
+    </p:extLst>
+  </p:cSld>
+  <p:clrMapOvr>
+    <a:masterClrMapping/>
+  </p:clrMapOvr>
+</p:sld>
+</file>
+
+<file path=ppt/slides/slide20.xml><?xml version="1.0" encoding="utf-8"?>
+<p:sld xmlns:a="http://schemas.openxmlformats.org/drawingml/2006/main" xmlns:r="http://schemas.openxmlformats.org/officeDocument/2006/relationships" xmlns:p="http://schemas.openxmlformats.org/presentationml/2006/main">
+  <p:cSld>
+    <p:spTree>
+      <p:nvGrpSpPr>
+        <p:cNvPr id="1" name=""/>
+        <p:cNvGrpSpPr/>
+        <p:nvPr/>
+      </p:nvGrpSpPr>
+      <p:grpSpPr>
+        <a:xfrm>
+          <a:off x="0" y="0"/>
+          <a:ext cx="0" cy="0"/>
+          <a:chOff x="0" y="0"/>
+          <a:chExt cx="0" cy="0"/>
+        </a:xfrm>
+      </p:grpSpPr>
+      <p:sp>
+        <p:nvSpPr>
+          <p:cNvPr id="2" name="Title 1">
+            <a:extLst>
+              <a:ext uri="{FF2B5EF4-FFF2-40B4-BE49-F238E27FC236}">
                 <a16:creationId xmlns:a16="http://schemas.microsoft.com/office/drawing/2014/main" id="{E489E988-5EB3-BD0F-E8D5-B9C538113404}"/>
               </a:ext>
             </a:extLst>
@@ -7162,7 +8293,7 @@
           <a:p>
             <a:fld id="{849D05A8-43E9-1C49-8606-50AB68220DEC}" type="slidenum">
               <a:rPr lang="en-DE" smtClean="0"/>
-              <a:t>19</a:t>
+              <a:t>20</a:t>
             </a:fld>
             <a:endParaRPr lang="en-DE"/>
           </a:p>
@@ -7681,7 +8812,7 @@
 </p:sld>
 </file>
 
-<file path=ppt/slides/slide2.xml><?xml version="1.0" encoding="utf-8"?>
+<file path=ppt/slides/slide21.xml><?xml version="1.0" encoding="utf-8"?>
 <p:sld xmlns:a="http://schemas.openxmlformats.org/drawingml/2006/main" xmlns:r="http://schemas.openxmlformats.org/officeDocument/2006/relationships" xmlns:p="http://schemas.openxmlformats.org/presentationml/2006/main">
   <p:cSld>
     <p:spTree>
@@ -7700,213 +8831,6 @@
       </p:grpSpPr>
       <p:sp>
         <p:nvSpPr>
-          <p:cNvPr id="6" name="Title 5">
-            <a:extLst>
-              <a:ext uri="{FF2B5EF4-FFF2-40B4-BE49-F238E27FC236}">
-                <a16:creationId xmlns:a16="http://schemas.microsoft.com/office/drawing/2014/main" id="{A6D4E78A-896B-C79A-E2FE-5D9193754C31}"/>
-              </a:ext>
-            </a:extLst>
-          </p:cNvPr>
-          <p:cNvSpPr>
-            <a:spLocks noGrp="1"/>
-          </p:cNvSpPr>
-          <p:nvPr>
-            <p:ph type="title"/>
-          </p:nvPr>
-        </p:nvSpPr>
-        <p:spPr/>
-        <p:txBody>
-          <a:bodyPr/>
-          <a:lstStyle/>
-          <a:p>
-            <a:r>
-              <a:rPr lang="en-GB" dirty="0"/>
-              <a:t>Modern Language Models in a Nutshell</a:t>
-            </a:r>
-          </a:p>
-        </p:txBody>
-      </p:sp>
-      <p:sp>
-        <p:nvSpPr>
-          <p:cNvPr id="7" name="Content Placeholder 6">
-            <a:extLst>
-              <a:ext uri="{FF2B5EF4-FFF2-40B4-BE49-F238E27FC236}">
-                <a16:creationId xmlns:a16="http://schemas.microsoft.com/office/drawing/2014/main" id="{E908D6CC-B86F-1636-6F85-AB0B7A2A316F}"/>
-              </a:ext>
-            </a:extLst>
-          </p:cNvPr>
-          <p:cNvSpPr>
-            <a:spLocks noGrp="1"/>
-          </p:cNvSpPr>
-          <p:nvPr>
-            <p:ph idx="1"/>
-          </p:nvPr>
-        </p:nvSpPr>
-        <p:spPr/>
-        <p:txBody>
-          <a:bodyPr/>
-          <a:lstStyle/>
-          <a:p>
-            <a:r>
-              <a:rPr lang="en-GB" dirty="0"/>
-              <a:t>self-supervised learning: e.g., next-word prediction</a:t>
-            </a:r>
-          </a:p>
-          <a:p>
-            <a:r>
-              <a:rPr lang="en-GB" dirty="0"/>
-              <a:t>tokenization: split text into chunks (e.g., words)</a:t>
-            </a:r>
-          </a:p>
-          <a:p>
-            <a:r>
-              <a:rPr lang="en-GB" dirty="0"/>
-              <a:t>semantics by means of vector embeddings: e.g., via bag-of-words (or end-to-end in transformer)</a:t>
-            </a:r>
-          </a:p>
-          <a:p>
-            <a:r>
-              <a:rPr lang="en-GB" dirty="0"/>
-              <a:t>positional encoding &amp; embeddings: order of sequence</a:t>
-            </a:r>
-          </a:p>
-          <a:p>
-            <a:r>
-              <a:rPr lang="en-GB" dirty="0"/>
-              <a:t>contextual embeddings: (self-)attention (weighted averages: influence from other tokens)</a:t>
-            </a:r>
-          </a:p>
-        </p:txBody>
-      </p:sp>
-      <p:sp>
-        <p:nvSpPr>
-          <p:cNvPr id="5" name="Slide Number Placeholder 4">
-            <a:extLst>
-              <a:ext uri="{FF2B5EF4-FFF2-40B4-BE49-F238E27FC236}">
-                <a16:creationId xmlns:a16="http://schemas.microsoft.com/office/drawing/2014/main" id="{4E568FCF-2CF1-B3CF-F33E-FD3F880A8519}"/>
-              </a:ext>
-            </a:extLst>
-          </p:cNvPr>
-          <p:cNvSpPr>
-            <a:spLocks noGrp="1"/>
-          </p:cNvSpPr>
-          <p:nvPr>
-            <p:ph type="sldNum" sz="quarter" idx="12"/>
-          </p:nvPr>
-        </p:nvSpPr>
-        <p:spPr/>
-        <p:txBody>
-          <a:bodyPr/>
-          <a:lstStyle/>
-          <a:p>
-            <a:fld id="{849D05A8-43E9-1C49-8606-50AB68220DEC}" type="slidenum">
-              <a:rPr lang="en-DE" smtClean="0"/>
-              <a:t>2</a:t>
-            </a:fld>
-            <a:endParaRPr lang="en-DE"/>
-          </a:p>
-        </p:txBody>
-      </p:sp>
-      <p:pic>
-        <p:nvPicPr>
-          <p:cNvPr id="9" name="Picture 8">
-            <a:extLst>
-              <a:ext uri="{FF2B5EF4-FFF2-40B4-BE49-F238E27FC236}">
-                <a16:creationId xmlns:a16="http://schemas.microsoft.com/office/drawing/2014/main" id="{9CF13535-25F6-2D2D-CF2E-13506BC8DAB4}"/>
-              </a:ext>
-            </a:extLst>
-          </p:cNvPr>
-          <p:cNvPicPr>
-            <a:picLocks noChangeAspect="1"/>
-          </p:cNvPicPr>
-          <p:nvPr/>
-        </p:nvPicPr>
-        <p:blipFill>
-          <a:blip r:embed="rId2"/>
-          <a:stretch>
-            <a:fillRect/>
-          </a:stretch>
-        </p:blipFill>
-        <p:spPr>
-          <a:xfrm>
-            <a:off x="4365780" y="4898321"/>
-            <a:ext cx="6149820" cy="1594554"/>
-          </a:xfrm>
-          <a:prstGeom prst="rect">
-            <a:avLst/>
-          </a:prstGeom>
-        </p:spPr>
-      </p:pic>
-      <p:sp>
-        <p:nvSpPr>
-          <p:cNvPr id="10" name="TextBox 9">
-            <a:extLst>
-              <a:ext uri="{FF2B5EF4-FFF2-40B4-BE49-F238E27FC236}">
-                <a16:creationId xmlns:a16="http://schemas.microsoft.com/office/drawing/2014/main" id="{19055624-1DDD-A961-E47A-09FB20A316B6}"/>
-              </a:ext>
-            </a:extLst>
-          </p:cNvPr>
-          <p:cNvSpPr txBox="1"/>
-          <p:nvPr/>
-        </p:nvSpPr>
-        <p:spPr>
-          <a:xfrm>
-            <a:off x="8766496" y="6369764"/>
-            <a:ext cx="532518" cy="246221"/>
-          </a:xfrm>
-          <a:prstGeom prst="rect">
-            <a:avLst/>
-          </a:prstGeom>
-          <a:noFill/>
-        </p:spPr>
-        <p:txBody>
-          <a:bodyPr wrap="none" rtlCol="0">
-            <a:spAutoFit/>
-          </a:bodyPr>
-          <a:lstStyle/>
-          <a:p>
-            <a:r>
-              <a:rPr lang="de-DE" sz="1000" dirty="0">
-                <a:hlinkClick r:id="rId3"/>
-              </a:rPr>
-              <a:t>source</a:t>
-            </a:r>
-            <a:endParaRPr lang="de-DE" sz="1000" dirty="0"/>
-          </a:p>
-        </p:txBody>
-      </p:sp>
-    </p:spTree>
-    <p:extLst>
-      <p:ext uri="{BB962C8B-B14F-4D97-AF65-F5344CB8AC3E}">
-        <p14:creationId xmlns:p14="http://schemas.microsoft.com/office/powerpoint/2010/main" val="1658142472"/>
-      </p:ext>
-    </p:extLst>
-  </p:cSld>
-  <p:clrMapOvr>
-    <a:masterClrMapping/>
-  </p:clrMapOvr>
-</p:sld>
-</file>
-
-<file path=ppt/slides/slide20.xml><?xml version="1.0" encoding="utf-8"?>
-<p:sld xmlns:a="http://schemas.openxmlformats.org/drawingml/2006/main" xmlns:r="http://schemas.openxmlformats.org/officeDocument/2006/relationships" xmlns:p="http://schemas.openxmlformats.org/presentationml/2006/main">
-  <p:cSld>
-    <p:spTree>
-      <p:nvGrpSpPr>
-        <p:cNvPr id="1" name=""/>
-        <p:cNvGrpSpPr/>
-        <p:nvPr/>
-      </p:nvGrpSpPr>
-      <p:grpSpPr>
-        <a:xfrm>
-          <a:off x="0" y="0"/>
-          <a:ext cx="0" cy="0"/>
-          <a:chOff x="0" y="0"/>
-          <a:chExt cx="0" cy="0"/>
-        </a:xfrm>
-      </p:grpSpPr>
-      <p:sp>
-        <p:nvSpPr>
           <p:cNvPr id="2" name="Title 1">
             <a:extLst>
               <a:ext uri="{FF2B5EF4-FFF2-40B4-BE49-F238E27FC236}">
@@ -8045,7 +8969,7 @@
           <a:p>
             <a:fld id="{849D05A8-43E9-1C49-8606-50AB68220DEC}" type="slidenum">
               <a:rPr lang="en-DE" smtClean="0"/>
-              <a:t>20</a:t>
+              <a:t>21</a:t>
             </a:fld>
             <a:endParaRPr lang="en-DE"/>
           </a:p>
@@ -8191,175 +9115,6 @@
     <p:extLst>
       <p:ext uri="{BB962C8B-B14F-4D97-AF65-F5344CB8AC3E}">
         <p14:creationId xmlns:p14="http://schemas.microsoft.com/office/powerpoint/2010/main" val="454211426"/>
-      </p:ext>
-    </p:extLst>
-  </p:cSld>
-  <p:clrMapOvr>
-    <a:masterClrMapping/>
-  </p:clrMapOvr>
-</p:sld>
-</file>
-
-<file path=ppt/slides/slide21.xml><?xml version="1.0" encoding="utf-8"?>
-<p:sld xmlns:a="http://schemas.openxmlformats.org/drawingml/2006/main" xmlns:r="http://schemas.openxmlformats.org/officeDocument/2006/relationships" xmlns:p="http://schemas.openxmlformats.org/presentationml/2006/main">
-  <p:cSld>
-    <p:spTree>
-      <p:nvGrpSpPr>
-        <p:cNvPr id="1" name=""/>
-        <p:cNvGrpSpPr/>
-        <p:nvPr/>
-      </p:nvGrpSpPr>
-      <p:grpSpPr>
-        <a:xfrm>
-          <a:off x="0" y="0"/>
-          <a:ext cx="0" cy="0"/>
-          <a:chOff x="0" y="0"/>
-          <a:chExt cx="0" cy="0"/>
-        </a:xfrm>
-      </p:grpSpPr>
-      <p:pic>
-        <p:nvPicPr>
-          <p:cNvPr id="7" name="Picture 6">
-            <a:extLst>
-              <a:ext uri="{FF2B5EF4-FFF2-40B4-BE49-F238E27FC236}">
-                <a16:creationId xmlns:a16="http://schemas.microsoft.com/office/drawing/2014/main" id="{F698521C-AC3C-D0E7-CF73-7BED228DCAC2}"/>
-              </a:ext>
-            </a:extLst>
-          </p:cNvPr>
-          <p:cNvPicPr>
-            <a:picLocks noChangeAspect="1"/>
-          </p:cNvPicPr>
-          <p:nvPr/>
-        </p:nvPicPr>
-        <p:blipFill>
-          <a:blip r:embed="rId2"/>
-          <a:stretch>
-            <a:fillRect/>
-          </a:stretch>
-        </p:blipFill>
-        <p:spPr>
-          <a:xfrm>
-            <a:off x="2017123" y="59181"/>
-            <a:ext cx="8939202" cy="6324543"/>
-          </a:xfrm>
-          <a:prstGeom prst="rect">
-            <a:avLst/>
-          </a:prstGeom>
-        </p:spPr>
-      </p:pic>
-      <p:sp>
-        <p:nvSpPr>
-          <p:cNvPr id="4" name="Slide Number Placeholder 3">
-            <a:extLst>
-              <a:ext uri="{FF2B5EF4-FFF2-40B4-BE49-F238E27FC236}">
-                <a16:creationId xmlns:a16="http://schemas.microsoft.com/office/drawing/2014/main" id="{19F019C2-FDAB-D9C9-9855-BB5E343ACFCD}"/>
-              </a:ext>
-            </a:extLst>
-          </p:cNvPr>
-          <p:cNvSpPr>
-            <a:spLocks noGrp="1"/>
-          </p:cNvSpPr>
-          <p:nvPr>
-            <p:ph type="sldNum" sz="quarter" idx="12"/>
-          </p:nvPr>
-        </p:nvSpPr>
-        <p:spPr/>
-        <p:txBody>
-          <a:bodyPr/>
-          <a:lstStyle/>
-          <a:p>
-            <a:fld id="{849D05A8-43E9-1C49-8606-50AB68220DEC}" type="slidenum">
-              <a:rPr lang="en-DE" smtClean="0"/>
-              <a:t>21</a:t>
-            </a:fld>
-            <a:endParaRPr lang="en-DE"/>
-          </a:p>
-        </p:txBody>
-      </p:sp>
-      <p:sp>
-        <p:nvSpPr>
-          <p:cNvPr id="11" name="TextBox 10">
-            <a:extLst>
-              <a:ext uri="{FF2B5EF4-FFF2-40B4-BE49-F238E27FC236}">
-                <a16:creationId xmlns:a16="http://schemas.microsoft.com/office/drawing/2014/main" id="{270CDBC3-B539-55CB-B014-F40DA823CDD0}"/>
-              </a:ext>
-            </a:extLst>
-          </p:cNvPr>
-          <p:cNvSpPr txBox="1"/>
-          <p:nvPr/>
-        </p:nvSpPr>
-        <p:spPr>
-          <a:xfrm>
-            <a:off x="271708" y="1762897"/>
-            <a:ext cx="1745415" cy="1015663"/>
-          </a:xfrm>
-          <a:prstGeom prst="rect">
-            <a:avLst/>
-          </a:prstGeom>
-          <a:noFill/>
-        </p:spPr>
-        <p:txBody>
-          <a:bodyPr wrap="square" rtlCol="0">
-            <a:spAutoFit/>
-          </a:bodyPr>
-          <a:lstStyle/>
-          <a:p>
-            <a:r>
-              <a:rPr lang="en-GB" sz="3000" dirty="0"/>
-              <a:t>Google’s </a:t>
-            </a:r>
-            <a:r>
-              <a:rPr lang="en-GB" sz="3000" dirty="0">
-                <a:hlinkClick r:id="rId3"/>
-              </a:rPr>
-              <a:t>Gemini</a:t>
-            </a:r>
-            <a:r>
-              <a:rPr lang="en-GB" sz="3000" dirty="0"/>
-              <a:t>:</a:t>
-            </a:r>
-          </a:p>
-        </p:txBody>
-      </p:sp>
-      <p:sp>
-        <p:nvSpPr>
-          <p:cNvPr id="2" name="TextBox 1">
-            <a:extLst>
-              <a:ext uri="{FF2B5EF4-FFF2-40B4-BE49-F238E27FC236}">
-                <a16:creationId xmlns:a16="http://schemas.microsoft.com/office/drawing/2014/main" id="{47DDED41-70D5-80B2-9BFF-9A06034857FF}"/>
-              </a:ext>
-            </a:extLst>
-          </p:cNvPr>
-          <p:cNvSpPr txBox="1"/>
-          <p:nvPr/>
-        </p:nvSpPr>
-        <p:spPr>
-          <a:xfrm>
-            <a:off x="279301" y="6352143"/>
-            <a:ext cx="6069418" cy="369332"/>
-          </a:xfrm>
-          <a:prstGeom prst="rect">
-            <a:avLst/>
-          </a:prstGeom>
-          <a:noFill/>
-        </p:spPr>
-        <p:txBody>
-          <a:bodyPr wrap="none" rtlCol="0">
-            <a:spAutoFit/>
-          </a:bodyPr>
-          <a:lstStyle/>
-          <a:p>
-            <a:r>
-              <a:rPr lang="en-GB" dirty="0"/>
-              <a:t>multimodal understanding of inputs: text, audio, images, video</a:t>
-            </a:r>
-          </a:p>
-        </p:txBody>
-      </p:sp>
-    </p:spTree>
-    <p:extLst>
-      <p:ext uri="{BB962C8B-B14F-4D97-AF65-F5344CB8AC3E}">
-        <p14:creationId xmlns:p14="http://schemas.microsoft.com/office/powerpoint/2010/main" val="1453300615"/>
       </p:ext>
     </p:extLst>
   </p:cSld>
@@ -8386,6 +9141,175 @@
           <a:chExt cx="0" cy="0"/>
         </a:xfrm>
       </p:grpSpPr>
+      <p:pic>
+        <p:nvPicPr>
+          <p:cNvPr id="7" name="Picture 6">
+            <a:extLst>
+              <a:ext uri="{FF2B5EF4-FFF2-40B4-BE49-F238E27FC236}">
+                <a16:creationId xmlns:a16="http://schemas.microsoft.com/office/drawing/2014/main" id="{F698521C-AC3C-D0E7-CF73-7BED228DCAC2}"/>
+              </a:ext>
+            </a:extLst>
+          </p:cNvPr>
+          <p:cNvPicPr>
+            <a:picLocks noChangeAspect="1"/>
+          </p:cNvPicPr>
+          <p:nvPr/>
+        </p:nvPicPr>
+        <p:blipFill>
+          <a:blip r:embed="rId2"/>
+          <a:stretch>
+            <a:fillRect/>
+          </a:stretch>
+        </p:blipFill>
+        <p:spPr>
+          <a:xfrm>
+            <a:off x="2017123" y="59181"/>
+            <a:ext cx="8939202" cy="6324543"/>
+          </a:xfrm>
+          <a:prstGeom prst="rect">
+            <a:avLst/>
+          </a:prstGeom>
+        </p:spPr>
+      </p:pic>
+      <p:sp>
+        <p:nvSpPr>
+          <p:cNvPr id="4" name="Slide Number Placeholder 3">
+            <a:extLst>
+              <a:ext uri="{FF2B5EF4-FFF2-40B4-BE49-F238E27FC236}">
+                <a16:creationId xmlns:a16="http://schemas.microsoft.com/office/drawing/2014/main" id="{19F019C2-FDAB-D9C9-9855-BB5E343ACFCD}"/>
+              </a:ext>
+            </a:extLst>
+          </p:cNvPr>
+          <p:cNvSpPr>
+            <a:spLocks noGrp="1"/>
+          </p:cNvSpPr>
+          <p:nvPr>
+            <p:ph type="sldNum" sz="quarter" idx="12"/>
+          </p:nvPr>
+        </p:nvSpPr>
+        <p:spPr/>
+        <p:txBody>
+          <a:bodyPr/>
+          <a:lstStyle/>
+          <a:p>
+            <a:fld id="{849D05A8-43E9-1C49-8606-50AB68220DEC}" type="slidenum">
+              <a:rPr lang="en-DE" smtClean="0"/>
+              <a:t>22</a:t>
+            </a:fld>
+            <a:endParaRPr lang="en-DE"/>
+          </a:p>
+        </p:txBody>
+      </p:sp>
+      <p:sp>
+        <p:nvSpPr>
+          <p:cNvPr id="11" name="TextBox 10">
+            <a:extLst>
+              <a:ext uri="{FF2B5EF4-FFF2-40B4-BE49-F238E27FC236}">
+                <a16:creationId xmlns:a16="http://schemas.microsoft.com/office/drawing/2014/main" id="{270CDBC3-B539-55CB-B014-F40DA823CDD0}"/>
+              </a:ext>
+            </a:extLst>
+          </p:cNvPr>
+          <p:cNvSpPr txBox="1"/>
+          <p:nvPr/>
+        </p:nvSpPr>
+        <p:spPr>
+          <a:xfrm>
+            <a:off x="271708" y="1762897"/>
+            <a:ext cx="1745415" cy="1015663"/>
+          </a:xfrm>
+          <a:prstGeom prst="rect">
+            <a:avLst/>
+          </a:prstGeom>
+          <a:noFill/>
+        </p:spPr>
+        <p:txBody>
+          <a:bodyPr wrap="square" rtlCol="0">
+            <a:spAutoFit/>
+          </a:bodyPr>
+          <a:lstStyle/>
+          <a:p>
+            <a:r>
+              <a:rPr lang="en-GB" sz="3000" dirty="0"/>
+              <a:t>Google’s </a:t>
+            </a:r>
+            <a:r>
+              <a:rPr lang="en-GB" sz="3000" dirty="0">
+                <a:hlinkClick r:id="rId3"/>
+              </a:rPr>
+              <a:t>Gemini</a:t>
+            </a:r>
+            <a:r>
+              <a:rPr lang="en-GB" sz="3000" dirty="0"/>
+              <a:t>:</a:t>
+            </a:r>
+          </a:p>
+        </p:txBody>
+      </p:sp>
+      <p:sp>
+        <p:nvSpPr>
+          <p:cNvPr id="2" name="TextBox 1">
+            <a:extLst>
+              <a:ext uri="{FF2B5EF4-FFF2-40B4-BE49-F238E27FC236}">
+                <a16:creationId xmlns:a16="http://schemas.microsoft.com/office/drawing/2014/main" id="{47DDED41-70D5-80B2-9BFF-9A06034857FF}"/>
+              </a:ext>
+            </a:extLst>
+          </p:cNvPr>
+          <p:cNvSpPr txBox="1"/>
+          <p:nvPr/>
+        </p:nvSpPr>
+        <p:spPr>
+          <a:xfrm>
+            <a:off x="279301" y="6352143"/>
+            <a:ext cx="6069418" cy="369332"/>
+          </a:xfrm>
+          <a:prstGeom prst="rect">
+            <a:avLst/>
+          </a:prstGeom>
+          <a:noFill/>
+        </p:spPr>
+        <p:txBody>
+          <a:bodyPr wrap="none" rtlCol="0">
+            <a:spAutoFit/>
+          </a:bodyPr>
+          <a:lstStyle/>
+          <a:p>
+            <a:r>
+              <a:rPr lang="en-GB" dirty="0"/>
+              <a:t>multimodal understanding of inputs: text, audio, images, video</a:t>
+            </a:r>
+          </a:p>
+        </p:txBody>
+      </p:sp>
+    </p:spTree>
+    <p:extLst>
+      <p:ext uri="{BB962C8B-B14F-4D97-AF65-F5344CB8AC3E}">
+        <p14:creationId xmlns:p14="http://schemas.microsoft.com/office/powerpoint/2010/main" val="1453300615"/>
+      </p:ext>
+    </p:extLst>
+  </p:cSld>
+  <p:clrMapOvr>
+    <a:masterClrMapping/>
+  </p:clrMapOvr>
+</p:sld>
+</file>
+
+<file path=ppt/slides/slide23.xml><?xml version="1.0" encoding="utf-8"?>
+<p:sld xmlns:a="http://schemas.openxmlformats.org/drawingml/2006/main" xmlns:r="http://schemas.openxmlformats.org/officeDocument/2006/relationships" xmlns:p="http://schemas.openxmlformats.org/presentationml/2006/main">
+  <p:cSld>
+    <p:spTree>
+      <p:nvGrpSpPr>
+        <p:cNvPr id="1" name=""/>
+        <p:cNvGrpSpPr/>
+        <p:nvPr/>
+      </p:nvGrpSpPr>
+      <p:grpSpPr>
+        <a:xfrm>
+          <a:off x="0" y="0"/>
+          <a:ext cx="0" cy="0"/>
+          <a:chOff x="0" y="0"/>
+          <a:chExt cx="0" cy="0"/>
+        </a:xfrm>
+      </p:grpSpPr>
       <p:sp>
         <p:nvSpPr>
           <p:cNvPr id="2" name="Title 1">
@@ -8565,7 +9489,7 @@
           <a:p>
             <a:fld id="{849D05A8-43E9-1C49-8606-50AB68220DEC}" type="slidenum">
               <a:rPr lang="en-DE" smtClean="0"/>
-              <a:t>22</a:t>
+              <a:t>23</a:t>
             </a:fld>
             <a:endParaRPr lang="en-DE"/>
           </a:p>

--- a/slides/LanguageModels_2.pptx
+++ b/slides/LanguageModels_2.pptx
@@ -11,7 +11,7 @@
     <p:sldId id="278" r:id="rId2"/>
     <p:sldId id="694" r:id="rId3"/>
     <p:sldId id="337" r:id="rId4"/>
-    <p:sldId id="330" r:id="rId5"/>
+    <p:sldId id="696" r:id="rId5"/>
     <p:sldId id="286" r:id="rId6"/>
     <p:sldId id="285" r:id="rId7"/>
     <p:sldId id="280" r:id="rId8"/>
@@ -967,7 +967,7 @@
           <a:p>
             <a:fld id="{22D193DB-18D6-9041-9C70-C24EC80A4B6E}" type="datetimeFigureOut">
               <a:rPr lang="en-DE" smtClean="0"/>
-              <a:t>06/16/2024</a:t>
+              <a:t>07/01/2024</a:t>
             </a:fld>
             <a:endParaRPr lang="en-DE"/>
           </a:p>
@@ -1384,7 +1384,7 @@
           <a:p>
             <a:fld id="{120A37E0-810F-7549-BC85-637D5E1FD51D}" type="datetime1">
               <a:rPr lang="de-DE" smtClean="0"/>
-              <a:t>16.06.2024</a:t>
+              <a:t>01.07.2024</a:t>
             </a:fld>
             <a:endParaRPr lang="en-DE"/>
           </a:p>
@@ -1584,7 +1584,7 @@
           <a:p>
             <a:fld id="{B5CDBC61-5CF0-994A-BBF1-D8BFDE2785EA}" type="datetime1">
               <a:rPr lang="de-DE" smtClean="0"/>
-              <a:t>16.06.2024</a:t>
+              <a:t>01.07.2024</a:t>
             </a:fld>
             <a:endParaRPr lang="en-DE"/>
           </a:p>
@@ -1794,7 +1794,7 @@
           <a:p>
             <a:fld id="{980A3FD2-7E37-5748-BA1D-94B47BDE01D2}" type="datetime1">
               <a:rPr lang="de-DE" smtClean="0"/>
-              <a:t>16.06.2024</a:t>
+              <a:t>01.07.2024</a:t>
             </a:fld>
             <a:endParaRPr lang="en-DE"/>
           </a:p>
@@ -1994,7 +1994,7 @@
           <a:p>
             <a:fld id="{4D11A56E-48A2-C749-920A-4760650BEACB}" type="datetime1">
               <a:rPr lang="de-DE" smtClean="0"/>
-              <a:t>16.06.2024</a:t>
+              <a:t>01.07.2024</a:t>
             </a:fld>
             <a:endParaRPr lang="en-DE"/>
           </a:p>
@@ -2270,7 +2270,7 @@
           <a:p>
             <a:fld id="{193B0F02-0DA7-1D4C-B01D-75FC069092E3}" type="datetime1">
               <a:rPr lang="de-DE" smtClean="0"/>
-              <a:t>16.06.2024</a:t>
+              <a:t>01.07.2024</a:t>
             </a:fld>
             <a:endParaRPr lang="en-DE"/>
           </a:p>
@@ -2538,7 +2538,7 @@
           <a:p>
             <a:fld id="{51E8D128-44CC-154C-A764-DD0D7DFC9804}" type="datetime1">
               <a:rPr lang="de-DE" smtClean="0"/>
-              <a:t>16.06.2024</a:t>
+              <a:t>01.07.2024</a:t>
             </a:fld>
             <a:endParaRPr lang="en-DE"/>
           </a:p>
@@ -2953,7 +2953,7 @@
           <a:p>
             <a:fld id="{E64FFC17-B050-FC42-BF31-AD49CE23E4C7}" type="datetime1">
               <a:rPr lang="de-DE" smtClean="0"/>
-              <a:t>16.06.2024</a:t>
+              <a:t>01.07.2024</a:t>
             </a:fld>
             <a:endParaRPr lang="en-DE"/>
           </a:p>
@@ -3095,7 +3095,7 @@
           <a:p>
             <a:fld id="{AAA4E4F4-7BF7-5E46-9EF1-2DD0A201804D}" type="datetime1">
               <a:rPr lang="de-DE" smtClean="0"/>
-              <a:t>16.06.2024</a:t>
+              <a:t>01.07.2024</a:t>
             </a:fld>
             <a:endParaRPr lang="en-DE"/>
           </a:p>
@@ -3208,7 +3208,7 @@
           <a:p>
             <a:fld id="{D36C36D5-B192-FA47-9073-DA2AE91E7929}" type="datetime1">
               <a:rPr lang="de-DE" smtClean="0"/>
-              <a:t>16.06.2024</a:t>
+              <a:t>01.07.2024</a:t>
             </a:fld>
             <a:endParaRPr lang="en-DE"/>
           </a:p>
@@ -3521,7 +3521,7 @@
           <a:p>
             <a:fld id="{9EF55385-6396-FD45-BEFF-727CA0DA3623}" type="datetime1">
               <a:rPr lang="de-DE" smtClean="0"/>
-              <a:t>16.06.2024</a:t>
+              <a:t>01.07.2024</a:t>
             </a:fld>
             <a:endParaRPr lang="en-DE"/>
           </a:p>
@@ -3810,7 +3810,7 @@
           <a:p>
             <a:fld id="{FC21FF0E-D010-174A-A1C6-50F9DF078759}" type="datetime1">
               <a:rPr lang="de-DE" smtClean="0"/>
-              <a:t>16.06.2024</a:t>
+              <a:t>01.07.2024</a:t>
             </a:fld>
             <a:endParaRPr lang="en-DE"/>
           </a:p>
@@ -4053,7 +4053,7 @@
           <a:p>
             <a:fld id="{575AFE25-413A-474D-A500-11DF768B34B3}" type="datetime1">
               <a:rPr lang="de-DE" smtClean="0"/>
-              <a:t>16.06.2024</a:t>
+              <a:t>01.07.2024</a:t>
             </a:fld>
             <a:endParaRPr lang="en-DE"/>
           </a:p>
@@ -8081,7 +8081,7 @@
           <a:p>
             <a:r>
               <a:rPr lang="en-GB" dirty="0"/>
-              <a:t>self-supervised learning: e.g., next-word prediction</a:t>
+              <a:t>self-supervised learning: e.g., next/masked-word prediction</a:t>
             </a:r>
           </a:p>
           <a:p>
@@ -9728,7 +9728,7 @@
           <a:p>
             <a:r>
               <a:rPr lang="en-GB" sz="2400" dirty="0"/>
-              <a:t>representation learning (and subsequent fine-tuning)</a:t>
+              <a:t>learning of contextual embeddings (and subsequent fine-tuning)</a:t>
             </a:r>
           </a:p>
           <a:p>
@@ -9748,7 +9748,7 @@
           <a:p>
             <a:r>
               <a:rPr lang="en-GB" sz="2400" dirty="0"/>
-              <a:t>incorporate context of both sides of token</a:t>
+              <a:t>can’t generate text, can’t be prompted</a:t>
             </a:r>
           </a:p>
         </p:txBody>
@@ -9796,7 +9796,7 @@
           <a:p>
             <a:r>
               <a:rPr lang="en-GB" sz="2400" dirty="0"/>
-              <a:t>text generation (potentially in-context only), e.g., chat bot</a:t>
+              <a:t>text generation, e.g., chat bot (after instruction tuning)</a:t>
             </a:r>
           </a:p>
           <a:p>
@@ -10019,10 +10019,45 @@
           </a:p>
         </p:txBody>
       </p:sp>
+      <p:sp>
+        <p:nvSpPr>
+          <p:cNvPr id="7" name="TextBox 6">
+            <a:extLst>
+              <a:ext uri="{FF2B5EF4-FFF2-40B4-BE49-F238E27FC236}">
+                <a16:creationId xmlns:a16="http://schemas.microsoft.com/office/drawing/2014/main" id="{1F92F603-5333-9879-080E-7B3AE86BF4F1}"/>
+              </a:ext>
+            </a:extLst>
+          </p:cNvPr>
+          <p:cNvSpPr txBox="1"/>
+          <p:nvPr/>
+        </p:nvSpPr>
+        <p:spPr>
+          <a:xfrm>
+            <a:off x="6688666" y="4947002"/>
+            <a:ext cx="1140569" cy="369332"/>
+          </a:xfrm>
+          <a:prstGeom prst="rect">
+            <a:avLst/>
+          </a:prstGeom>
+          <a:noFill/>
+        </p:spPr>
+        <p:txBody>
+          <a:bodyPr wrap="none" rtlCol="0">
+            <a:spAutoFit/>
+          </a:bodyPr>
+          <a:lstStyle/>
+          <a:p>
+            <a:r>
+              <a:rPr lang="en-GB" dirty="0"/>
+              <a:t>aka causal</a:t>
+            </a:r>
+          </a:p>
+        </p:txBody>
+      </p:sp>
     </p:spTree>
     <p:extLst>
       <p:ext uri="{BB962C8B-B14F-4D97-AF65-F5344CB8AC3E}">
-        <p14:creationId xmlns:p14="http://schemas.microsoft.com/office/powerpoint/2010/main" val="2016851105"/>
+        <p14:creationId xmlns:p14="http://schemas.microsoft.com/office/powerpoint/2010/main" val="1609967323"/>
       </p:ext>
     </p:extLst>
   </p:cSld>
@@ -10197,6 +10232,12 @@
             <a:r>
               <a:rPr lang="en-GB" dirty="0"/>
               <a:t>next sentence prediction</a:t>
+            </a:r>
+          </a:p>
+          <a:p>
+            <a:r>
+              <a:rPr lang="en-GB" sz="2600" dirty="0"/>
+              <a:t>can’t generate text, can’t be prompted</a:t>
             </a:r>
           </a:p>
         </p:txBody>
